--- a/documentation/DIY-Pedalboard_01-11.pptx
+++ b/documentation/DIY-Pedalboard_01-11.pptx
@@ -5,7 +5,7 @@
     <p:sldMasterId id="2147483661" r:id="rId1"/>
   </p:sldMasterIdLst>
   <p:notesMasterIdLst>
-    <p:notesMasterId r:id="rId13"/>
+    <p:notesMasterId r:id="rId14"/>
   </p:notesMasterIdLst>
   <p:sldIdLst>
     <p:sldId id="256" r:id="rId2"/>
@@ -19,21 +19,22 @@
     <p:sldId id="296" r:id="rId10"/>
     <p:sldId id="297" r:id="rId11"/>
     <p:sldId id="298" r:id="rId12"/>
+    <p:sldId id="299" r:id="rId13"/>
   </p:sldIdLst>
   <p:sldSz cx="18288000" cy="10287000"/>
   <p:notesSz cx="6858000" cy="9144000"/>
   <p:embeddedFontLst>
     <p:embeddedFont>
       <p:font typeface="Oswald" pitchFamily="2" charset="77"/>
-      <p:regular r:id="rId14"/>
-      <p:bold r:id="rId15"/>
+      <p:regular r:id="rId15"/>
+      <p:bold r:id="rId16"/>
     </p:embeddedFont>
     <p:embeddedFont>
       <p:font typeface="Titillium Web" pitchFamily="2" charset="77"/>
-      <p:regular r:id="rId16"/>
-      <p:bold r:id="rId17"/>
-      <p:italic r:id="rId18"/>
-      <p:boldItalic r:id="rId19"/>
+      <p:regular r:id="rId17"/>
+      <p:bold r:id="rId18"/>
+      <p:italic r:id="rId19"/>
+      <p:boldItalic r:id="rId20"/>
     </p:embeddedFont>
   </p:embeddedFontLst>
   <p:defaultTextStyle>
@@ -1074,6 +1075,133 @@
     <p:extLst>
       <p:ext uri="{BB962C8B-B14F-4D97-AF65-F5344CB8AC3E}">
         <p14:creationId xmlns:p14="http://schemas.microsoft.com/office/powerpoint/2010/main" val="547360746"/>
+      </p:ext>
+    </p:extLst>
+  </p:cSld>
+  <p:clrMapOvr>
+    <a:masterClrMapping/>
+  </p:clrMapOvr>
+</p:notes>
+</file>
+
+<file path=ppt/notesSlides/notesSlide12.xml><?xml version="1.0" encoding="utf-8"?>
+<p:notes xmlns:a="http://schemas.openxmlformats.org/drawingml/2006/main" xmlns:r="http://schemas.openxmlformats.org/officeDocument/2006/relationships" xmlns:p="http://schemas.openxmlformats.org/presentationml/2006/main" showMasterSp="0" showMasterPhAnim="0">
+  <p:cSld>
+    <p:spTree>
+      <p:nvGrpSpPr>
+        <p:cNvPr id="1" name="Shape 140">
+          <a:extLst>
+            <a:ext uri="{FF2B5EF4-FFF2-40B4-BE49-F238E27FC236}">
+              <a16:creationId xmlns:a16="http://schemas.microsoft.com/office/drawing/2014/main" id="{FA769A7D-5B3B-4BB7-B566-C94EAB13C03B}"/>
+            </a:ext>
+          </a:extLst>
+        </p:cNvPr>
+        <p:cNvGrpSpPr/>
+        <p:nvPr/>
+      </p:nvGrpSpPr>
+      <p:grpSpPr>
+        <a:xfrm>
+          <a:off x="0" y="0"/>
+          <a:ext cx="0" cy="0"/>
+          <a:chOff x="0" y="0"/>
+          <a:chExt cx="0" cy="0"/>
+        </a:xfrm>
+      </p:grpSpPr>
+      <p:sp>
+        <p:nvSpPr>
+          <p:cNvPr id="141" name="Google Shape;141;p2:notes">
+            <a:extLst>
+              <a:ext uri="{FF2B5EF4-FFF2-40B4-BE49-F238E27FC236}">
+                <a16:creationId xmlns:a16="http://schemas.microsoft.com/office/drawing/2014/main" id="{EAB2E8B5-9AC6-9740-25F4-4A567758F904}"/>
+              </a:ext>
+            </a:extLst>
+          </p:cNvPr>
+          <p:cNvSpPr txBox="1">
+            <a:spLocks noGrp="1"/>
+          </p:cNvSpPr>
+          <p:nvPr>
+            <p:ph type="body" idx="1"/>
+          </p:nvPr>
+        </p:nvSpPr>
+        <p:spPr>
+          <a:xfrm>
+            <a:off x="685800" y="4343400"/>
+            <a:ext cx="5486400" cy="4114800"/>
+          </a:xfrm>
+          <a:prstGeom prst="rect">
+            <a:avLst/>
+          </a:prstGeom>
+        </p:spPr>
+        <p:txBody>
+          <a:bodyPr spcFirstLastPara="1" wrap="square" lIns="91425" tIns="91425" rIns="91425" bIns="91425" anchor="t" anchorCtr="0">
+            <a:noAutofit/>
+          </a:bodyPr>
+          <a:lstStyle/>
+          <a:p>
+            <a:pPr marL="0" lvl="0" indent="0" algn="l" rtl="0">
+              <a:spcBef>
+                <a:spcPts val="0"/>
+              </a:spcBef>
+              <a:spcAft>
+                <a:spcPts val="0"/>
+              </a:spcAft>
+              <a:buNone/>
+            </a:pPr>
+            <a:endParaRPr dirty="0"/>
+          </a:p>
+        </p:txBody>
+      </p:sp>
+      <p:sp>
+        <p:nvSpPr>
+          <p:cNvPr id="142" name="Google Shape;142;p2:notes">
+            <a:extLst>
+              <a:ext uri="{FF2B5EF4-FFF2-40B4-BE49-F238E27FC236}">
+                <a16:creationId xmlns:a16="http://schemas.microsoft.com/office/drawing/2014/main" id="{D4AB48D1-6ED7-83C0-13B3-2D5D14881D71}"/>
+              </a:ext>
+            </a:extLst>
+          </p:cNvPr>
+          <p:cNvSpPr>
+            <a:spLocks noGrp="1" noRot="1" noChangeAspect="1"/>
+          </p:cNvSpPr>
+          <p:nvPr>
+            <p:ph type="sldImg" idx="2"/>
+          </p:nvPr>
+        </p:nvSpPr>
+        <p:spPr>
+          <a:xfrm>
+            <a:off x="381000" y="685800"/>
+            <a:ext cx="6096000" cy="3429000"/>
+          </a:xfrm>
+          <a:custGeom>
+            <a:avLst/>
+            <a:gdLst/>
+            <a:ahLst/>
+            <a:cxnLst/>
+            <a:rect l="l" t="t" r="r" b="b"/>
+            <a:pathLst>
+              <a:path w="120000" h="120000" extrusionOk="0">
+                <a:moveTo>
+                  <a:pt x="0" y="0"/>
+                </a:moveTo>
+                <a:lnTo>
+                  <a:pt x="120000" y="0"/>
+                </a:lnTo>
+                <a:lnTo>
+                  <a:pt x="120000" y="120000"/>
+                </a:lnTo>
+                <a:lnTo>
+                  <a:pt x="0" y="120000"/>
+                </a:lnTo>
+                <a:close/>
+              </a:path>
+            </a:pathLst>
+          </a:custGeom>
+        </p:spPr>
+      </p:sp>
+    </p:spTree>
+    <p:extLst>
+      <p:ext uri="{BB962C8B-B14F-4D97-AF65-F5344CB8AC3E}">
+        <p14:creationId xmlns:p14="http://schemas.microsoft.com/office/powerpoint/2010/main" val="3569495537"/>
       </p:ext>
     </p:extLst>
   </p:cSld>
@@ -19019,13 +19147,13 @@
   <p:clrMapOvr>
     <a:masterClrMapping/>
   </p:clrMapOvr>
-  <mc:AlternateContent xmlns:mc="http://schemas.openxmlformats.org/markup-compatibility/2006" xmlns:p159="http://schemas.microsoft.com/office/powerpoint/2015/09/main">
-    <mc:Choice Requires="p159">
+  <mc:AlternateContent xmlns:mc="http://schemas.openxmlformats.org/markup-compatibility/2006">
+    <mc:Choice xmlns:p159="http://schemas.microsoft.com/office/powerpoint/2015/09/main" Requires="p159">
       <p:transition xmlns:p14="http://schemas.microsoft.com/office/powerpoint/2010/main" spd="slow" p14:dur="2000">
         <p159:morph option="byObject"/>
       </p:transition>
     </mc:Choice>
-    <mc:Fallback xmlns="">
+    <mc:Fallback>
       <p:transition spd="slow">
         <p:fade/>
       </p:transition>
@@ -19034,20 +19162,18 @@
 </p:sld>
 </file>
 
-<file path=ppt/slides/slide2.xml><?xml version="1.0" encoding="utf-8"?>
+<file path=ppt/slides/slide12.xml><?xml version="1.0" encoding="utf-8"?>
 <p:sld xmlns:a="http://schemas.openxmlformats.org/drawingml/2006/main" xmlns:r="http://schemas.openxmlformats.org/officeDocument/2006/relationships" xmlns:p="http://schemas.openxmlformats.org/presentationml/2006/main">
   <p:cSld>
-    <p:bg>
-      <p:bgPr>
-        <a:solidFill>
-          <a:srgbClr val="232325"/>
-        </a:solidFill>
-        <a:effectLst/>
-      </p:bgPr>
-    </p:bg>
     <p:spTree>
       <p:nvGrpSpPr>
-        <p:cNvPr id="1" name="Shape 143"/>
+        <p:cNvPr id="1" name="Shape 143">
+          <a:extLst>
+            <a:ext uri="{FF2B5EF4-FFF2-40B4-BE49-F238E27FC236}">
+              <a16:creationId xmlns:a16="http://schemas.microsoft.com/office/drawing/2014/main" id="{B43F91DF-8256-0E30-E741-0FFEE9AC1574}"/>
+            </a:ext>
+          </a:extLst>
+        </p:cNvPr>
         <p:cNvGrpSpPr/>
         <p:nvPr/>
       </p:nvGrpSpPr>
@@ -19061,10 +19187,10 @@
       </p:grpSpPr>
       <p:sp>
         <p:nvSpPr>
-          <p:cNvPr id="17" name="Rechteck 16">
+          <p:cNvPr id="18" name="Oval 17">
             <a:extLst>
               <a:ext uri="{FF2B5EF4-FFF2-40B4-BE49-F238E27FC236}">
-                <a16:creationId xmlns:a16="http://schemas.microsoft.com/office/drawing/2014/main" id="{3DC77FC0-8990-CD7F-380D-AAFD0E67EA46}"/>
+                <a16:creationId xmlns:a16="http://schemas.microsoft.com/office/drawing/2014/main" id="{D4629B17-3A35-6F5A-7038-8362CE87CCCA}"/>
               </a:ext>
             </a:extLst>
           </p:cNvPr>
@@ -19073,13 +19199,15 @@
         </p:nvSpPr>
         <p:spPr>
           <a:xfrm>
-            <a:off x="5579922" y="2604836"/>
-            <a:ext cx="9364657" cy="5200492"/>
-          </a:xfrm>
-          <a:prstGeom prst="rect">
-            <a:avLst/>
-          </a:prstGeom>
-          <a:noFill/>
+            <a:off x="7943649" y="7091243"/>
+            <a:ext cx="612000" cy="432000"/>
+          </a:xfrm>
+          <a:prstGeom prst="ellipse">
+            <a:avLst/>
+          </a:prstGeom>
+          <a:solidFill>
+            <a:schemeClr val="tx1"/>
+          </a:solidFill>
           <a:ln>
             <a:solidFill>
               <a:srgbClr val="FFC000"/>
@@ -19113,7 +19241,879 @@
       </p:sp>
       <p:sp>
         <p:nvSpPr>
-          <p:cNvPr id="147" name="Google Shape;147;p16"/>
+          <p:cNvPr id="19" name="Oval 18">
+            <a:extLst>
+              <a:ext uri="{FF2B5EF4-FFF2-40B4-BE49-F238E27FC236}">
+                <a16:creationId xmlns:a16="http://schemas.microsoft.com/office/drawing/2014/main" id="{E94932D7-C837-F479-9236-496650142A76}"/>
+              </a:ext>
+            </a:extLst>
+          </p:cNvPr>
+          <p:cNvSpPr/>
+          <p:nvPr/>
+        </p:nvSpPr>
+        <p:spPr>
+          <a:xfrm>
+            <a:off x="9108064" y="7086608"/>
+            <a:ext cx="612000" cy="432000"/>
+          </a:xfrm>
+          <a:prstGeom prst="ellipse">
+            <a:avLst/>
+          </a:prstGeom>
+          <a:solidFill>
+            <a:schemeClr val="tx1"/>
+          </a:solidFill>
+          <a:ln>
+            <a:solidFill>
+              <a:srgbClr val="FFC000"/>
+            </a:solidFill>
+          </a:ln>
+        </p:spPr>
+        <p:style>
+          <a:lnRef idx="2">
+            <a:schemeClr val="accent1">
+              <a:shade val="15000"/>
+            </a:schemeClr>
+          </a:lnRef>
+          <a:fillRef idx="1">
+            <a:schemeClr val="accent1"/>
+          </a:fillRef>
+          <a:effectRef idx="0">
+            <a:schemeClr val="accent1"/>
+          </a:effectRef>
+          <a:fontRef idx="minor">
+            <a:schemeClr val="lt1"/>
+          </a:fontRef>
+        </p:style>
+        <p:txBody>
+          <a:bodyPr rtlCol="0" anchor="ctr"/>
+          <a:lstStyle/>
+          <a:p>
+            <a:pPr algn="ctr"/>
+            <a:endParaRPr lang="de-DE"/>
+          </a:p>
+        </p:txBody>
+      </p:sp>
+      <p:sp>
+        <p:nvSpPr>
+          <p:cNvPr id="20" name="Oval 19">
+            <a:extLst>
+              <a:ext uri="{FF2B5EF4-FFF2-40B4-BE49-F238E27FC236}">
+                <a16:creationId xmlns:a16="http://schemas.microsoft.com/office/drawing/2014/main" id="{9F0E3954-E10B-6A98-954B-9E9EE05EAC95}"/>
+              </a:ext>
+            </a:extLst>
+          </p:cNvPr>
+          <p:cNvSpPr/>
+          <p:nvPr/>
+        </p:nvSpPr>
+        <p:spPr>
+          <a:xfrm>
+            <a:off x="13356536" y="7096425"/>
+            <a:ext cx="612000" cy="432000"/>
+          </a:xfrm>
+          <a:prstGeom prst="ellipse">
+            <a:avLst/>
+          </a:prstGeom>
+          <a:solidFill>
+            <a:schemeClr val="tx1"/>
+          </a:solidFill>
+          <a:ln>
+            <a:solidFill>
+              <a:srgbClr val="FFC000"/>
+            </a:solidFill>
+          </a:ln>
+        </p:spPr>
+        <p:style>
+          <a:lnRef idx="2">
+            <a:schemeClr val="accent1">
+              <a:shade val="15000"/>
+            </a:schemeClr>
+          </a:lnRef>
+          <a:fillRef idx="1">
+            <a:schemeClr val="accent1"/>
+          </a:fillRef>
+          <a:effectRef idx="0">
+            <a:schemeClr val="accent1"/>
+          </a:effectRef>
+          <a:fontRef idx="minor">
+            <a:schemeClr val="lt1"/>
+          </a:fontRef>
+        </p:style>
+        <p:txBody>
+          <a:bodyPr rtlCol="0" anchor="ctr"/>
+          <a:lstStyle/>
+          <a:p>
+            <a:pPr algn="ctr"/>
+            <a:endParaRPr lang="de-DE"/>
+          </a:p>
+        </p:txBody>
+      </p:sp>
+      <p:sp>
+        <p:nvSpPr>
+          <p:cNvPr id="21" name="Oval 20">
+            <a:extLst>
+              <a:ext uri="{FF2B5EF4-FFF2-40B4-BE49-F238E27FC236}">
+                <a16:creationId xmlns:a16="http://schemas.microsoft.com/office/drawing/2014/main" id="{E4FC42AB-B687-4BBE-C688-838EA8A7A39F}"/>
+              </a:ext>
+            </a:extLst>
+          </p:cNvPr>
+          <p:cNvSpPr/>
+          <p:nvPr/>
+        </p:nvSpPr>
+        <p:spPr>
+          <a:xfrm>
+            <a:off x="11196296" y="7086608"/>
+            <a:ext cx="612000" cy="432000"/>
+          </a:xfrm>
+          <a:prstGeom prst="ellipse">
+            <a:avLst/>
+          </a:prstGeom>
+          <a:solidFill>
+            <a:schemeClr val="tx1"/>
+          </a:solidFill>
+          <a:ln>
+            <a:solidFill>
+              <a:srgbClr val="FFC000"/>
+            </a:solidFill>
+          </a:ln>
+        </p:spPr>
+        <p:style>
+          <a:lnRef idx="2">
+            <a:schemeClr val="accent1">
+              <a:shade val="15000"/>
+            </a:schemeClr>
+          </a:lnRef>
+          <a:fillRef idx="1">
+            <a:schemeClr val="accent1"/>
+          </a:fillRef>
+          <a:effectRef idx="0">
+            <a:schemeClr val="accent1"/>
+          </a:effectRef>
+          <a:fontRef idx="minor">
+            <a:schemeClr val="lt1"/>
+          </a:fontRef>
+        </p:style>
+        <p:txBody>
+          <a:bodyPr rtlCol="0" anchor="ctr"/>
+          <a:lstStyle/>
+          <a:p>
+            <a:pPr algn="ctr"/>
+            <a:endParaRPr lang="de-DE"/>
+          </a:p>
+        </p:txBody>
+      </p:sp>
+      <p:sp>
+        <p:nvSpPr>
+          <p:cNvPr id="22" name="Oval 21">
+            <a:extLst>
+              <a:ext uri="{FF2B5EF4-FFF2-40B4-BE49-F238E27FC236}">
+                <a16:creationId xmlns:a16="http://schemas.microsoft.com/office/drawing/2014/main" id="{0B4731DB-7B8A-9F8F-A6A5-0224A40310EA}"/>
+              </a:ext>
+            </a:extLst>
+          </p:cNvPr>
+          <p:cNvSpPr/>
+          <p:nvPr/>
+        </p:nvSpPr>
+        <p:spPr>
+          <a:xfrm>
+            <a:off x="12276416" y="7123970"/>
+            <a:ext cx="612000" cy="432000"/>
+          </a:xfrm>
+          <a:prstGeom prst="ellipse">
+            <a:avLst/>
+          </a:prstGeom>
+          <a:solidFill>
+            <a:schemeClr val="tx1"/>
+          </a:solidFill>
+          <a:ln>
+            <a:solidFill>
+              <a:srgbClr val="FFC000"/>
+            </a:solidFill>
+          </a:ln>
+        </p:spPr>
+        <p:style>
+          <a:lnRef idx="2">
+            <a:schemeClr val="accent1">
+              <a:shade val="15000"/>
+            </a:schemeClr>
+          </a:lnRef>
+          <a:fillRef idx="1">
+            <a:schemeClr val="accent1"/>
+          </a:fillRef>
+          <a:effectRef idx="0">
+            <a:schemeClr val="accent1"/>
+          </a:effectRef>
+          <a:fontRef idx="minor">
+            <a:schemeClr val="lt1"/>
+          </a:fontRef>
+        </p:style>
+        <p:txBody>
+          <a:bodyPr rtlCol="0" anchor="ctr"/>
+          <a:lstStyle/>
+          <a:p>
+            <a:pPr algn="ctr"/>
+            <a:endParaRPr lang="de-DE"/>
+          </a:p>
+        </p:txBody>
+      </p:sp>
+      <p:sp>
+        <p:nvSpPr>
+          <p:cNvPr id="25" name="Oval 24">
+            <a:extLst>
+              <a:ext uri="{FF2B5EF4-FFF2-40B4-BE49-F238E27FC236}">
+                <a16:creationId xmlns:a16="http://schemas.microsoft.com/office/drawing/2014/main" id="{6FAB74AF-7576-F77E-5D39-9A9116152AAF}"/>
+              </a:ext>
+            </a:extLst>
+          </p:cNvPr>
+          <p:cNvSpPr/>
+          <p:nvPr/>
+        </p:nvSpPr>
+        <p:spPr>
+          <a:xfrm>
+            <a:off x="7429601" y="7816032"/>
+            <a:ext cx="540000" cy="360000"/>
+          </a:xfrm>
+          <a:prstGeom prst="ellipse">
+            <a:avLst/>
+          </a:prstGeom>
+          <a:solidFill>
+            <a:schemeClr val="tx1"/>
+          </a:solidFill>
+          <a:ln>
+            <a:solidFill>
+              <a:srgbClr val="FFC000"/>
+            </a:solidFill>
+          </a:ln>
+        </p:spPr>
+        <p:style>
+          <a:lnRef idx="2">
+            <a:schemeClr val="accent1">
+              <a:shade val="15000"/>
+            </a:schemeClr>
+          </a:lnRef>
+          <a:fillRef idx="1">
+            <a:schemeClr val="accent1"/>
+          </a:fillRef>
+          <a:effectRef idx="0">
+            <a:schemeClr val="accent1"/>
+          </a:effectRef>
+          <a:fontRef idx="minor">
+            <a:schemeClr val="lt1"/>
+          </a:fontRef>
+        </p:style>
+        <p:txBody>
+          <a:bodyPr rtlCol="0" anchor="ctr"/>
+          <a:lstStyle/>
+          <a:p>
+            <a:pPr algn="ctr"/>
+            <a:endParaRPr lang="de-DE"/>
+          </a:p>
+        </p:txBody>
+      </p:sp>
+      <p:sp>
+        <p:nvSpPr>
+          <p:cNvPr id="26" name="Oval 25">
+            <a:extLst>
+              <a:ext uri="{FF2B5EF4-FFF2-40B4-BE49-F238E27FC236}">
+                <a16:creationId xmlns:a16="http://schemas.microsoft.com/office/drawing/2014/main" id="{1D1A21E3-F3AE-8BE1-295F-57908FF006D4}"/>
+              </a:ext>
+            </a:extLst>
+          </p:cNvPr>
+          <p:cNvSpPr/>
+          <p:nvPr/>
+        </p:nvSpPr>
+        <p:spPr>
+          <a:xfrm>
+            <a:off x="8531992" y="7816032"/>
+            <a:ext cx="540000" cy="360000"/>
+          </a:xfrm>
+          <a:prstGeom prst="ellipse">
+            <a:avLst/>
+          </a:prstGeom>
+          <a:solidFill>
+            <a:schemeClr val="tx1"/>
+          </a:solidFill>
+          <a:ln>
+            <a:solidFill>
+              <a:srgbClr val="FFC000"/>
+            </a:solidFill>
+          </a:ln>
+        </p:spPr>
+        <p:style>
+          <a:lnRef idx="2">
+            <a:schemeClr val="accent1">
+              <a:shade val="15000"/>
+            </a:schemeClr>
+          </a:lnRef>
+          <a:fillRef idx="1">
+            <a:schemeClr val="accent1"/>
+          </a:fillRef>
+          <a:effectRef idx="0">
+            <a:schemeClr val="accent1"/>
+          </a:effectRef>
+          <a:fontRef idx="minor">
+            <a:schemeClr val="lt1"/>
+          </a:fontRef>
+        </p:style>
+        <p:txBody>
+          <a:bodyPr rtlCol="0" anchor="ctr"/>
+          <a:lstStyle/>
+          <a:p>
+            <a:pPr algn="ctr"/>
+            <a:endParaRPr lang="de-DE"/>
+          </a:p>
+        </p:txBody>
+      </p:sp>
+      <p:sp>
+        <p:nvSpPr>
+          <p:cNvPr id="27" name="Oval 26">
+            <a:extLst>
+              <a:ext uri="{FF2B5EF4-FFF2-40B4-BE49-F238E27FC236}">
+                <a16:creationId xmlns:a16="http://schemas.microsoft.com/office/drawing/2014/main" id="{28339C6B-AB9F-5D02-F280-84DEBEAC7110}"/>
+              </a:ext>
+            </a:extLst>
+          </p:cNvPr>
+          <p:cNvSpPr/>
+          <p:nvPr/>
+        </p:nvSpPr>
+        <p:spPr>
+          <a:xfrm>
+            <a:off x="9612112" y="7816032"/>
+            <a:ext cx="540000" cy="360000"/>
+          </a:xfrm>
+          <a:prstGeom prst="ellipse">
+            <a:avLst/>
+          </a:prstGeom>
+          <a:solidFill>
+            <a:schemeClr val="tx1"/>
+          </a:solidFill>
+          <a:ln>
+            <a:solidFill>
+              <a:srgbClr val="FFC000"/>
+            </a:solidFill>
+          </a:ln>
+        </p:spPr>
+        <p:style>
+          <a:lnRef idx="2">
+            <a:schemeClr val="accent1">
+              <a:shade val="15000"/>
+            </a:schemeClr>
+          </a:lnRef>
+          <a:fillRef idx="1">
+            <a:schemeClr val="accent1"/>
+          </a:fillRef>
+          <a:effectRef idx="0">
+            <a:schemeClr val="accent1"/>
+          </a:effectRef>
+          <a:fontRef idx="minor">
+            <a:schemeClr val="lt1"/>
+          </a:fontRef>
+        </p:style>
+        <p:txBody>
+          <a:bodyPr rtlCol="0" anchor="ctr"/>
+          <a:lstStyle/>
+          <a:p>
+            <a:pPr algn="ctr"/>
+            <a:endParaRPr lang="de-DE"/>
+          </a:p>
+        </p:txBody>
+      </p:sp>
+      <p:sp>
+        <p:nvSpPr>
+          <p:cNvPr id="28" name="Oval 27">
+            <a:extLst>
+              <a:ext uri="{FF2B5EF4-FFF2-40B4-BE49-F238E27FC236}">
+                <a16:creationId xmlns:a16="http://schemas.microsoft.com/office/drawing/2014/main" id="{6C9A1210-56F0-8A8F-4AAC-C1E5CBC870E5}"/>
+              </a:ext>
+            </a:extLst>
+          </p:cNvPr>
+          <p:cNvSpPr/>
+          <p:nvPr/>
+        </p:nvSpPr>
+        <p:spPr>
+          <a:xfrm>
+            <a:off x="10652652" y="7816032"/>
+            <a:ext cx="540000" cy="360000"/>
+          </a:xfrm>
+          <a:prstGeom prst="ellipse">
+            <a:avLst/>
+          </a:prstGeom>
+          <a:solidFill>
+            <a:schemeClr val="tx1"/>
+          </a:solidFill>
+          <a:ln>
+            <a:solidFill>
+              <a:srgbClr val="FFC000"/>
+            </a:solidFill>
+          </a:ln>
+        </p:spPr>
+        <p:style>
+          <a:lnRef idx="2">
+            <a:schemeClr val="accent1">
+              <a:shade val="15000"/>
+            </a:schemeClr>
+          </a:lnRef>
+          <a:fillRef idx="1">
+            <a:schemeClr val="accent1"/>
+          </a:fillRef>
+          <a:effectRef idx="0">
+            <a:schemeClr val="accent1"/>
+          </a:effectRef>
+          <a:fontRef idx="minor">
+            <a:schemeClr val="lt1"/>
+          </a:fontRef>
+        </p:style>
+        <p:txBody>
+          <a:bodyPr rtlCol="0" anchor="ctr"/>
+          <a:lstStyle/>
+          <a:p>
+            <a:pPr algn="ctr"/>
+            <a:endParaRPr lang="de-DE"/>
+          </a:p>
+        </p:txBody>
+      </p:sp>
+      <p:sp>
+        <p:nvSpPr>
+          <p:cNvPr id="29" name="Oval 28">
+            <a:extLst>
+              <a:ext uri="{FF2B5EF4-FFF2-40B4-BE49-F238E27FC236}">
+                <a16:creationId xmlns:a16="http://schemas.microsoft.com/office/drawing/2014/main" id="{F74EB7DA-5C55-CBDC-2D76-8A90A6B7E004}"/>
+              </a:ext>
+            </a:extLst>
+          </p:cNvPr>
+          <p:cNvSpPr/>
+          <p:nvPr/>
+        </p:nvSpPr>
+        <p:spPr>
+          <a:xfrm>
+            <a:off x="11761602" y="7807796"/>
+            <a:ext cx="540000" cy="360000"/>
+          </a:xfrm>
+          <a:prstGeom prst="ellipse">
+            <a:avLst/>
+          </a:prstGeom>
+          <a:solidFill>
+            <a:schemeClr val="tx1"/>
+          </a:solidFill>
+          <a:ln>
+            <a:solidFill>
+              <a:srgbClr val="FFC000"/>
+            </a:solidFill>
+          </a:ln>
+        </p:spPr>
+        <p:style>
+          <a:lnRef idx="2">
+            <a:schemeClr val="accent1">
+              <a:shade val="15000"/>
+            </a:schemeClr>
+          </a:lnRef>
+          <a:fillRef idx="1">
+            <a:schemeClr val="accent1"/>
+          </a:fillRef>
+          <a:effectRef idx="0">
+            <a:schemeClr val="accent1"/>
+          </a:effectRef>
+          <a:fontRef idx="minor">
+            <a:schemeClr val="lt1"/>
+          </a:fontRef>
+        </p:style>
+        <p:txBody>
+          <a:bodyPr rtlCol="0" anchor="ctr"/>
+          <a:lstStyle/>
+          <a:p>
+            <a:pPr algn="ctr"/>
+            <a:endParaRPr lang="de-DE"/>
+          </a:p>
+        </p:txBody>
+      </p:sp>
+      <p:sp>
+        <p:nvSpPr>
+          <p:cNvPr id="30" name="Oval 29">
+            <a:extLst>
+              <a:ext uri="{FF2B5EF4-FFF2-40B4-BE49-F238E27FC236}">
+                <a16:creationId xmlns:a16="http://schemas.microsoft.com/office/drawing/2014/main" id="{687CE2EE-6A25-B1A7-681E-D75195245606}"/>
+              </a:ext>
+            </a:extLst>
+          </p:cNvPr>
+          <p:cNvSpPr/>
+          <p:nvPr/>
+        </p:nvSpPr>
+        <p:spPr>
+          <a:xfrm>
+            <a:off x="12845412" y="7816032"/>
+            <a:ext cx="540000" cy="360000"/>
+          </a:xfrm>
+          <a:prstGeom prst="ellipse">
+            <a:avLst/>
+          </a:prstGeom>
+          <a:solidFill>
+            <a:schemeClr val="tx1"/>
+          </a:solidFill>
+          <a:ln>
+            <a:solidFill>
+              <a:srgbClr val="FFC000"/>
+            </a:solidFill>
+          </a:ln>
+        </p:spPr>
+        <p:style>
+          <a:lnRef idx="2">
+            <a:schemeClr val="accent1">
+              <a:shade val="15000"/>
+            </a:schemeClr>
+          </a:lnRef>
+          <a:fillRef idx="1">
+            <a:schemeClr val="accent1"/>
+          </a:fillRef>
+          <a:effectRef idx="0">
+            <a:schemeClr val="accent1"/>
+          </a:effectRef>
+          <a:fontRef idx="minor">
+            <a:schemeClr val="lt1"/>
+          </a:fontRef>
+        </p:style>
+        <p:txBody>
+          <a:bodyPr rtlCol="0" anchor="ctr"/>
+          <a:lstStyle/>
+          <a:p>
+            <a:pPr algn="ctr"/>
+            <a:endParaRPr lang="de-DE"/>
+          </a:p>
+        </p:txBody>
+      </p:sp>
+      <p:sp>
+        <p:nvSpPr>
+          <p:cNvPr id="31" name="Oval 30">
+            <a:extLst>
+              <a:ext uri="{FF2B5EF4-FFF2-40B4-BE49-F238E27FC236}">
+                <a16:creationId xmlns:a16="http://schemas.microsoft.com/office/drawing/2014/main" id="{7A998383-D6E6-784A-6D70-B5F64C7674E0}"/>
+              </a:ext>
+            </a:extLst>
+          </p:cNvPr>
+          <p:cNvSpPr/>
+          <p:nvPr/>
+        </p:nvSpPr>
+        <p:spPr>
+          <a:xfrm>
+            <a:off x="13932592" y="7816032"/>
+            <a:ext cx="540000" cy="360000"/>
+          </a:xfrm>
+          <a:prstGeom prst="ellipse">
+            <a:avLst/>
+          </a:prstGeom>
+          <a:solidFill>
+            <a:schemeClr val="tx1"/>
+          </a:solidFill>
+          <a:ln>
+            <a:solidFill>
+              <a:srgbClr val="FFC000"/>
+            </a:solidFill>
+          </a:ln>
+        </p:spPr>
+        <p:style>
+          <a:lnRef idx="2">
+            <a:schemeClr val="accent1">
+              <a:shade val="15000"/>
+            </a:schemeClr>
+          </a:lnRef>
+          <a:fillRef idx="1">
+            <a:schemeClr val="accent1"/>
+          </a:fillRef>
+          <a:effectRef idx="0">
+            <a:schemeClr val="accent1"/>
+          </a:effectRef>
+          <a:fontRef idx="minor">
+            <a:schemeClr val="lt1"/>
+          </a:fontRef>
+        </p:style>
+        <p:txBody>
+          <a:bodyPr rtlCol="0" anchor="ctr"/>
+          <a:lstStyle/>
+          <a:p>
+            <a:pPr algn="ctr"/>
+            <a:endParaRPr lang="de-DE"/>
+          </a:p>
+        </p:txBody>
+      </p:sp>
+      <p:cxnSp>
+        <p:nvCxnSpPr>
+          <p:cNvPr id="11" name="LL">
+            <a:extLst>
+              <a:ext uri="{FF2B5EF4-FFF2-40B4-BE49-F238E27FC236}">
+                <a16:creationId xmlns:a16="http://schemas.microsoft.com/office/drawing/2014/main" id="{67EC0741-DF13-DB80-3FDF-EB2D56FD9BC6}"/>
+              </a:ext>
+            </a:extLst>
+          </p:cNvPr>
+          <p:cNvCxnSpPr>
+            <a:cxnSpLocks/>
+          </p:cNvCxnSpPr>
+          <p:nvPr/>
+        </p:nvCxnSpPr>
+        <p:spPr>
+          <a:xfrm rot="10800000">
+            <a:off x="5549165" y="4445947"/>
+            <a:ext cx="1435917" cy="4322233"/>
+          </a:xfrm>
+          <a:prstGeom prst="line">
+            <a:avLst/>
+          </a:prstGeom>
+          <a:ln w="25400">
+            <a:solidFill>
+              <a:srgbClr val="FFC000"/>
+            </a:solidFill>
+          </a:ln>
+        </p:spPr>
+        <p:style>
+          <a:lnRef idx="1">
+            <a:schemeClr val="accent1"/>
+          </a:lnRef>
+          <a:fillRef idx="0">
+            <a:schemeClr val="accent1"/>
+          </a:fillRef>
+          <a:effectRef idx="0">
+            <a:schemeClr val="accent1"/>
+          </a:effectRef>
+          <a:fontRef idx="minor">
+            <a:schemeClr val="tx1"/>
+          </a:fontRef>
+        </p:style>
+      </p:cxnSp>
+      <p:cxnSp>
+        <p:nvCxnSpPr>
+          <p:cNvPr id="15" name="LR">
+            <a:extLst>
+              <a:ext uri="{FF2B5EF4-FFF2-40B4-BE49-F238E27FC236}">
+                <a16:creationId xmlns:a16="http://schemas.microsoft.com/office/drawing/2014/main" id="{49D5EBDC-524C-7AAF-98CA-A044AAF705BE}"/>
+              </a:ext>
+            </a:extLst>
+          </p:cNvPr>
+          <p:cNvCxnSpPr>
+            <a:cxnSpLocks/>
+          </p:cNvCxnSpPr>
+          <p:nvPr/>
+        </p:nvCxnSpPr>
+        <p:spPr>
+          <a:xfrm rot="10800000" flipV="1">
+            <a:off x="14873238" y="4445947"/>
+            <a:ext cx="1473713" cy="4305299"/>
+          </a:xfrm>
+          <a:prstGeom prst="line">
+            <a:avLst/>
+          </a:prstGeom>
+          <a:ln w="25400">
+            <a:solidFill>
+              <a:srgbClr val="FFC000"/>
+            </a:solidFill>
+          </a:ln>
+        </p:spPr>
+        <p:style>
+          <a:lnRef idx="1">
+            <a:schemeClr val="accent1"/>
+          </a:lnRef>
+          <a:fillRef idx="0">
+            <a:schemeClr val="accent1"/>
+          </a:fillRef>
+          <a:effectRef idx="0">
+            <a:schemeClr val="accent1"/>
+          </a:effectRef>
+          <a:fontRef idx="minor">
+            <a:schemeClr val="tx1"/>
+          </a:fontRef>
+        </p:style>
+      </p:cxnSp>
+      <p:cxnSp>
+        <p:nvCxnSpPr>
+          <p:cNvPr id="23" name="LT">
+            <a:extLst>
+              <a:ext uri="{FF2B5EF4-FFF2-40B4-BE49-F238E27FC236}">
+                <a16:creationId xmlns:a16="http://schemas.microsoft.com/office/drawing/2014/main" id="{88645713-8C83-B712-44F1-C2C106B674B0}"/>
+              </a:ext>
+            </a:extLst>
+          </p:cNvPr>
+          <p:cNvCxnSpPr>
+            <a:cxnSpLocks/>
+          </p:cNvCxnSpPr>
+          <p:nvPr/>
+        </p:nvCxnSpPr>
+        <p:spPr>
+          <a:xfrm>
+            <a:off x="5549165" y="4429013"/>
+            <a:ext cx="10797786" cy="16934"/>
+          </a:xfrm>
+          <a:prstGeom prst="line">
+            <a:avLst/>
+          </a:prstGeom>
+          <a:ln w="25400">
+            <a:solidFill>
+              <a:srgbClr val="FFC000"/>
+            </a:solidFill>
+          </a:ln>
+        </p:spPr>
+        <p:style>
+          <a:lnRef idx="1">
+            <a:schemeClr val="accent1"/>
+          </a:lnRef>
+          <a:fillRef idx="0">
+            <a:schemeClr val="accent1"/>
+          </a:fillRef>
+          <a:effectRef idx="0">
+            <a:schemeClr val="accent1"/>
+          </a:effectRef>
+          <a:fontRef idx="minor">
+            <a:schemeClr val="tx1"/>
+          </a:fontRef>
+        </p:style>
+      </p:cxnSp>
+      <p:cxnSp>
+        <p:nvCxnSpPr>
+          <p:cNvPr id="34" name="LB">
+            <a:extLst>
+              <a:ext uri="{FF2B5EF4-FFF2-40B4-BE49-F238E27FC236}">
+                <a16:creationId xmlns:a16="http://schemas.microsoft.com/office/drawing/2014/main" id="{C323110E-985F-BEFB-E18F-99F12EFB511E}"/>
+              </a:ext>
+            </a:extLst>
+          </p:cNvPr>
+          <p:cNvCxnSpPr>
+            <a:cxnSpLocks/>
+          </p:cNvCxnSpPr>
+          <p:nvPr/>
+        </p:nvCxnSpPr>
+        <p:spPr>
+          <a:xfrm rot="10800000">
+            <a:off x="6984705" y="8751246"/>
+            <a:ext cx="7888156" cy="16934"/>
+          </a:xfrm>
+          <a:prstGeom prst="line">
+            <a:avLst/>
+          </a:prstGeom>
+          <a:ln w="25400">
+            <a:solidFill>
+              <a:srgbClr val="FFC000"/>
+            </a:solidFill>
+          </a:ln>
+        </p:spPr>
+        <p:style>
+          <a:lnRef idx="1">
+            <a:schemeClr val="accent1"/>
+          </a:lnRef>
+          <a:fillRef idx="0">
+            <a:schemeClr val="accent1"/>
+          </a:fillRef>
+          <a:effectRef idx="0">
+            <a:schemeClr val="accent1"/>
+          </a:effectRef>
+          <a:fontRef idx="minor">
+            <a:schemeClr val="tx1"/>
+          </a:fontRef>
+        </p:style>
+      </p:cxnSp>
+      <p:sp>
+        <p:nvSpPr>
+          <p:cNvPr id="45" name="Trapez 44">
+            <a:extLst>
+              <a:ext uri="{FF2B5EF4-FFF2-40B4-BE49-F238E27FC236}">
+                <a16:creationId xmlns:a16="http://schemas.microsoft.com/office/drawing/2014/main" id="{1DE704D3-3F10-9B6A-6411-38AE9DA96207}"/>
+              </a:ext>
+            </a:extLst>
+          </p:cNvPr>
+          <p:cNvSpPr/>
+          <p:nvPr/>
+        </p:nvSpPr>
+        <p:spPr>
+          <a:xfrm rot="10800000">
+            <a:off x="7838068" y="4769614"/>
+            <a:ext cx="6174381" cy="1998442"/>
+          </a:xfrm>
+          <a:prstGeom prst="trapezoid">
+            <a:avLst/>
+          </a:prstGeom>
+        </p:spPr>
+        <p:style>
+          <a:lnRef idx="2">
+            <a:schemeClr val="accent1">
+              <a:shade val="15000"/>
+            </a:schemeClr>
+          </a:lnRef>
+          <a:fillRef idx="1">
+            <a:schemeClr val="accent1"/>
+          </a:fillRef>
+          <a:effectRef idx="0">
+            <a:schemeClr val="accent1"/>
+          </a:effectRef>
+          <a:fontRef idx="minor">
+            <a:schemeClr val="lt1"/>
+          </a:fontRef>
+        </p:style>
+        <p:txBody>
+          <a:bodyPr rtlCol="0" anchor="ctr"/>
+          <a:lstStyle/>
+          <a:p>
+            <a:pPr algn="ctr"/>
+            <a:endParaRPr lang="de-DE"/>
+          </a:p>
+        </p:txBody>
+      </p:sp>
+      <p:sp>
+        <p:nvSpPr>
+          <p:cNvPr id="58" name="Rechteck 57">
+            <a:extLst>
+              <a:ext uri="{FF2B5EF4-FFF2-40B4-BE49-F238E27FC236}">
+                <a16:creationId xmlns:a16="http://schemas.microsoft.com/office/drawing/2014/main" id="{1BBA5F58-A154-CED8-40F6-A0A5EFFD04B9}"/>
+              </a:ext>
+            </a:extLst>
+          </p:cNvPr>
+          <p:cNvSpPr/>
+          <p:nvPr/>
+        </p:nvSpPr>
+        <p:spPr>
+          <a:xfrm>
+            <a:off x="5549164" y="1543100"/>
+            <a:ext cx="10797787" cy="2885913"/>
+          </a:xfrm>
+          <a:prstGeom prst="rect">
+            <a:avLst/>
+          </a:prstGeom>
+          <a:solidFill>
+            <a:schemeClr val="tx1"/>
+          </a:solidFill>
+          <a:ln>
+            <a:solidFill>
+              <a:srgbClr val="FFC000"/>
+            </a:solidFill>
+          </a:ln>
+        </p:spPr>
+        <p:style>
+          <a:lnRef idx="2">
+            <a:schemeClr val="accent1">
+              <a:shade val="15000"/>
+            </a:schemeClr>
+          </a:lnRef>
+          <a:fillRef idx="1">
+            <a:schemeClr val="accent1"/>
+          </a:fillRef>
+          <a:effectRef idx="0">
+            <a:schemeClr val="accent1"/>
+          </a:effectRef>
+          <a:fontRef idx="minor">
+            <a:schemeClr val="lt1"/>
+          </a:fontRef>
+        </p:style>
+        <p:txBody>
+          <a:bodyPr rtlCol="0" anchor="ctr"/>
+          <a:lstStyle/>
+          <a:p>
+            <a:pPr algn="ctr"/>
+            <a:endParaRPr lang="de-DE" dirty="0"/>
+          </a:p>
+        </p:txBody>
+      </p:sp>
+      <p:sp>
+        <p:nvSpPr>
+          <p:cNvPr id="24" name="Google Shape;147;p16">
+            <a:extLst>
+              <a:ext uri="{FF2B5EF4-FFF2-40B4-BE49-F238E27FC236}">
+                <a16:creationId xmlns:a16="http://schemas.microsoft.com/office/drawing/2014/main" id="{3C0AF583-BFDE-265E-F192-6FEE4D1B8F73}"/>
+              </a:ext>
+            </a:extLst>
+          </p:cNvPr>
           <p:cNvSpPr txBox="1"/>
           <p:nvPr/>
         </p:nvSpPr>
@@ -19156,7 +20156,7 @@
                 <a:latin typeface="Oswald"/>
                 <a:sym typeface="Oswald"/>
               </a:rPr>
-              <a:t>Simple Pedal board</a:t>
+              <a:t>Birds view</a:t>
             </a:r>
             <a:endParaRPr sz="6600" dirty="0"/>
           </a:p>
@@ -19164,14 +20164,74 @@
       </p:sp>
       <p:sp>
         <p:nvSpPr>
-          <p:cNvPr id="144" name="!!T1S"/>
+          <p:cNvPr id="59" name="Rechteck 58">
+            <a:extLst>
+              <a:ext uri="{FF2B5EF4-FFF2-40B4-BE49-F238E27FC236}">
+                <a16:creationId xmlns:a16="http://schemas.microsoft.com/office/drawing/2014/main" id="{63A656FB-4E8B-04E8-EA8C-93E9D2DBFC9A}"/>
+              </a:ext>
+            </a:extLst>
+          </p:cNvPr>
           <p:cNvSpPr/>
           <p:nvPr/>
         </p:nvSpPr>
         <p:spPr>
           <a:xfrm>
-            <a:off x="7033" y="2543254"/>
-            <a:ext cx="6506062" cy="5200492"/>
+            <a:off x="10352463" y="5597271"/>
+            <a:ext cx="947155" cy="482333"/>
+          </a:xfrm>
+          <a:prstGeom prst="rect">
+            <a:avLst/>
+          </a:prstGeom>
+          <a:solidFill>
+            <a:schemeClr val="accent1">
+              <a:alpha val="0"/>
+            </a:schemeClr>
+          </a:solidFill>
+          <a:ln>
+            <a:noFill/>
+          </a:ln>
+        </p:spPr>
+        <p:style>
+          <a:lnRef idx="2">
+            <a:schemeClr val="accent1">
+              <a:shade val="15000"/>
+            </a:schemeClr>
+          </a:lnRef>
+          <a:fillRef idx="1">
+            <a:schemeClr val="accent1"/>
+          </a:fillRef>
+          <a:effectRef idx="0">
+            <a:schemeClr val="accent1"/>
+          </a:effectRef>
+          <a:fontRef idx="minor">
+            <a:schemeClr val="lt1"/>
+          </a:fontRef>
+        </p:style>
+        <p:txBody>
+          <a:bodyPr rtlCol="0" anchor="ctr"/>
+          <a:lstStyle/>
+          <a:p>
+            <a:pPr algn="ctr"/>
+            <a:endParaRPr lang="de-DE"/>
+          </a:p>
+        </p:txBody>
+      </p:sp>
+      <p:sp>
+        <p:nvSpPr>
+          <p:cNvPr id="133" name="!!T8S">
+            <a:extLst>
+              <a:ext uri="{FF2B5EF4-FFF2-40B4-BE49-F238E27FC236}">
+                <a16:creationId xmlns:a16="http://schemas.microsoft.com/office/drawing/2014/main" id="{5FD5BF94-0FE1-0CB4-9E9F-6735AFD4ACE1}"/>
+              </a:ext>
+            </a:extLst>
+          </p:cNvPr>
+          <p:cNvSpPr/>
+          <p:nvPr/>
+        </p:nvSpPr>
+        <p:spPr>
+          <a:xfrm>
+            <a:off x="0" y="7506543"/>
+            <a:ext cx="3609474" cy="2470111"/>
           </a:xfrm>
           <a:custGeom>
             <a:avLst/>
@@ -19222,10 +20282,10 @@
       </p:sp>
       <p:sp>
         <p:nvSpPr>
-          <p:cNvPr id="7" name="!!T2S">
+          <p:cNvPr id="136" name="!!T7S">
             <a:extLst>
               <a:ext uri="{FF2B5EF4-FFF2-40B4-BE49-F238E27FC236}">
-                <a16:creationId xmlns:a16="http://schemas.microsoft.com/office/drawing/2014/main" id="{17B2144C-F4F2-63C8-AD68-C0643F78DA3F}"/>
+                <a16:creationId xmlns:a16="http://schemas.microsoft.com/office/drawing/2014/main" id="{D222DAD2-7784-A58A-E4AF-CB993B5D709B}"/>
               </a:ext>
             </a:extLst>
           </p:cNvPr>
@@ -19280,16 +20340,16 @@
           <a:bodyPr/>
           <a:lstStyle/>
           <a:p>
-            <a:endParaRPr lang="de-DE"/>
-          </a:p>
-        </p:txBody>
-      </p:sp>
-      <p:sp>
-        <p:nvSpPr>
-          <p:cNvPr id="12" name="!!T3S">
+            <a:endParaRPr lang="de-DE" dirty="0"/>
+          </a:p>
+        </p:txBody>
+      </p:sp>
+      <p:sp>
+        <p:nvSpPr>
+          <p:cNvPr id="144" name="!!T6S">
             <a:extLst>
               <a:ext uri="{FF2B5EF4-FFF2-40B4-BE49-F238E27FC236}">
-                <a16:creationId xmlns:a16="http://schemas.microsoft.com/office/drawing/2014/main" id="{85BDA157-0B2D-CBE4-DCDC-84B1BC395C6C}"/>
+                <a16:creationId xmlns:a16="http://schemas.microsoft.com/office/drawing/2014/main" id="{44DBCEB2-75D4-96C7-5EC3-5E188E45B98D}"/>
               </a:ext>
             </a:extLst>
           </p:cNvPr>
@@ -19298,8 +20358,8 @@
         </p:nvSpPr>
         <p:spPr>
           <a:xfrm>
-            <a:off x="0" y="7506543"/>
-            <a:ext cx="3609474" cy="2470111"/>
+            <a:off x="0" y="2551212"/>
+            <a:ext cx="6506062" cy="5200492"/>
           </a:xfrm>
           <a:custGeom>
             <a:avLst/>
@@ -19344,336 +20404,19 @@
           <a:bodyPr/>
           <a:lstStyle/>
           <a:p>
-            <a:endParaRPr lang="de-DE"/>
-          </a:p>
-        </p:txBody>
-      </p:sp>
-      <p:sp>
-        <p:nvSpPr>
-          <p:cNvPr id="18" name="Oval 17">
+            <a:endParaRPr lang="de-DE" dirty="0"/>
+          </a:p>
+        </p:txBody>
+      </p:sp>
+      <p:sp>
+        <p:nvSpPr>
+          <p:cNvPr id="148" name="T6T">
             <a:extLst>
               <a:ext uri="{FF2B5EF4-FFF2-40B4-BE49-F238E27FC236}">
-                <a16:creationId xmlns:a16="http://schemas.microsoft.com/office/drawing/2014/main" id="{1CAEE35A-498D-94F1-989F-B8F1BC455B08}"/>
+                <a16:creationId xmlns:a16="http://schemas.microsoft.com/office/drawing/2014/main" id="{1514DDB7-7D7A-4D71-DE37-01CE40CDF310}"/>
               </a:ext>
             </a:extLst>
           </p:cNvPr>
-          <p:cNvSpPr/>
-          <p:nvPr/>
-        </p:nvSpPr>
-        <p:spPr>
-          <a:xfrm>
-            <a:off x="6387488" y="6096774"/>
-            <a:ext cx="914400" cy="914400"/>
-          </a:xfrm>
-          <a:prstGeom prst="ellipse">
-            <a:avLst/>
-          </a:prstGeom>
-          <a:solidFill>
-            <a:schemeClr val="tx1"/>
-          </a:solidFill>
-          <a:ln>
-            <a:solidFill>
-              <a:srgbClr val="FFC000"/>
-            </a:solidFill>
-          </a:ln>
-        </p:spPr>
-        <p:style>
-          <a:lnRef idx="2">
-            <a:schemeClr val="accent1">
-              <a:shade val="15000"/>
-            </a:schemeClr>
-          </a:lnRef>
-          <a:fillRef idx="1">
-            <a:schemeClr val="accent1"/>
-          </a:fillRef>
-          <a:effectRef idx="0">
-            <a:schemeClr val="accent1"/>
-          </a:effectRef>
-          <a:fontRef idx="minor">
-            <a:schemeClr val="lt1"/>
-          </a:fontRef>
-        </p:style>
-        <p:txBody>
-          <a:bodyPr rtlCol="0" anchor="ctr"/>
-          <a:lstStyle/>
-          <a:p>
-            <a:pPr algn="ctr"/>
-            <a:endParaRPr lang="de-DE"/>
-          </a:p>
-        </p:txBody>
-      </p:sp>
-      <p:sp>
-        <p:nvSpPr>
-          <p:cNvPr id="19" name="Oval 18">
-            <a:extLst>
-              <a:ext uri="{FF2B5EF4-FFF2-40B4-BE49-F238E27FC236}">
-                <a16:creationId xmlns:a16="http://schemas.microsoft.com/office/drawing/2014/main" id="{96622910-C495-63BC-FCBB-D5AD47CDAD97}"/>
-              </a:ext>
-            </a:extLst>
-          </p:cNvPr>
-          <p:cNvSpPr/>
-          <p:nvPr/>
-        </p:nvSpPr>
-        <p:spPr>
-          <a:xfrm>
-            <a:off x="8024504" y="6078807"/>
-            <a:ext cx="914400" cy="914400"/>
-          </a:xfrm>
-          <a:prstGeom prst="ellipse">
-            <a:avLst/>
-          </a:prstGeom>
-          <a:solidFill>
-            <a:schemeClr val="tx1"/>
-          </a:solidFill>
-          <a:ln>
-            <a:solidFill>
-              <a:srgbClr val="FFC000"/>
-            </a:solidFill>
-          </a:ln>
-        </p:spPr>
-        <p:style>
-          <a:lnRef idx="2">
-            <a:schemeClr val="accent1">
-              <a:shade val="15000"/>
-            </a:schemeClr>
-          </a:lnRef>
-          <a:fillRef idx="1">
-            <a:schemeClr val="accent1"/>
-          </a:fillRef>
-          <a:effectRef idx="0">
-            <a:schemeClr val="accent1"/>
-          </a:effectRef>
-          <a:fontRef idx="minor">
-            <a:schemeClr val="lt1"/>
-          </a:fontRef>
-        </p:style>
-        <p:txBody>
-          <a:bodyPr rtlCol="0" anchor="ctr"/>
-          <a:lstStyle/>
-          <a:p>
-            <a:pPr algn="ctr"/>
-            <a:endParaRPr lang="de-DE"/>
-          </a:p>
-        </p:txBody>
-      </p:sp>
-      <p:sp>
-        <p:nvSpPr>
-          <p:cNvPr id="20" name="Oval 19">
-            <a:extLst>
-              <a:ext uri="{FF2B5EF4-FFF2-40B4-BE49-F238E27FC236}">
-                <a16:creationId xmlns:a16="http://schemas.microsoft.com/office/drawing/2014/main" id="{02035FFD-E37F-FA21-5FEE-FCDD4129DC36}"/>
-              </a:ext>
-            </a:extLst>
-          </p:cNvPr>
-          <p:cNvSpPr/>
-          <p:nvPr/>
-        </p:nvSpPr>
-        <p:spPr>
-          <a:xfrm>
-            <a:off x="9665107" y="6117177"/>
-            <a:ext cx="914400" cy="914400"/>
-          </a:xfrm>
-          <a:prstGeom prst="ellipse">
-            <a:avLst/>
-          </a:prstGeom>
-          <a:solidFill>
-            <a:schemeClr val="tx1"/>
-          </a:solidFill>
-          <a:ln>
-            <a:solidFill>
-              <a:srgbClr val="FFC000"/>
-            </a:solidFill>
-          </a:ln>
-        </p:spPr>
-        <p:style>
-          <a:lnRef idx="2">
-            <a:schemeClr val="accent1">
-              <a:shade val="15000"/>
-            </a:schemeClr>
-          </a:lnRef>
-          <a:fillRef idx="1">
-            <a:schemeClr val="accent1"/>
-          </a:fillRef>
-          <a:effectRef idx="0">
-            <a:schemeClr val="accent1"/>
-          </a:effectRef>
-          <a:fontRef idx="minor">
-            <a:schemeClr val="lt1"/>
-          </a:fontRef>
-        </p:style>
-        <p:txBody>
-          <a:bodyPr rtlCol="0" anchor="ctr"/>
-          <a:lstStyle/>
-          <a:p>
-            <a:pPr algn="ctr"/>
-            <a:endParaRPr lang="de-DE"/>
-          </a:p>
-        </p:txBody>
-      </p:sp>
-      <p:sp>
-        <p:nvSpPr>
-          <p:cNvPr id="21" name="Oval 20">
-            <a:extLst>
-              <a:ext uri="{FF2B5EF4-FFF2-40B4-BE49-F238E27FC236}">
-                <a16:creationId xmlns:a16="http://schemas.microsoft.com/office/drawing/2014/main" id="{6126E54E-CFFF-0291-0997-4AEFB492772D}"/>
-              </a:ext>
-            </a:extLst>
-          </p:cNvPr>
-          <p:cNvSpPr/>
-          <p:nvPr/>
-        </p:nvSpPr>
-        <p:spPr>
-          <a:xfrm>
-            <a:off x="11302123" y="6110891"/>
-            <a:ext cx="914400" cy="914400"/>
-          </a:xfrm>
-          <a:prstGeom prst="ellipse">
-            <a:avLst/>
-          </a:prstGeom>
-          <a:solidFill>
-            <a:schemeClr val="tx1"/>
-          </a:solidFill>
-          <a:ln>
-            <a:solidFill>
-              <a:srgbClr val="FFC000"/>
-            </a:solidFill>
-          </a:ln>
-        </p:spPr>
-        <p:style>
-          <a:lnRef idx="2">
-            <a:schemeClr val="accent1">
-              <a:shade val="15000"/>
-            </a:schemeClr>
-          </a:lnRef>
-          <a:fillRef idx="1">
-            <a:schemeClr val="accent1"/>
-          </a:fillRef>
-          <a:effectRef idx="0">
-            <a:schemeClr val="accent1"/>
-          </a:effectRef>
-          <a:fontRef idx="minor">
-            <a:schemeClr val="lt1"/>
-          </a:fontRef>
-        </p:style>
-        <p:txBody>
-          <a:bodyPr rtlCol="0" anchor="ctr"/>
-          <a:lstStyle/>
-          <a:p>
-            <a:pPr algn="ctr"/>
-            <a:endParaRPr lang="de-DE"/>
-          </a:p>
-        </p:txBody>
-      </p:sp>
-      <p:sp>
-        <p:nvSpPr>
-          <p:cNvPr id="22" name="Oval 21">
-            <a:extLst>
-              <a:ext uri="{FF2B5EF4-FFF2-40B4-BE49-F238E27FC236}">
-                <a16:creationId xmlns:a16="http://schemas.microsoft.com/office/drawing/2014/main" id="{A188312E-53C9-BA6C-B49A-8F147946B88B}"/>
-              </a:ext>
-            </a:extLst>
-          </p:cNvPr>
-          <p:cNvSpPr/>
-          <p:nvPr/>
-        </p:nvSpPr>
-        <p:spPr>
-          <a:xfrm>
-            <a:off x="12939139" y="6134180"/>
-            <a:ext cx="914400" cy="914400"/>
-          </a:xfrm>
-          <a:prstGeom prst="ellipse">
-            <a:avLst/>
-          </a:prstGeom>
-          <a:solidFill>
-            <a:schemeClr val="tx1"/>
-          </a:solidFill>
-          <a:ln>
-            <a:solidFill>
-              <a:srgbClr val="FFC000"/>
-            </a:solidFill>
-          </a:ln>
-        </p:spPr>
-        <p:style>
-          <a:lnRef idx="2">
-            <a:schemeClr val="accent1">
-              <a:shade val="15000"/>
-            </a:schemeClr>
-          </a:lnRef>
-          <a:fillRef idx="1">
-            <a:schemeClr val="accent1"/>
-          </a:fillRef>
-          <a:effectRef idx="0">
-            <a:schemeClr val="accent1"/>
-          </a:effectRef>
-          <a:fontRef idx="minor">
-            <a:schemeClr val="lt1"/>
-          </a:fontRef>
-        </p:style>
-        <p:txBody>
-          <a:bodyPr rtlCol="0" anchor="ctr"/>
-          <a:lstStyle/>
-          <a:p>
-            <a:pPr algn="ctr"/>
-            <a:endParaRPr lang="de-DE"/>
-          </a:p>
-        </p:txBody>
-      </p:sp>
-      <p:sp>
-        <p:nvSpPr>
-          <p:cNvPr id="23" name="Rechteck 22">
-            <a:extLst>
-              <a:ext uri="{FF2B5EF4-FFF2-40B4-BE49-F238E27FC236}">
-                <a16:creationId xmlns:a16="http://schemas.microsoft.com/office/drawing/2014/main" id="{DDB02673-DCB0-55CE-05E5-C4E10022218F}"/>
-              </a:ext>
-            </a:extLst>
-          </p:cNvPr>
-          <p:cNvSpPr/>
-          <p:nvPr/>
-        </p:nvSpPr>
-        <p:spPr>
-          <a:xfrm>
-            <a:off x="7652825" y="3626357"/>
-            <a:ext cx="5176910" cy="1015981"/>
-          </a:xfrm>
-          <a:prstGeom prst="rect">
-            <a:avLst/>
-          </a:prstGeom>
-          <a:ln>
-            <a:solidFill>
-              <a:schemeClr val="accent1">
-                <a:shade val="15000"/>
-              </a:schemeClr>
-            </a:solidFill>
-          </a:ln>
-        </p:spPr>
-        <p:style>
-          <a:lnRef idx="2">
-            <a:schemeClr val="accent1">
-              <a:shade val="15000"/>
-            </a:schemeClr>
-          </a:lnRef>
-          <a:fillRef idx="1">
-            <a:schemeClr val="accent1"/>
-          </a:fillRef>
-          <a:effectRef idx="0">
-            <a:schemeClr val="accent1"/>
-          </a:effectRef>
-          <a:fontRef idx="minor">
-            <a:schemeClr val="lt1"/>
-          </a:fontRef>
-        </p:style>
-        <p:txBody>
-          <a:bodyPr rtlCol="0" anchor="ctr"/>
-          <a:lstStyle/>
-          <a:p>
-            <a:pPr algn="ctr"/>
-            <a:endParaRPr lang="de-DE"/>
-          </a:p>
-        </p:txBody>
-      </p:sp>
-      <p:sp>
-        <p:nvSpPr>
-          <p:cNvPr id="148" name="T1T"/>
           <p:cNvSpPr txBox="1"/>
           <p:nvPr/>
         </p:nvSpPr>
@@ -19718,7 +20461,7 @@
                 <a:cs typeface="Oswald"/>
                 <a:sym typeface="Oswald"/>
               </a:rPr>
-              <a:t>Standard</a:t>
+              <a:t>Birds view</a:t>
             </a:r>
             <a:endParaRPr dirty="0">
               <a:solidFill>
@@ -19730,14 +20473,20 @@
       </p:sp>
       <p:sp>
         <p:nvSpPr>
-          <p:cNvPr id="152" name="T1N"/>
+          <p:cNvPr id="152" name="T6N">
+            <a:extLst>
+              <a:ext uri="{FF2B5EF4-FFF2-40B4-BE49-F238E27FC236}">
+                <a16:creationId xmlns:a16="http://schemas.microsoft.com/office/drawing/2014/main" id="{5491A9F8-CD6F-2189-85A1-2681449AEFCE}"/>
+              </a:ext>
+            </a:extLst>
+          </p:cNvPr>
           <p:cNvSpPr txBox="1"/>
           <p:nvPr/>
         </p:nvSpPr>
         <p:spPr>
           <a:xfrm>
             <a:off x="173733" y="4284085"/>
-            <a:ext cx="949046" cy="1183081"/>
+            <a:ext cx="1094858" cy="1183081"/>
           </a:xfrm>
           <a:prstGeom prst="rect">
             <a:avLst/>
@@ -19766,7 +20515,7 @@
               <a:buNone/>
             </a:pPr>
             <a:r>
-              <a:rPr lang="en-US" sz="6200" b="1" i="0" u="none" strike="noStrike" cap="none" dirty="0">
+              <a:rPr lang="en-US" sz="6200" b="0" i="0" u="none" strike="noStrike" cap="none" dirty="0">
                 <a:solidFill>
                   <a:srgbClr val="FFC000"/>
                 </a:solidFill>
@@ -19775,9 +20524,9 @@
                 <a:cs typeface="Oswald"/>
                 <a:sym typeface="Oswald"/>
               </a:rPr>
-              <a:t>01</a:t>
+              <a:t>06</a:t>
             </a:r>
-            <a:endParaRPr b="1" dirty="0">
+            <a:endParaRPr dirty="0">
               <a:solidFill>
                 <a:srgbClr val="FFC000"/>
               </a:solidFill>
@@ -19787,635 +20536,10 @@
       </p:sp>
       <p:sp>
         <p:nvSpPr>
-          <p:cNvPr id="8" name="T2N">
+          <p:cNvPr id="146" name="!!T5S">
             <a:extLst>
               <a:ext uri="{FF2B5EF4-FFF2-40B4-BE49-F238E27FC236}">
-                <a16:creationId xmlns:a16="http://schemas.microsoft.com/office/drawing/2014/main" id="{D0A47F5D-27FF-21D3-6B42-F1A2CB523740}"/>
-              </a:ext>
-            </a:extLst>
-          </p:cNvPr>
-          <p:cNvSpPr txBox="1"/>
-          <p:nvPr/>
-        </p:nvSpPr>
-        <p:spPr>
-          <a:xfrm>
-            <a:off x="205649" y="6591380"/>
-            <a:ext cx="917130" cy="839589"/>
-          </a:xfrm>
-          <a:prstGeom prst="rect">
-            <a:avLst/>
-          </a:prstGeom>
-          <a:noFill/>
-          <a:ln>
-            <a:noFill/>
-          </a:ln>
-        </p:spPr>
-        <p:txBody>
-          <a:bodyPr spcFirstLastPara="1" wrap="square" lIns="0" tIns="0" rIns="0" bIns="0" anchor="t" anchorCtr="0">
-            <a:spAutoFit/>
-          </a:bodyPr>
-          <a:lstStyle/>
-          <a:p>
-            <a:pPr marL="0" marR="0" lvl="0" indent="0" algn="l" rtl="0">
-              <a:lnSpc>
-                <a:spcPct val="124000"/>
-              </a:lnSpc>
-              <a:spcBef>
-                <a:spcPts val="0"/>
-              </a:spcBef>
-              <a:spcAft>
-                <a:spcPts val="0"/>
-              </a:spcAft>
-              <a:buNone/>
-            </a:pPr>
-            <a:r>
-              <a:rPr lang="en-US" sz="4400" b="0" i="0" u="none" strike="noStrike" cap="none" dirty="0">
-                <a:solidFill>
-                  <a:srgbClr val="FFC000"/>
-                </a:solidFill>
-                <a:latin typeface="Oswald"/>
-                <a:ea typeface="Oswald"/>
-                <a:cs typeface="Oswald"/>
-                <a:sym typeface="Oswald"/>
-              </a:rPr>
-              <a:t>02</a:t>
-            </a:r>
-            <a:endParaRPr sz="4400" dirty="0">
-              <a:solidFill>
-                <a:srgbClr val="FFC000"/>
-              </a:solidFill>
-            </a:endParaRPr>
-          </a:p>
-        </p:txBody>
-      </p:sp>
-      <p:sp>
-        <p:nvSpPr>
-          <p:cNvPr id="9" name="T2T">
-            <a:extLst>
-              <a:ext uri="{FF2B5EF4-FFF2-40B4-BE49-F238E27FC236}">
-                <a16:creationId xmlns:a16="http://schemas.microsoft.com/office/drawing/2014/main" id="{DFA11549-42ED-F77E-4DE2-95D26C05E0E7}"/>
-              </a:ext>
-            </a:extLst>
-          </p:cNvPr>
-          <p:cNvSpPr txBox="1"/>
-          <p:nvPr/>
-        </p:nvSpPr>
-        <p:spPr>
-          <a:xfrm>
-            <a:off x="994442" y="6649934"/>
-            <a:ext cx="3435777" cy="763286"/>
-          </a:xfrm>
-          <a:prstGeom prst="rect">
-            <a:avLst/>
-          </a:prstGeom>
-          <a:noFill/>
-          <a:ln>
-            <a:noFill/>
-          </a:ln>
-        </p:spPr>
-        <p:txBody>
-          <a:bodyPr spcFirstLastPara="1" wrap="square" lIns="0" tIns="0" rIns="0" bIns="0" anchor="t" anchorCtr="0">
-            <a:spAutoFit/>
-          </a:bodyPr>
-          <a:lstStyle/>
-          <a:p>
-            <a:pPr marL="0" marR="0" lvl="0" indent="0" algn="l" rtl="0">
-              <a:lnSpc>
-                <a:spcPct val="124000"/>
-              </a:lnSpc>
-              <a:spcBef>
-                <a:spcPts val="0"/>
-              </a:spcBef>
-              <a:spcAft>
-                <a:spcPts val="0"/>
-              </a:spcAft>
-              <a:buNone/>
-            </a:pPr>
-            <a:r>
-              <a:rPr lang="en-US" sz="4000" b="0" i="0" u="none" strike="noStrike" cap="none" dirty="0">
-                <a:solidFill>
-                  <a:schemeClr val="bg1">
-                    <a:lumMod val="75000"/>
-                  </a:schemeClr>
-                </a:solidFill>
-                <a:latin typeface="Oswald"/>
-                <a:ea typeface="Oswald"/>
-                <a:cs typeface="Oswald"/>
-                <a:sym typeface="Oswald"/>
-              </a:rPr>
-              <a:t>7’’ Display</a:t>
-            </a:r>
-            <a:endParaRPr sz="4000" dirty="0">
-              <a:solidFill>
-                <a:schemeClr val="bg1">
-                  <a:lumMod val="75000"/>
-                </a:schemeClr>
-              </a:solidFill>
-            </a:endParaRPr>
-          </a:p>
-        </p:txBody>
-      </p:sp>
-      <p:sp>
-        <p:nvSpPr>
-          <p:cNvPr id="13" name="T3N">
-            <a:extLst>
-              <a:ext uri="{FF2B5EF4-FFF2-40B4-BE49-F238E27FC236}">
-                <a16:creationId xmlns:a16="http://schemas.microsoft.com/office/drawing/2014/main" id="{0F4C1686-CCE1-C399-8795-3FD9869AEAAE}"/>
-              </a:ext>
-            </a:extLst>
-          </p:cNvPr>
-          <p:cNvSpPr txBox="1"/>
-          <p:nvPr/>
-        </p:nvSpPr>
-        <p:spPr>
-          <a:xfrm>
-            <a:off x="109564" y="8427445"/>
-            <a:ext cx="397551" cy="457946"/>
-          </a:xfrm>
-          <a:prstGeom prst="rect">
-            <a:avLst/>
-          </a:prstGeom>
-          <a:noFill/>
-          <a:ln>
-            <a:noFill/>
-          </a:ln>
-        </p:spPr>
-        <p:txBody>
-          <a:bodyPr spcFirstLastPara="1" wrap="square" lIns="0" tIns="0" rIns="0" bIns="0" anchor="t" anchorCtr="0">
-            <a:spAutoFit/>
-          </a:bodyPr>
-          <a:lstStyle/>
-          <a:p>
-            <a:pPr marL="0" marR="0" lvl="0" indent="0" algn="l" rtl="0">
-              <a:lnSpc>
-                <a:spcPct val="124000"/>
-              </a:lnSpc>
-              <a:spcBef>
-                <a:spcPts val="0"/>
-              </a:spcBef>
-              <a:spcAft>
-                <a:spcPts val="0"/>
-              </a:spcAft>
-              <a:buNone/>
-            </a:pPr>
-            <a:r>
-              <a:rPr lang="en-US" sz="2400" b="0" i="0" u="none" strike="noStrike" cap="none" dirty="0">
-                <a:solidFill>
-                  <a:srgbClr val="FFC000"/>
-                </a:solidFill>
-                <a:latin typeface="Oswald"/>
-                <a:ea typeface="Oswald"/>
-                <a:cs typeface="Oswald"/>
-                <a:sym typeface="Oswald"/>
-              </a:rPr>
-              <a:t>03</a:t>
-            </a:r>
-            <a:endParaRPr sz="2400" dirty="0">
-              <a:solidFill>
-                <a:srgbClr val="FFC000"/>
-              </a:solidFill>
-            </a:endParaRPr>
-          </a:p>
-        </p:txBody>
-      </p:sp>
-      <p:sp>
-        <p:nvSpPr>
-          <p:cNvPr id="14" name="T3T">
-            <a:extLst>
-              <a:ext uri="{FF2B5EF4-FFF2-40B4-BE49-F238E27FC236}">
-                <a16:creationId xmlns:a16="http://schemas.microsoft.com/office/drawing/2014/main" id="{ED1070B8-B117-A747-4374-616DEF6B262D}"/>
-              </a:ext>
-            </a:extLst>
-          </p:cNvPr>
-          <p:cNvSpPr txBox="1"/>
-          <p:nvPr/>
-        </p:nvSpPr>
-        <p:spPr>
-          <a:xfrm>
-            <a:off x="507115" y="8382905"/>
-            <a:ext cx="2740729" cy="534313"/>
-          </a:xfrm>
-          <a:prstGeom prst="rect">
-            <a:avLst/>
-          </a:prstGeom>
-          <a:noFill/>
-          <a:ln>
-            <a:noFill/>
-          </a:ln>
-        </p:spPr>
-        <p:txBody>
-          <a:bodyPr spcFirstLastPara="1" wrap="square" lIns="0" tIns="0" rIns="0" bIns="0" anchor="t" anchorCtr="0">
-            <a:spAutoFit/>
-          </a:bodyPr>
-          <a:lstStyle/>
-          <a:p>
-            <a:pPr marL="0" marR="0" lvl="0" indent="0" algn="l" rtl="0">
-              <a:lnSpc>
-                <a:spcPct val="124000"/>
-              </a:lnSpc>
-              <a:spcBef>
-                <a:spcPts val="0"/>
-              </a:spcBef>
-              <a:spcAft>
-                <a:spcPts val="0"/>
-              </a:spcAft>
-              <a:buNone/>
-            </a:pPr>
-            <a:r>
-              <a:rPr lang="en-US" sz="2800" b="0" i="0" u="none" strike="noStrike" cap="none" dirty="0">
-                <a:solidFill>
-                  <a:schemeClr val="bg1">
-                    <a:lumMod val="50000"/>
-                  </a:schemeClr>
-                </a:solidFill>
-                <a:latin typeface="Oswald"/>
-                <a:ea typeface="Oswald"/>
-                <a:cs typeface="Oswald"/>
-                <a:sym typeface="Oswald"/>
-              </a:rPr>
-              <a:t>Piano Layout</a:t>
-            </a:r>
-            <a:endParaRPr sz="2800" dirty="0">
-              <a:solidFill>
-                <a:schemeClr val="bg1">
-                  <a:lumMod val="50000"/>
-                </a:schemeClr>
-              </a:solidFill>
-            </a:endParaRPr>
-          </a:p>
-        </p:txBody>
-      </p:sp>
-    </p:spTree>
-  </p:cSld>
-  <p:clrMapOvr>
-    <a:masterClrMapping/>
-  </p:clrMapOvr>
-  <mc:AlternateContent xmlns:mc="http://schemas.openxmlformats.org/markup-compatibility/2006" xmlns:p159="http://schemas.microsoft.com/office/powerpoint/2015/09/main">
-    <mc:Choice Requires="p159">
-      <p:transition xmlns:p14="http://schemas.microsoft.com/office/powerpoint/2010/main" spd="slow" p14:dur="2000">
-        <p159:morph option="byObject"/>
-      </p:transition>
-    </mc:Choice>
-    <mc:Fallback xmlns="">
-      <p:transition spd="slow">
-        <p:fade/>
-      </p:transition>
-    </mc:Fallback>
-  </mc:AlternateContent>
-</p:sld>
-</file>
-
-<file path=ppt/slides/slide3.xml><?xml version="1.0" encoding="utf-8"?>
-<p:sld xmlns:a="http://schemas.openxmlformats.org/drawingml/2006/main" xmlns:r="http://schemas.openxmlformats.org/officeDocument/2006/relationships" xmlns:p="http://schemas.openxmlformats.org/presentationml/2006/main">
-  <p:cSld>
-    <p:spTree>
-      <p:nvGrpSpPr>
-        <p:cNvPr id="1" name="Shape 143">
-          <a:extLst>
-            <a:ext uri="{FF2B5EF4-FFF2-40B4-BE49-F238E27FC236}">
-              <a16:creationId xmlns:a16="http://schemas.microsoft.com/office/drawing/2014/main" id="{F3145DF3-BDDE-0446-F9BF-46DEAA520467}"/>
-            </a:ext>
-          </a:extLst>
-        </p:cNvPr>
-        <p:cNvGrpSpPr/>
-        <p:nvPr/>
-      </p:nvGrpSpPr>
-      <p:grpSpPr>
-        <a:xfrm>
-          <a:off x="0" y="0"/>
-          <a:ext cx="0" cy="0"/>
-          <a:chOff x="0" y="0"/>
-          <a:chExt cx="0" cy="0"/>
-        </a:xfrm>
-      </p:grpSpPr>
-      <p:sp>
-        <p:nvSpPr>
-          <p:cNvPr id="3" name="Rechteck 2">
-            <a:extLst>
-              <a:ext uri="{FF2B5EF4-FFF2-40B4-BE49-F238E27FC236}">
-                <a16:creationId xmlns:a16="http://schemas.microsoft.com/office/drawing/2014/main" id="{409FE901-FE50-DFE7-8145-C729F6679917}"/>
-              </a:ext>
-            </a:extLst>
-          </p:cNvPr>
-          <p:cNvSpPr/>
-          <p:nvPr/>
-        </p:nvSpPr>
-        <p:spPr>
-          <a:xfrm>
-            <a:off x="5548006" y="1547445"/>
-            <a:ext cx="9396573" cy="7202659"/>
-          </a:xfrm>
-          <a:prstGeom prst="rect">
-            <a:avLst/>
-          </a:prstGeom>
-          <a:noFill/>
-          <a:ln>
-            <a:solidFill>
-              <a:srgbClr val="FFC000"/>
-            </a:solidFill>
-          </a:ln>
-        </p:spPr>
-        <p:style>
-          <a:lnRef idx="2">
-            <a:schemeClr val="accent1">
-              <a:shade val="15000"/>
-            </a:schemeClr>
-          </a:lnRef>
-          <a:fillRef idx="1">
-            <a:schemeClr val="accent1"/>
-          </a:fillRef>
-          <a:effectRef idx="0">
-            <a:schemeClr val="accent1"/>
-          </a:effectRef>
-          <a:fontRef idx="minor">
-            <a:schemeClr val="lt1"/>
-          </a:fontRef>
-        </p:style>
-        <p:txBody>
-          <a:bodyPr rtlCol="0" anchor="ctr"/>
-          <a:lstStyle/>
-          <a:p>
-            <a:pPr algn="ctr"/>
-            <a:endParaRPr lang="de-DE"/>
-          </a:p>
-        </p:txBody>
-      </p:sp>
-      <p:sp>
-        <p:nvSpPr>
-          <p:cNvPr id="4" name="Oval 3">
-            <a:extLst>
-              <a:ext uri="{FF2B5EF4-FFF2-40B4-BE49-F238E27FC236}">
-                <a16:creationId xmlns:a16="http://schemas.microsoft.com/office/drawing/2014/main" id="{060AE45C-D93C-7182-7CB1-195B975221DA}"/>
-              </a:ext>
-            </a:extLst>
-          </p:cNvPr>
-          <p:cNvSpPr/>
-          <p:nvPr/>
-        </p:nvSpPr>
-        <p:spPr>
-          <a:xfrm>
-            <a:off x="6387488" y="6934974"/>
-            <a:ext cx="914400" cy="914400"/>
-          </a:xfrm>
-          <a:prstGeom prst="ellipse">
-            <a:avLst/>
-          </a:prstGeom>
-          <a:solidFill>
-            <a:schemeClr val="tx1"/>
-          </a:solidFill>
-          <a:ln>
-            <a:solidFill>
-              <a:srgbClr val="FFC000"/>
-            </a:solidFill>
-          </a:ln>
-        </p:spPr>
-        <p:style>
-          <a:lnRef idx="2">
-            <a:schemeClr val="accent1">
-              <a:shade val="15000"/>
-            </a:schemeClr>
-          </a:lnRef>
-          <a:fillRef idx="1">
-            <a:schemeClr val="accent1"/>
-          </a:fillRef>
-          <a:effectRef idx="0">
-            <a:schemeClr val="accent1"/>
-          </a:effectRef>
-          <a:fontRef idx="minor">
-            <a:schemeClr val="lt1"/>
-          </a:fontRef>
-        </p:style>
-        <p:txBody>
-          <a:bodyPr rtlCol="0" anchor="ctr"/>
-          <a:lstStyle/>
-          <a:p>
-            <a:pPr algn="ctr"/>
-            <a:endParaRPr lang="de-DE"/>
-          </a:p>
-        </p:txBody>
-      </p:sp>
-      <p:sp>
-        <p:nvSpPr>
-          <p:cNvPr id="10" name="Oval 9">
-            <a:extLst>
-              <a:ext uri="{FF2B5EF4-FFF2-40B4-BE49-F238E27FC236}">
-                <a16:creationId xmlns:a16="http://schemas.microsoft.com/office/drawing/2014/main" id="{41A9BB17-A0A9-A6A6-B994-32ABF1B13ED2}"/>
-              </a:ext>
-            </a:extLst>
-          </p:cNvPr>
-          <p:cNvSpPr/>
-          <p:nvPr/>
-        </p:nvSpPr>
-        <p:spPr>
-          <a:xfrm>
-            <a:off x="8024504" y="6917007"/>
-            <a:ext cx="914400" cy="914400"/>
-          </a:xfrm>
-          <a:prstGeom prst="ellipse">
-            <a:avLst/>
-          </a:prstGeom>
-          <a:solidFill>
-            <a:schemeClr val="tx1"/>
-          </a:solidFill>
-          <a:ln>
-            <a:solidFill>
-              <a:srgbClr val="FFC000"/>
-            </a:solidFill>
-          </a:ln>
-        </p:spPr>
-        <p:style>
-          <a:lnRef idx="2">
-            <a:schemeClr val="accent1">
-              <a:shade val="15000"/>
-            </a:schemeClr>
-          </a:lnRef>
-          <a:fillRef idx="1">
-            <a:schemeClr val="accent1"/>
-          </a:fillRef>
-          <a:effectRef idx="0">
-            <a:schemeClr val="accent1"/>
-          </a:effectRef>
-          <a:fontRef idx="minor">
-            <a:schemeClr val="lt1"/>
-          </a:fontRef>
-        </p:style>
-        <p:txBody>
-          <a:bodyPr rtlCol="0" anchor="ctr"/>
-          <a:lstStyle/>
-          <a:p>
-            <a:pPr algn="ctr"/>
-            <a:endParaRPr lang="de-DE"/>
-          </a:p>
-        </p:txBody>
-      </p:sp>
-      <p:sp>
-        <p:nvSpPr>
-          <p:cNvPr id="15" name="Oval 14">
-            <a:extLst>
-              <a:ext uri="{FF2B5EF4-FFF2-40B4-BE49-F238E27FC236}">
-                <a16:creationId xmlns:a16="http://schemas.microsoft.com/office/drawing/2014/main" id="{7BCA669E-A77B-849A-A57A-A43A94E62D85}"/>
-              </a:ext>
-            </a:extLst>
-          </p:cNvPr>
-          <p:cNvSpPr/>
-          <p:nvPr/>
-        </p:nvSpPr>
-        <p:spPr>
-          <a:xfrm>
-            <a:off x="9665107" y="6955377"/>
-            <a:ext cx="914400" cy="914400"/>
-          </a:xfrm>
-          <a:prstGeom prst="ellipse">
-            <a:avLst/>
-          </a:prstGeom>
-          <a:solidFill>
-            <a:schemeClr val="tx1"/>
-          </a:solidFill>
-          <a:ln>
-            <a:solidFill>
-              <a:srgbClr val="FFC000"/>
-            </a:solidFill>
-          </a:ln>
-        </p:spPr>
-        <p:style>
-          <a:lnRef idx="2">
-            <a:schemeClr val="accent1">
-              <a:shade val="15000"/>
-            </a:schemeClr>
-          </a:lnRef>
-          <a:fillRef idx="1">
-            <a:schemeClr val="accent1"/>
-          </a:fillRef>
-          <a:effectRef idx="0">
-            <a:schemeClr val="accent1"/>
-          </a:effectRef>
-          <a:fontRef idx="minor">
-            <a:schemeClr val="lt1"/>
-          </a:fontRef>
-        </p:style>
-        <p:txBody>
-          <a:bodyPr rtlCol="0" anchor="ctr"/>
-          <a:lstStyle/>
-          <a:p>
-            <a:pPr algn="ctr"/>
-            <a:endParaRPr lang="de-DE"/>
-          </a:p>
-        </p:txBody>
-      </p:sp>
-      <p:sp>
-        <p:nvSpPr>
-          <p:cNvPr id="17" name="Oval 16">
-            <a:extLst>
-              <a:ext uri="{FF2B5EF4-FFF2-40B4-BE49-F238E27FC236}">
-                <a16:creationId xmlns:a16="http://schemas.microsoft.com/office/drawing/2014/main" id="{FF3A14DD-6BAF-ABC1-C619-18E77FE636AF}"/>
-              </a:ext>
-            </a:extLst>
-          </p:cNvPr>
-          <p:cNvSpPr/>
-          <p:nvPr/>
-        </p:nvSpPr>
-        <p:spPr>
-          <a:xfrm>
-            <a:off x="11302123" y="6949091"/>
-            <a:ext cx="914400" cy="914400"/>
-          </a:xfrm>
-          <a:prstGeom prst="ellipse">
-            <a:avLst/>
-          </a:prstGeom>
-          <a:solidFill>
-            <a:schemeClr val="tx1"/>
-          </a:solidFill>
-          <a:ln>
-            <a:solidFill>
-              <a:srgbClr val="FFC000"/>
-            </a:solidFill>
-          </a:ln>
-        </p:spPr>
-        <p:style>
-          <a:lnRef idx="2">
-            <a:schemeClr val="accent1">
-              <a:shade val="15000"/>
-            </a:schemeClr>
-          </a:lnRef>
-          <a:fillRef idx="1">
-            <a:schemeClr val="accent1"/>
-          </a:fillRef>
-          <a:effectRef idx="0">
-            <a:schemeClr val="accent1"/>
-          </a:effectRef>
-          <a:fontRef idx="minor">
-            <a:schemeClr val="lt1"/>
-          </a:fontRef>
-        </p:style>
-        <p:txBody>
-          <a:bodyPr rtlCol="0" anchor="ctr"/>
-          <a:lstStyle/>
-          <a:p>
-            <a:pPr algn="ctr"/>
-            <a:endParaRPr lang="de-DE"/>
-          </a:p>
-        </p:txBody>
-      </p:sp>
-      <p:sp>
-        <p:nvSpPr>
-          <p:cNvPr id="18" name="Oval 17">
-            <a:extLst>
-              <a:ext uri="{FF2B5EF4-FFF2-40B4-BE49-F238E27FC236}">
-                <a16:creationId xmlns:a16="http://schemas.microsoft.com/office/drawing/2014/main" id="{26CE2A99-B3A2-CFF4-8339-C6EBC0F7837F}"/>
-              </a:ext>
-            </a:extLst>
-          </p:cNvPr>
-          <p:cNvSpPr/>
-          <p:nvPr/>
-        </p:nvSpPr>
-        <p:spPr>
-          <a:xfrm>
-            <a:off x="12939139" y="6972380"/>
-            <a:ext cx="914400" cy="914400"/>
-          </a:xfrm>
-          <a:prstGeom prst="ellipse">
-            <a:avLst/>
-          </a:prstGeom>
-          <a:solidFill>
-            <a:schemeClr val="tx1"/>
-          </a:solidFill>
-          <a:ln>
-            <a:solidFill>
-              <a:srgbClr val="FFC000"/>
-            </a:solidFill>
-          </a:ln>
-        </p:spPr>
-        <p:style>
-          <a:lnRef idx="2">
-            <a:schemeClr val="accent1">
-              <a:shade val="15000"/>
-            </a:schemeClr>
-          </a:lnRef>
-          <a:fillRef idx="1">
-            <a:schemeClr val="accent1"/>
-          </a:fillRef>
-          <a:effectRef idx="0">
-            <a:schemeClr val="accent1"/>
-          </a:effectRef>
-          <a:fontRef idx="minor">
-            <a:schemeClr val="lt1"/>
-          </a:fontRef>
-        </p:style>
-        <p:txBody>
-          <a:bodyPr rtlCol="0" anchor="ctr"/>
-          <a:lstStyle/>
-          <a:p>
-            <a:pPr algn="ctr"/>
-            <a:endParaRPr lang="de-DE"/>
-          </a:p>
-        </p:txBody>
-      </p:sp>
-      <p:sp>
-        <p:nvSpPr>
-          <p:cNvPr id="146" name="!!T1S">
-            <a:extLst>
-              <a:ext uri="{FF2B5EF4-FFF2-40B4-BE49-F238E27FC236}">
-                <a16:creationId xmlns:a16="http://schemas.microsoft.com/office/drawing/2014/main" id="{893B39F6-72FE-A480-2BCE-9AA0927B8799}"/>
+                <a16:creationId xmlns:a16="http://schemas.microsoft.com/office/drawing/2014/main" id="{0350D836-E2E0-0F75-2017-B7228DA67D3B}"/>
               </a:ext>
             </a:extLst>
           </p:cNvPr>
@@ -20476,10 +20600,10 @@
       </p:sp>
       <p:sp>
         <p:nvSpPr>
-          <p:cNvPr id="144" name="!!T2S">
+          <p:cNvPr id="2" name="!!T4S">
             <a:extLst>
               <a:ext uri="{FF2B5EF4-FFF2-40B4-BE49-F238E27FC236}">
-                <a16:creationId xmlns:a16="http://schemas.microsoft.com/office/drawing/2014/main" id="{569BA4AE-B2DF-150E-122C-2F78F73F336A}"/>
+                <a16:creationId xmlns:a16="http://schemas.microsoft.com/office/drawing/2014/main" id="{8BB761C3-3827-562A-5783-58F721B5F07B}"/>
               </a:ext>
             </a:extLst>
           </p:cNvPr>
@@ -20488,8 +20612,8 @@
         </p:nvSpPr>
         <p:spPr>
           <a:xfrm>
-            <a:off x="7033" y="2543254"/>
-            <a:ext cx="6506062" cy="5200492"/>
+            <a:off x="0" y="128484"/>
+            <a:ext cx="3609474" cy="2470111"/>
           </a:xfrm>
           <a:custGeom>
             <a:avLst/>
@@ -20534,16 +20658,246 @@
           <a:bodyPr/>
           <a:lstStyle/>
           <a:p>
-            <a:endParaRPr lang="de-DE" dirty="0"/>
-          </a:p>
-        </p:txBody>
-      </p:sp>
-      <p:sp>
-        <p:nvSpPr>
-          <p:cNvPr id="7" name="!!T3S">
+            <a:endParaRPr lang="de-DE"/>
+          </a:p>
+        </p:txBody>
+      </p:sp>
+      <p:sp>
+        <p:nvSpPr>
+          <p:cNvPr id="63" name="USB">
             <a:extLst>
               <a:ext uri="{FF2B5EF4-FFF2-40B4-BE49-F238E27FC236}">
-                <a16:creationId xmlns:a16="http://schemas.microsoft.com/office/drawing/2014/main" id="{056E396B-49D9-DD0C-9E32-76EFCD9DA1C2}"/>
+                <a16:creationId xmlns:a16="http://schemas.microsoft.com/office/drawing/2014/main" id="{A2BDBEFD-8DA7-CB97-A515-449B0B78B576}"/>
+              </a:ext>
+            </a:extLst>
+          </p:cNvPr>
+          <p:cNvSpPr txBox="1"/>
+          <p:nvPr/>
+        </p:nvSpPr>
+        <p:spPr>
+          <a:xfrm>
+            <a:off x="12716496" y="2482106"/>
+            <a:ext cx="2908815" cy="1077218"/>
+          </a:xfrm>
+          <a:prstGeom prst="rect">
+            <a:avLst/>
+          </a:prstGeom>
+          <a:solidFill>
+            <a:schemeClr val="tx1">
+              <a:lumMod val="65000"/>
+              <a:lumOff val="35000"/>
+            </a:schemeClr>
+          </a:solidFill>
+        </p:spPr>
+        <p:txBody>
+          <a:bodyPr wrap="square" rtlCol="0">
+            <a:noAutofit/>
+          </a:bodyPr>
+          <a:lstStyle/>
+          <a:p>
+            <a:pPr algn="ctr"/>
+            <a:r>
+              <a:rPr lang="de-DE" sz="4000" b="1" dirty="0">
+                <a:solidFill>
+                  <a:srgbClr val="FFC000"/>
+                </a:solidFill>
+              </a:rPr>
+              <a:t>USB</a:t>
+            </a:r>
+            <a:br>
+              <a:rPr lang="de-DE" sz="3200" b="1" dirty="0">
+                <a:solidFill>
+                  <a:srgbClr val="FFC000"/>
+                </a:solidFill>
+              </a:rPr>
+            </a:br>
+            <a:r>
+              <a:rPr lang="de-DE" sz="2400" dirty="0">
+                <a:solidFill>
+                  <a:srgbClr val="FFC000"/>
+                </a:solidFill>
+              </a:rPr>
+              <a:t>2.0 / 3.0</a:t>
+            </a:r>
+          </a:p>
+        </p:txBody>
+      </p:sp>
+      <p:sp>
+        <p:nvSpPr>
+          <p:cNvPr id="61" name="!!NETWORK">
+            <a:extLst>
+              <a:ext uri="{FF2B5EF4-FFF2-40B4-BE49-F238E27FC236}">
+                <a16:creationId xmlns:a16="http://schemas.microsoft.com/office/drawing/2014/main" id="{33B76961-32F8-5E5F-20AE-C7D78A3A25F7}"/>
+              </a:ext>
+            </a:extLst>
+          </p:cNvPr>
+          <p:cNvSpPr txBox="1"/>
+          <p:nvPr/>
+        </p:nvSpPr>
+        <p:spPr>
+          <a:xfrm>
+            <a:off x="9492368" y="2470160"/>
+            <a:ext cx="2891992" cy="1077218"/>
+          </a:xfrm>
+          <a:prstGeom prst="rect">
+            <a:avLst/>
+          </a:prstGeom>
+          <a:solidFill>
+            <a:schemeClr val="tx1">
+              <a:lumMod val="65000"/>
+              <a:lumOff val="35000"/>
+            </a:schemeClr>
+          </a:solidFill>
+        </p:spPr>
+        <p:txBody>
+          <a:bodyPr wrap="square" rtlCol="0">
+            <a:noAutofit/>
+          </a:bodyPr>
+          <a:lstStyle/>
+          <a:p>
+            <a:pPr algn="ctr"/>
+            <a:r>
+              <a:rPr lang="de-DE" sz="4000" b="1" dirty="0">
+                <a:solidFill>
+                  <a:srgbClr val="FFC000"/>
+                </a:solidFill>
+              </a:rPr>
+              <a:t>NETWORK</a:t>
+            </a:r>
+            <a:br>
+              <a:rPr lang="de-DE" sz="3200" b="1" dirty="0">
+                <a:solidFill>
+                  <a:srgbClr val="FFC000"/>
+                </a:solidFill>
+              </a:rPr>
+            </a:br>
+            <a:r>
+              <a:rPr lang="de-DE" sz="2400" dirty="0">
+                <a:solidFill>
+                  <a:srgbClr val="FFC000"/>
+                </a:solidFill>
+              </a:rPr>
+              <a:t>CAT5 / WLAN</a:t>
+            </a:r>
+          </a:p>
+        </p:txBody>
+      </p:sp>
+      <p:sp>
+        <p:nvSpPr>
+          <p:cNvPr id="60" name="MIDI">
+            <a:extLst>
+              <a:ext uri="{FF2B5EF4-FFF2-40B4-BE49-F238E27FC236}">
+                <a16:creationId xmlns:a16="http://schemas.microsoft.com/office/drawing/2014/main" id="{83C724FE-329C-A03B-9A12-F7B39CD4CA0F}"/>
+              </a:ext>
+            </a:extLst>
+          </p:cNvPr>
+          <p:cNvSpPr txBox="1"/>
+          <p:nvPr/>
+        </p:nvSpPr>
+        <p:spPr>
+          <a:xfrm>
+            <a:off x="6267123" y="2464240"/>
+            <a:ext cx="2891992" cy="1077218"/>
+          </a:xfrm>
+          <a:prstGeom prst="rect">
+            <a:avLst/>
+          </a:prstGeom>
+          <a:solidFill>
+            <a:schemeClr val="tx1">
+              <a:lumMod val="65000"/>
+              <a:lumOff val="35000"/>
+            </a:schemeClr>
+          </a:solidFill>
+        </p:spPr>
+        <p:txBody>
+          <a:bodyPr wrap="square" rtlCol="0">
+            <a:noAutofit/>
+          </a:bodyPr>
+          <a:lstStyle/>
+          <a:p>
+            <a:pPr algn="ctr"/>
+            <a:r>
+              <a:rPr lang="de-DE" sz="4000" b="1" dirty="0">
+                <a:solidFill>
+                  <a:srgbClr val="FFC000"/>
+                </a:solidFill>
+              </a:rPr>
+              <a:t>MIDI</a:t>
+            </a:r>
+            <a:br>
+              <a:rPr lang="de-DE" sz="3200" b="1" dirty="0">
+                <a:solidFill>
+                  <a:srgbClr val="FFC000"/>
+                </a:solidFill>
+              </a:rPr>
+            </a:br>
+            <a:r>
+              <a:rPr lang="de-DE" sz="2400" dirty="0">
+                <a:solidFill>
+                  <a:srgbClr val="FFC000"/>
+                </a:solidFill>
+              </a:rPr>
+              <a:t>IN - OUT - THRU</a:t>
+            </a:r>
+          </a:p>
+        </p:txBody>
+      </p:sp>
+    </p:spTree>
+    <p:extLst>
+      <p:ext uri="{BB962C8B-B14F-4D97-AF65-F5344CB8AC3E}">
+        <p14:creationId xmlns:p14="http://schemas.microsoft.com/office/powerpoint/2010/main" val="3601025736"/>
+      </p:ext>
+    </p:extLst>
+  </p:cSld>
+  <p:clrMapOvr>
+    <a:masterClrMapping/>
+  </p:clrMapOvr>
+  <mc:AlternateContent xmlns:mc="http://schemas.openxmlformats.org/markup-compatibility/2006">
+    <mc:Choice xmlns:p159="http://schemas.microsoft.com/office/powerpoint/2015/09/main" Requires="p159">
+      <p:transition xmlns:p14="http://schemas.microsoft.com/office/powerpoint/2010/main" spd="slow" p14:dur="2000">
+        <p159:morph option="byObject"/>
+      </p:transition>
+    </mc:Choice>
+    <mc:Fallback>
+      <p:transition spd="slow">
+        <p:fade/>
+      </p:transition>
+    </mc:Fallback>
+  </mc:AlternateContent>
+</p:sld>
+</file>
+
+<file path=ppt/slides/slide2.xml><?xml version="1.0" encoding="utf-8"?>
+<p:sld xmlns:a="http://schemas.openxmlformats.org/drawingml/2006/main" xmlns:r="http://schemas.openxmlformats.org/officeDocument/2006/relationships" xmlns:p="http://schemas.openxmlformats.org/presentationml/2006/main">
+  <p:cSld>
+    <p:bg>
+      <p:bgPr>
+        <a:solidFill>
+          <a:srgbClr val="232325"/>
+        </a:solidFill>
+        <a:effectLst/>
+      </p:bgPr>
+    </p:bg>
+    <p:spTree>
+      <p:nvGrpSpPr>
+        <p:cNvPr id="1" name="Shape 143"/>
+        <p:cNvGrpSpPr/>
+        <p:nvPr/>
+      </p:nvGrpSpPr>
+      <p:grpSpPr>
+        <a:xfrm>
+          <a:off x="0" y="0"/>
+          <a:ext cx="0" cy="0"/>
+          <a:chOff x="0" y="0"/>
+          <a:chExt cx="0" cy="0"/>
+        </a:xfrm>
+      </p:grpSpPr>
+      <p:sp>
+        <p:nvSpPr>
+          <p:cNvPr id="17" name="Rechteck 16">
+            <a:extLst>
+              <a:ext uri="{FF2B5EF4-FFF2-40B4-BE49-F238E27FC236}">
+                <a16:creationId xmlns:a16="http://schemas.microsoft.com/office/drawing/2014/main" id="{3DC77FC0-8990-CD7F-380D-AAFD0E67EA46}"/>
               </a:ext>
             </a:extLst>
           </p:cNvPr>
@@ -20552,8 +20906,105 @@
         </p:nvSpPr>
         <p:spPr>
           <a:xfrm>
-            <a:off x="31916" y="5422664"/>
-            <a:ext cx="5406190" cy="3606238"/>
+            <a:off x="5579922" y="2604836"/>
+            <a:ext cx="9364657" cy="5200492"/>
+          </a:xfrm>
+          <a:prstGeom prst="rect">
+            <a:avLst/>
+          </a:prstGeom>
+          <a:noFill/>
+          <a:ln>
+            <a:solidFill>
+              <a:srgbClr val="FFC000"/>
+            </a:solidFill>
+          </a:ln>
+        </p:spPr>
+        <p:style>
+          <a:lnRef idx="2">
+            <a:schemeClr val="accent1">
+              <a:shade val="15000"/>
+            </a:schemeClr>
+          </a:lnRef>
+          <a:fillRef idx="1">
+            <a:schemeClr val="accent1"/>
+          </a:fillRef>
+          <a:effectRef idx="0">
+            <a:schemeClr val="accent1"/>
+          </a:effectRef>
+          <a:fontRef idx="minor">
+            <a:schemeClr val="lt1"/>
+          </a:fontRef>
+        </p:style>
+        <p:txBody>
+          <a:bodyPr rtlCol="0" anchor="ctr"/>
+          <a:lstStyle/>
+          <a:p>
+            <a:pPr algn="ctr"/>
+            <a:endParaRPr lang="de-DE"/>
+          </a:p>
+        </p:txBody>
+      </p:sp>
+      <p:sp>
+        <p:nvSpPr>
+          <p:cNvPr id="147" name="Google Shape;147;p16"/>
+          <p:cNvSpPr txBox="1"/>
+          <p:nvPr/>
+        </p:nvSpPr>
+        <p:spPr>
+          <a:xfrm rot="5400000">
+            <a:off x="13542379" y="4575359"/>
+            <a:ext cx="8229600" cy="1259447"/>
+          </a:xfrm>
+          <a:prstGeom prst="rect">
+            <a:avLst/>
+          </a:prstGeom>
+          <a:noFill/>
+          <a:ln>
+            <a:noFill/>
+          </a:ln>
+        </p:spPr>
+        <p:txBody>
+          <a:bodyPr spcFirstLastPara="1" wrap="square" lIns="0" tIns="0" rIns="0" bIns="0" anchor="t" anchorCtr="0">
+            <a:spAutoFit/>
+          </a:bodyPr>
+          <a:lstStyle/>
+          <a:p>
+            <a:pPr marL="0" marR="0" lvl="0" indent="0" algn="ctr" rtl="0">
+              <a:lnSpc>
+                <a:spcPct val="124000"/>
+              </a:lnSpc>
+              <a:spcBef>
+                <a:spcPts val="0"/>
+              </a:spcBef>
+              <a:spcAft>
+                <a:spcPts val="0"/>
+              </a:spcAft>
+              <a:buNone/>
+            </a:pPr>
+            <a:r>
+              <a:rPr lang="en-US" sz="6600" b="1" dirty="0">
+                <a:solidFill>
+                  <a:srgbClr val="D4D4D4"/>
+                </a:solidFill>
+                <a:latin typeface="Oswald"/>
+                <a:sym typeface="Oswald"/>
+              </a:rPr>
+              <a:t>Simple Pedal board</a:t>
+            </a:r>
+            <a:endParaRPr sz="6600" dirty="0"/>
+          </a:p>
+        </p:txBody>
+      </p:sp>
+      <p:sp>
+        <p:nvSpPr>
+          <p:cNvPr id="144" name="!!T1S"/>
+          <p:cNvSpPr/>
+          <p:nvPr/>
+        </p:nvSpPr>
+        <p:spPr>
+          <a:xfrm>
+            <a:off x="7033" y="2543254"/>
+            <a:ext cx="6506062" cy="5200492"/>
           </a:xfrm>
           <a:custGeom>
             <a:avLst/>
@@ -20604,140 +21055,10 @@
       </p:sp>
       <p:sp>
         <p:nvSpPr>
-          <p:cNvPr id="8" name="T3N">
+          <p:cNvPr id="7" name="!!T2S">
             <a:extLst>
               <a:ext uri="{FF2B5EF4-FFF2-40B4-BE49-F238E27FC236}">
-                <a16:creationId xmlns:a16="http://schemas.microsoft.com/office/drawing/2014/main" id="{C6726D15-62B7-5143-7CA0-9335BE8D43E9}"/>
-              </a:ext>
-            </a:extLst>
-          </p:cNvPr>
-          <p:cNvSpPr txBox="1"/>
-          <p:nvPr/>
-        </p:nvSpPr>
-        <p:spPr>
-          <a:xfrm>
-            <a:off x="205649" y="6591380"/>
-            <a:ext cx="756877" cy="839589"/>
-          </a:xfrm>
-          <a:prstGeom prst="rect">
-            <a:avLst/>
-          </a:prstGeom>
-          <a:noFill/>
-          <a:ln>
-            <a:noFill/>
-          </a:ln>
-        </p:spPr>
-        <p:txBody>
-          <a:bodyPr spcFirstLastPara="1" wrap="square" lIns="0" tIns="0" rIns="0" bIns="0" anchor="t" anchorCtr="0">
-            <a:spAutoFit/>
-          </a:bodyPr>
-          <a:lstStyle/>
-          <a:p>
-            <a:pPr marL="0" marR="0" lvl="0" indent="0" algn="l" rtl="0">
-              <a:lnSpc>
-                <a:spcPct val="124000"/>
-              </a:lnSpc>
-              <a:spcBef>
-                <a:spcPts val="0"/>
-              </a:spcBef>
-              <a:spcAft>
-                <a:spcPts val="0"/>
-              </a:spcAft>
-              <a:buNone/>
-            </a:pPr>
-            <a:r>
-              <a:rPr lang="en-US" sz="4400" b="0" i="0" u="none" strike="noStrike" cap="none" dirty="0">
-                <a:solidFill>
-                  <a:srgbClr val="FFC000"/>
-                </a:solidFill>
-                <a:latin typeface="Oswald"/>
-                <a:ea typeface="Oswald"/>
-                <a:cs typeface="Oswald"/>
-                <a:sym typeface="Oswald"/>
-              </a:rPr>
-              <a:t>03</a:t>
-            </a:r>
-            <a:endParaRPr sz="4400" dirty="0">
-              <a:solidFill>
-                <a:srgbClr val="FFC000"/>
-              </a:solidFill>
-            </a:endParaRPr>
-          </a:p>
-        </p:txBody>
-      </p:sp>
-      <p:sp>
-        <p:nvSpPr>
-          <p:cNvPr id="9" name="T3T">
-            <a:extLst>
-              <a:ext uri="{FF2B5EF4-FFF2-40B4-BE49-F238E27FC236}">
-                <a16:creationId xmlns:a16="http://schemas.microsoft.com/office/drawing/2014/main" id="{7376762E-2815-4C25-3B47-A4A98A064947}"/>
-              </a:ext>
-            </a:extLst>
-          </p:cNvPr>
-          <p:cNvSpPr txBox="1"/>
-          <p:nvPr/>
-        </p:nvSpPr>
-        <p:spPr>
-          <a:xfrm>
-            <a:off x="994442" y="6649934"/>
-            <a:ext cx="3435777" cy="763286"/>
-          </a:xfrm>
-          <a:prstGeom prst="rect">
-            <a:avLst/>
-          </a:prstGeom>
-          <a:noFill/>
-          <a:ln>
-            <a:noFill/>
-          </a:ln>
-        </p:spPr>
-        <p:txBody>
-          <a:bodyPr spcFirstLastPara="1" wrap="square" lIns="0" tIns="0" rIns="0" bIns="0" anchor="t" anchorCtr="0">
-            <a:spAutoFit/>
-          </a:bodyPr>
-          <a:lstStyle/>
-          <a:p>
-            <a:pPr marL="0" marR="0" lvl="0" indent="0" algn="l" rtl="0">
-              <a:lnSpc>
-                <a:spcPct val="124000"/>
-              </a:lnSpc>
-              <a:spcBef>
-                <a:spcPts val="0"/>
-              </a:spcBef>
-              <a:spcAft>
-                <a:spcPts val="0"/>
-              </a:spcAft>
-              <a:buNone/>
-            </a:pPr>
-            <a:r>
-              <a:rPr lang="en-US" sz="4000" b="0" i="0" u="none" strike="noStrike" cap="none" dirty="0">
-                <a:solidFill>
-                  <a:schemeClr val="bg1">
-                    <a:lumMod val="75000"/>
-                  </a:schemeClr>
-                </a:solidFill>
-                <a:latin typeface="Oswald"/>
-                <a:ea typeface="Oswald"/>
-                <a:cs typeface="Oswald"/>
-                <a:sym typeface="Oswald"/>
-              </a:rPr>
-              <a:t>Piano Layout</a:t>
-            </a:r>
-            <a:endParaRPr sz="4000" dirty="0">
-              <a:solidFill>
-                <a:schemeClr val="bg1">
-                  <a:lumMod val="75000"/>
-                </a:schemeClr>
-              </a:solidFill>
-            </a:endParaRPr>
-          </a:p>
-        </p:txBody>
-      </p:sp>
-      <p:sp>
-        <p:nvSpPr>
-          <p:cNvPr id="12" name="!!T4S">
-            <a:extLst>
-              <a:ext uri="{FF2B5EF4-FFF2-40B4-BE49-F238E27FC236}">
-                <a16:creationId xmlns:a16="http://schemas.microsoft.com/office/drawing/2014/main" id="{B9451B96-B234-184E-CDAF-A702DAF64F11}"/>
+                <a16:creationId xmlns:a16="http://schemas.microsoft.com/office/drawing/2014/main" id="{17B2144C-F4F2-63C8-AD68-C0643F78DA3F}"/>
               </a:ext>
             </a:extLst>
           </p:cNvPr>
@@ -20746,8 +21067,8 @@
         </p:nvSpPr>
         <p:spPr>
           <a:xfrm>
-            <a:off x="0" y="7506543"/>
-            <a:ext cx="3609474" cy="2470111"/>
+            <a:off x="31916" y="5422664"/>
+            <a:ext cx="5406190" cy="3606238"/>
           </a:xfrm>
           <a:custGeom>
             <a:avLst/>
@@ -20798,384 +21119,10 @@
       </p:sp>
       <p:sp>
         <p:nvSpPr>
-          <p:cNvPr id="13" name="T4N">
+          <p:cNvPr id="12" name="!!T3S">
             <a:extLst>
               <a:ext uri="{FF2B5EF4-FFF2-40B4-BE49-F238E27FC236}">
-                <a16:creationId xmlns:a16="http://schemas.microsoft.com/office/drawing/2014/main" id="{F6EED353-B610-14B6-7B64-A367C6357DC4}"/>
-              </a:ext>
-            </a:extLst>
-          </p:cNvPr>
-          <p:cNvSpPr txBox="1"/>
-          <p:nvPr/>
-        </p:nvSpPr>
-        <p:spPr>
-          <a:xfrm>
-            <a:off x="109564" y="8427445"/>
-            <a:ext cx="397551" cy="457946"/>
-          </a:xfrm>
-          <a:prstGeom prst="rect">
-            <a:avLst/>
-          </a:prstGeom>
-          <a:noFill/>
-          <a:ln>
-            <a:noFill/>
-          </a:ln>
-        </p:spPr>
-        <p:txBody>
-          <a:bodyPr spcFirstLastPara="1" wrap="square" lIns="0" tIns="0" rIns="0" bIns="0" anchor="t" anchorCtr="0">
-            <a:spAutoFit/>
-          </a:bodyPr>
-          <a:lstStyle/>
-          <a:p>
-            <a:pPr marL="0" marR="0" lvl="0" indent="0" algn="l" rtl="0">
-              <a:lnSpc>
-                <a:spcPct val="124000"/>
-              </a:lnSpc>
-              <a:spcBef>
-                <a:spcPts val="0"/>
-              </a:spcBef>
-              <a:spcAft>
-                <a:spcPts val="0"/>
-              </a:spcAft>
-              <a:buNone/>
-            </a:pPr>
-            <a:r>
-              <a:rPr lang="en-US" sz="2400" b="0" i="0" u="none" strike="noStrike" cap="none" dirty="0">
-                <a:solidFill>
-                  <a:srgbClr val="FFC000"/>
-                </a:solidFill>
-                <a:latin typeface="Oswald"/>
-                <a:ea typeface="Oswald"/>
-                <a:cs typeface="Oswald"/>
-                <a:sym typeface="Oswald"/>
-              </a:rPr>
-              <a:t>04</a:t>
-            </a:r>
-            <a:endParaRPr sz="2400" dirty="0">
-              <a:solidFill>
-                <a:srgbClr val="FFC000"/>
-              </a:solidFill>
-            </a:endParaRPr>
-          </a:p>
-        </p:txBody>
-      </p:sp>
-      <p:sp>
-        <p:nvSpPr>
-          <p:cNvPr id="20" name="Google Shape;147;p16">
-            <a:extLst>
-              <a:ext uri="{FF2B5EF4-FFF2-40B4-BE49-F238E27FC236}">
-                <a16:creationId xmlns:a16="http://schemas.microsoft.com/office/drawing/2014/main" id="{EE4EA378-2B7C-4859-5E28-57517DA7DACA}"/>
-              </a:ext>
-            </a:extLst>
-          </p:cNvPr>
-          <p:cNvSpPr txBox="1"/>
-          <p:nvPr/>
-        </p:nvSpPr>
-        <p:spPr>
-          <a:xfrm rot="5400000">
-            <a:off x="13542379" y="4575359"/>
-            <a:ext cx="8229600" cy="1259447"/>
-          </a:xfrm>
-          <a:prstGeom prst="rect">
-            <a:avLst/>
-          </a:prstGeom>
-          <a:noFill/>
-          <a:ln>
-            <a:noFill/>
-          </a:ln>
-        </p:spPr>
-        <p:txBody>
-          <a:bodyPr spcFirstLastPara="1" wrap="square" lIns="0" tIns="0" rIns="0" bIns="0" anchor="t" anchorCtr="0">
-            <a:spAutoFit/>
-          </a:bodyPr>
-          <a:lstStyle/>
-          <a:p>
-            <a:pPr marL="0" marR="0" lvl="0" indent="0" algn="ctr" rtl="0">
-              <a:lnSpc>
-                <a:spcPct val="124000"/>
-              </a:lnSpc>
-              <a:spcBef>
-                <a:spcPts val="0"/>
-              </a:spcBef>
-              <a:spcAft>
-                <a:spcPts val="0"/>
-              </a:spcAft>
-              <a:buNone/>
-            </a:pPr>
-            <a:r>
-              <a:rPr lang="en-US" sz="6600" b="1" dirty="0">
-                <a:solidFill>
-                  <a:srgbClr val="D4D4D4"/>
-                </a:solidFill>
-                <a:latin typeface="Oswald"/>
-                <a:sym typeface="Oswald"/>
-              </a:rPr>
-              <a:t>Adding 7’’ Touchscreen</a:t>
-            </a:r>
-            <a:endParaRPr sz="6600" dirty="0"/>
-          </a:p>
-        </p:txBody>
-      </p:sp>
-      <p:sp>
-        <p:nvSpPr>
-          <p:cNvPr id="148" name="T2T">
-            <a:extLst>
-              <a:ext uri="{FF2B5EF4-FFF2-40B4-BE49-F238E27FC236}">
-                <a16:creationId xmlns:a16="http://schemas.microsoft.com/office/drawing/2014/main" id="{6FE9C8CC-C44B-8624-2966-BEF879B09E20}"/>
-              </a:ext>
-            </a:extLst>
-          </p:cNvPr>
-          <p:cNvSpPr txBox="1"/>
-          <p:nvPr/>
-        </p:nvSpPr>
-        <p:spPr>
-          <a:xfrm>
-            <a:off x="1268591" y="4276936"/>
-            <a:ext cx="4069968" cy="1183081"/>
-          </a:xfrm>
-          <a:prstGeom prst="rect">
-            <a:avLst/>
-          </a:prstGeom>
-          <a:noFill/>
-          <a:ln>
-            <a:noFill/>
-          </a:ln>
-        </p:spPr>
-        <p:txBody>
-          <a:bodyPr spcFirstLastPara="1" wrap="square" lIns="0" tIns="0" rIns="0" bIns="0" anchor="t" anchorCtr="0">
-            <a:spAutoFit/>
-          </a:bodyPr>
-          <a:lstStyle/>
-          <a:p>
-            <a:pPr marL="0" marR="0" lvl="0" indent="0" algn="l" rtl="0">
-              <a:lnSpc>
-                <a:spcPct val="124000"/>
-              </a:lnSpc>
-              <a:spcBef>
-                <a:spcPts val="0"/>
-              </a:spcBef>
-              <a:spcAft>
-                <a:spcPts val="0"/>
-              </a:spcAft>
-              <a:buNone/>
-            </a:pPr>
-            <a:r>
-              <a:rPr lang="en-US" sz="6200" dirty="0">
-                <a:solidFill>
-                  <a:schemeClr val="bg1"/>
-                </a:solidFill>
-                <a:latin typeface="Oswald"/>
-                <a:sym typeface="Oswald"/>
-              </a:rPr>
-              <a:t>7’’ Display</a:t>
-            </a:r>
-            <a:endParaRPr dirty="0">
-              <a:solidFill>
-                <a:schemeClr val="bg1"/>
-              </a:solidFill>
-            </a:endParaRPr>
-          </a:p>
-        </p:txBody>
-      </p:sp>
-      <p:sp>
-        <p:nvSpPr>
-          <p:cNvPr id="152" name="T2N">
-            <a:extLst>
-              <a:ext uri="{FF2B5EF4-FFF2-40B4-BE49-F238E27FC236}">
-                <a16:creationId xmlns:a16="http://schemas.microsoft.com/office/drawing/2014/main" id="{3D26F93F-D3B0-A2A1-2CD3-842736CC7C89}"/>
-              </a:ext>
-            </a:extLst>
-          </p:cNvPr>
-          <p:cNvSpPr txBox="1"/>
-          <p:nvPr/>
-        </p:nvSpPr>
-        <p:spPr>
-          <a:xfrm>
-            <a:off x="173733" y="4284085"/>
-            <a:ext cx="949046" cy="1183081"/>
-          </a:xfrm>
-          <a:prstGeom prst="rect">
-            <a:avLst/>
-          </a:prstGeom>
-          <a:noFill/>
-          <a:ln>
-            <a:noFill/>
-          </a:ln>
-        </p:spPr>
-        <p:txBody>
-          <a:bodyPr spcFirstLastPara="1" wrap="square" lIns="0" tIns="0" rIns="0" bIns="0" anchor="t" anchorCtr="0">
-            <a:spAutoFit/>
-          </a:bodyPr>
-          <a:lstStyle/>
-          <a:p>
-            <a:pPr marL="0" marR="0" lvl="0" indent="0" algn="l" rtl="0">
-              <a:lnSpc>
-                <a:spcPct val="124000"/>
-              </a:lnSpc>
-              <a:spcBef>
-                <a:spcPts val="0"/>
-              </a:spcBef>
-              <a:spcAft>
-                <a:spcPts val="0"/>
-              </a:spcAft>
-              <a:buNone/>
-            </a:pPr>
-            <a:r>
-              <a:rPr lang="en-US" sz="6200" b="0" i="0" u="none" strike="noStrike" cap="none" dirty="0">
-                <a:solidFill>
-                  <a:srgbClr val="FFC000"/>
-                </a:solidFill>
-                <a:latin typeface="Oswald"/>
-                <a:ea typeface="Oswald"/>
-                <a:cs typeface="Oswald"/>
-                <a:sym typeface="Oswald"/>
-              </a:rPr>
-              <a:t>02</a:t>
-            </a:r>
-            <a:endParaRPr dirty="0">
-              <a:solidFill>
-                <a:srgbClr val="FFC000"/>
-              </a:solidFill>
-            </a:endParaRPr>
-          </a:p>
-        </p:txBody>
-      </p:sp>
-      <p:sp>
-        <p:nvSpPr>
-          <p:cNvPr id="151" name="T1N">
-            <a:extLst>
-              <a:ext uri="{FF2B5EF4-FFF2-40B4-BE49-F238E27FC236}">
-                <a16:creationId xmlns:a16="http://schemas.microsoft.com/office/drawing/2014/main" id="{CFA75216-627B-2C8C-89E6-53DE4090BAFF}"/>
-              </a:ext>
-            </a:extLst>
-          </p:cNvPr>
-          <p:cNvSpPr txBox="1"/>
-          <p:nvPr/>
-        </p:nvSpPr>
-        <p:spPr>
-          <a:xfrm>
-            <a:off x="173733" y="2311292"/>
-            <a:ext cx="597718" cy="839589"/>
-          </a:xfrm>
-          <a:prstGeom prst="rect">
-            <a:avLst/>
-          </a:prstGeom>
-          <a:noFill/>
-          <a:ln>
-            <a:noFill/>
-          </a:ln>
-        </p:spPr>
-        <p:txBody>
-          <a:bodyPr spcFirstLastPara="1" wrap="square" lIns="0" tIns="0" rIns="0" bIns="0" anchor="t" anchorCtr="0">
-            <a:spAutoFit/>
-          </a:bodyPr>
-          <a:lstStyle/>
-          <a:p>
-            <a:pPr marL="0" marR="0" lvl="0" indent="0" algn="l" rtl="0">
-              <a:lnSpc>
-                <a:spcPct val="124000"/>
-              </a:lnSpc>
-              <a:spcBef>
-                <a:spcPts val="0"/>
-              </a:spcBef>
-              <a:spcAft>
-                <a:spcPts val="0"/>
-              </a:spcAft>
-              <a:buNone/>
-            </a:pPr>
-            <a:r>
-              <a:rPr lang="en-US" sz="4400" b="0" i="0" u="none" strike="noStrike" cap="none" dirty="0">
-                <a:solidFill>
-                  <a:srgbClr val="FFC000"/>
-                </a:solidFill>
-                <a:latin typeface="Oswald"/>
-                <a:ea typeface="Oswald"/>
-                <a:cs typeface="Oswald"/>
-                <a:sym typeface="Oswald"/>
-              </a:rPr>
-              <a:t>01</a:t>
-            </a:r>
-            <a:endParaRPr sz="4400" dirty="0">
-              <a:solidFill>
-                <a:srgbClr val="FFC000"/>
-              </a:solidFill>
-            </a:endParaRPr>
-          </a:p>
-        </p:txBody>
-      </p:sp>
-      <p:sp>
-        <p:nvSpPr>
-          <p:cNvPr id="150" name="T1T">
-            <a:extLst>
-              <a:ext uri="{FF2B5EF4-FFF2-40B4-BE49-F238E27FC236}">
-                <a16:creationId xmlns:a16="http://schemas.microsoft.com/office/drawing/2014/main" id="{13D0D573-8AC9-9486-2597-95E7B5567996}"/>
-              </a:ext>
-            </a:extLst>
-          </p:cNvPr>
-          <p:cNvSpPr txBox="1"/>
-          <p:nvPr/>
-        </p:nvSpPr>
-        <p:spPr>
-          <a:xfrm>
-            <a:off x="962526" y="2369846"/>
-            <a:ext cx="3435777" cy="763286"/>
-          </a:xfrm>
-          <a:prstGeom prst="rect">
-            <a:avLst/>
-          </a:prstGeom>
-          <a:noFill/>
-          <a:ln>
-            <a:noFill/>
-          </a:ln>
-        </p:spPr>
-        <p:txBody>
-          <a:bodyPr spcFirstLastPara="1" wrap="square" lIns="0" tIns="0" rIns="0" bIns="0" anchor="t" anchorCtr="0">
-            <a:spAutoFit/>
-          </a:bodyPr>
-          <a:lstStyle/>
-          <a:p>
-            <a:pPr marL="0" marR="0" lvl="0" indent="0" algn="l" rtl="0">
-              <a:lnSpc>
-                <a:spcPct val="124000"/>
-              </a:lnSpc>
-              <a:spcBef>
-                <a:spcPts val="0"/>
-              </a:spcBef>
-              <a:spcAft>
-                <a:spcPts val="0"/>
-              </a:spcAft>
-              <a:buNone/>
-            </a:pPr>
-            <a:r>
-              <a:rPr lang="en-US" sz="4000" b="0" i="0" u="none" strike="noStrike" cap="none" dirty="0">
-                <a:solidFill>
-                  <a:schemeClr val="bg1">
-                    <a:lumMod val="75000"/>
-                  </a:schemeClr>
-                </a:solidFill>
-                <a:latin typeface="Oswald"/>
-                <a:ea typeface="Oswald"/>
-                <a:cs typeface="Oswald"/>
-                <a:sym typeface="Oswald"/>
-              </a:rPr>
-              <a:t>Standard</a:t>
-            </a:r>
-            <a:endParaRPr sz="4000" dirty="0">
-              <a:solidFill>
-                <a:schemeClr val="bg1">
-                  <a:lumMod val="75000"/>
-                </a:schemeClr>
-              </a:solidFill>
-            </a:endParaRPr>
-          </a:p>
-        </p:txBody>
-      </p:sp>
-      <p:sp>
-        <p:nvSpPr>
-          <p:cNvPr id="21" name="Oval 20">
-            <a:extLst>
-              <a:ext uri="{FF2B5EF4-FFF2-40B4-BE49-F238E27FC236}">
-                <a16:creationId xmlns:a16="http://schemas.microsoft.com/office/drawing/2014/main" id="{4117F9ED-9222-9A59-119D-C06086FCE73B}"/>
+                <a16:creationId xmlns:a16="http://schemas.microsoft.com/office/drawing/2014/main" id="{85BDA157-0B2D-CBE4-DCDC-84B1BC395C6C}"/>
               </a:ext>
             </a:extLst>
           </p:cNvPr>
@@ -21184,931 +21131,8 @@
         </p:nvSpPr>
         <p:spPr>
           <a:xfrm>
-            <a:off x="-1349948" y="10975945"/>
-            <a:ext cx="914400" cy="914400"/>
-          </a:xfrm>
-          <a:prstGeom prst="ellipse">
-            <a:avLst/>
-          </a:prstGeom>
-          <a:solidFill>
-            <a:schemeClr val="tx1"/>
-          </a:solidFill>
-          <a:ln>
-            <a:solidFill>
-              <a:srgbClr val="FFC000"/>
-            </a:solidFill>
-          </a:ln>
-        </p:spPr>
-        <p:style>
-          <a:lnRef idx="2">
-            <a:schemeClr val="accent1">
-              <a:shade val="15000"/>
-            </a:schemeClr>
-          </a:lnRef>
-          <a:fillRef idx="1">
-            <a:schemeClr val="accent1"/>
-          </a:fillRef>
-          <a:effectRef idx="0">
-            <a:schemeClr val="accent1"/>
-          </a:effectRef>
-          <a:fontRef idx="minor">
-            <a:schemeClr val="lt1"/>
-          </a:fontRef>
-        </p:style>
-        <p:txBody>
-          <a:bodyPr rtlCol="0" anchor="ctr"/>
-          <a:lstStyle/>
-          <a:p>
-            <a:pPr algn="ctr"/>
-            <a:endParaRPr lang="de-DE"/>
-          </a:p>
-        </p:txBody>
-      </p:sp>
-      <p:sp>
-        <p:nvSpPr>
-          <p:cNvPr id="22" name="Oval 21">
-            <a:extLst>
-              <a:ext uri="{FF2B5EF4-FFF2-40B4-BE49-F238E27FC236}">
-                <a16:creationId xmlns:a16="http://schemas.microsoft.com/office/drawing/2014/main" id="{89ADF915-6DFA-BEE1-1DE8-ADF979D1A4AA}"/>
-              </a:ext>
-            </a:extLst>
-          </p:cNvPr>
-          <p:cNvSpPr/>
-          <p:nvPr/>
-        </p:nvSpPr>
-        <p:spPr>
-          <a:xfrm>
-            <a:off x="2345664" y="10966660"/>
-            <a:ext cx="914400" cy="914400"/>
-          </a:xfrm>
-          <a:prstGeom prst="ellipse">
-            <a:avLst/>
-          </a:prstGeom>
-          <a:solidFill>
-            <a:schemeClr val="tx1"/>
-          </a:solidFill>
-          <a:ln>
-            <a:solidFill>
-              <a:srgbClr val="FFC000"/>
-            </a:solidFill>
-          </a:ln>
-        </p:spPr>
-        <p:style>
-          <a:lnRef idx="2">
-            <a:schemeClr val="accent1">
-              <a:shade val="15000"/>
-            </a:schemeClr>
-          </a:lnRef>
-          <a:fillRef idx="1">
-            <a:schemeClr val="accent1"/>
-          </a:fillRef>
-          <a:effectRef idx="0">
-            <a:schemeClr val="accent1"/>
-          </a:effectRef>
-          <a:fontRef idx="minor">
-            <a:schemeClr val="lt1"/>
-          </a:fontRef>
-        </p:style>
-        <p:txBody>
-          <a:bodyPr rtlCol="0" anchor="ctr"/>
-          <a:lstStyle/>
-          <a:p>
-            <a:pPr algn="ctr"/>
-            <a:endParaRPr lang="de-DE"/>
-          </a:p>
-        </p:txBody>
-      </p:sp>
-      <p:sp>
-        <p:nvSpPr>
-          <p:cNvPr id="23" name="Oval 22">
-            <a:extLst>
-              <a:ext uri="{FF2B5EF4-FFF2-40B4-BE49-F238E27FC236}">
-                <a16:creationId xmlns:a16="http://schemas.microsoft.com/office/drawing/2014/main" id="{D564EE4F-2E67-7C0E-949C-E75AD0AAB143}"/>
-              </a:ext>
-            </a:extLst>
-          </p:cNvPr>
-          <p:cNvSpPr/>
-          <p:nvPr/>
-        </p:nvSpPr>
-        <p:spPr>
-          <a:xfrm>
-            <a:off x="6387487" y="10957375"/>
-            <a:ext cx="914400" cy="914400"/>
-          </a:xfrm>
-          <a:prstGeom prst="ellipse">
-            <a:avLst/>
-          </a:prstGeom>
-          <a:solidFill>
-            <a:schemeClr val="tx1"/>
-          </a:solidFill>
-          <a:ln>
-            <a:solidFill>
-              <a:srgbClr val="FFC000"/>
-            </a:solidFill>
-          </a:ln>
-        </p:spPr>
-        <p:style>
-          <a:lnRef idx="2">
-            <a:schemeClr val="accent1">
-              <a:shade val="15000"/>
-            </a:schemeClr>
-          </a:lnRef>
-          <a:fillRef idx="1">
-            <a:schemeClr val="accent1"/>
-          </a:fillRef>
-          <a:effectRef idx="0">
-            <a:schemeClr val="accent1"/>
-          </a:effectRef>
-          <a:fontRef idx="minor">
-            <a:schemeClr val="lt1"/>
-          </a:fontRef>
-        </p:style>
-        <p:txBody>
-          <a:bodyPr rtlCol="0" anchor="ctr"/>
-          <a:lstStyle/>
-          <a:p>
-            <a:pPr algn="ctr"/>
-            <a:endParaRPr lang="de-DE"/>
-          </a:p>
-        </p:txBody>
-      </p:sp>
-      <p:sp>
-        <p:nvSpPr>
-          <p:cNvPr id="24" name="Oval 23">
-            <a:extLst>
-              <a:ext uri="{FF2B5EF4-FFF2-40B4-BE49-F238E27FC236}">
-                <a16:creationId xmlns:a16="http://schemas.microsoft.com/office/drawing/2014/main" id="{AB298967-8006-1829-5444-207716ED6EF5}"/>
-              </a:ext>
-            </a:extLst>
-          </p:cNvPr>
-          <p:cNvSpPr/>
-          <p:nvPr/>
-        </p:nvSpPr>
-        <p:spPr>
-          <a:xfrm>
-            <a:off x="12538056" y="11038509"/>
-            <a:ext cx="914400" cy="914400"/>
-          </a:xfrm>
-          <a:prstGeom prst="ellipse">
-            <a:avLst/>
-          </a:prstGeom>
-          <a:solidFill>
-            <a:schemeClr val="tx1"/>
-          </a:solidFill>
-          <a:ln>
-            <a:solidFill>
-              <a:srgbClr val="FFC000"/>
-            </a:solidFill>
-          </a:ln>
-        </p:spPr>
-        <p:style>
-          <a:lnRef idx="2">
-            <a:schemeClr val="accent1">
-              <a:shade val="15000"/>
-            </a:schemeClr>
-          </a:lnRef>
-          <a:fillRef idx="1">
-            <a:schemeClr val="accent1"/>
-          </a:fillRef>
-          <a:effectRef idx="0">
-            <a:schemeClr val="accent1"/>
-          </a:effectRef>
-          <a:fontRef idx="minor">
-            <a:schemeClr val="lt1"/>
-          </a:fontRef>
-        </p:style>
-        <p:txBody>
-          <a:bodyPr rtlCol="0" anchor="ctr"/>
-          <a:lstStyle/>
-          <a:p>
-            <a:pPr algn="ctr"/>
-            <a:endParaRPr lang="de-DE"/>
-          </a:p>
-        </p:txBody>
-      </p:sp>
-      <p:sp>
-        <p:nvSpPr>
-          <p:cNvPr id="25" name="Oval 24">
-            <a:extLst>
-              <a:ext uri="{FF2B5EF4-FFF2-40B4-BE49-F238E27FC236}">
-                <a16:creationId xmlns:a16="http://schemas.microsoft.com/office/drawing/2014/main" id="{C62FC932-D66C-17F2-2D60-29B19E9A4F3D}"/>
-              </a:ext>
-            </a:extLst>
-          </p:cNvPr>
-          <p:cNvSpPr/>
-          <p:nvPr/>
-        </p:nvSpPr>
-        <p:spPr>
-          <a:xfrm>
-            <a:off x="16986110" y="11055529"/>
-            <a:ext cx="914400" cy="914400"/>
-          </a:xfrm>
-          <a:prstGeom prst="ellipse">
-            <a:avLst/>
-          </a:prstGeom>
-          <a:solidFill>
-            <a:schemeClr val="tx1"/>
-          </a:solidFill>
-          <a:ln>
-            <a:solidFill>
-              <a:srgbClr val="FFC000"/>
-            </a:solidFill>
-          </a:ln>
-        </p:spPr>
-        <p:style>
-          <a:lnRef idx="2">
-            <a:schemeClr val="accent1">
-              <a:shade val="15000"/>
-            </a:schemeClr>
-          </a:lnRef>
-          <a:fillRef idx="1">
-            <a:schemeClr val="accent1"/>
-          </a:fillRef>
-          <a:effectRef idx="0">
-            <a:schemeClr val="accent1"/>
-          </a:effectRef>
-          <a:fontRef idx="minor">
-            <a:schemeClr val="lt1"/>
-          </a:fontRef>
-        </p:style>
-        <p:txBody>
-          <a:bodyPr rtlCol="0" anchor="ctr"/>
-          <a:lstStyle/>
-          <a:p>
-            <a:pPr algn="ctr"/>
-            <a:endParaRPr lang="de-DE"/>
-          </a:p>
-        </p:txBody>
-      </p:sp>
-      <p:sp>
-        <p:nvSpPr>
-          <p:cNvPr id="26" name="Oval 25">
-            <a:extLst>
-              <a:ext uri="{FF2B5EF4-FFF2-40B4-BE49-F238E27FC236}">
-                <a16:creationId xmlns:a16="http://schemas.microsoft.com/office/drawing/2014/main" id="{AF51BB06-9B23-75CB-BE10-28D167148C49}"/>
-              </a:ext>
-            </a:extLst>
-          </p:cNvPr>
-          <p:cNvSpPr/>
-          <p:nvPr/>
-        </p:nvSpPr>
-        <p:spPr>
-          <a:xfrm>
-            <a:off x="20976964" y="11055529"/>
-            <a:ext cx="914400" cy="914400"/>
-          </a:xfrm>
-          <a:prstGeom prst="ellipse">
-            <a:avLst/>
-          </a:prstGeom>
-          <a:solidFill>
-            <a:schemeClr val="tx1"/>
-          </a:solidFill>
-          <a:ln>
-            <a:solidFill>
-              <a:srgbClr val="FFC000"/>
-            </a:solidFill>
-          </a:ln>
-        </p:spPr>
-        <p:style>
-          <a:lnRef idx="2">
-            <a:schemeClr val="accent1">
-              <a:shade val="15000"/>
-            </a:schemeClr>
-          </a:lnRef>
-          <a:fillRef idx="1">
-            <a:schemeClr val="accent1"/>
-          </a:fillRef>
-          <a:effectRef idx="0">
-            <a:schemeClr val="accent1"/>
-          </a:effectRef>
-          <a:fontRef idx="minor">
-            <a:schemeClr val="lt1"/>
-          </a:fontRef>
-        </p:style>
-        <p:txBody>
-          <a:bodyPr rtlCol="0" anchor="ctr"/>
-          <a:lstStyle/>
-          <a:p>
-            <a:pPr algn="ctr"/>
-            <a:endParaRPr lang="de-DE"/>
-          </a:p>
-        </p:txBody>
-      </p:sp>
-      <p:sp>
-        <p:nvSpPr>
-          <p:cNvPr id="27" name="Oval 26">
-            <a:extLst>
-              <a:ext uri="{FF2B5EF4-FFF2-40B4-BE49-F238E27FC236}">
-                <a16:creationId xmlns:a16="http://schemas.microsoft.com/office/drawing/2014/main" id="{4DF36B63-29F9-96DE-94FB-2B643005C22B}"/>
-              </a:ext>
-            </a:extLst>
-          </p:cNvPr>
-          <p:cNvSpPr/>
-          <p:nvPr/>
-        </p:nvSpPr>
-        <p:spPr>
-          <a:xfrm>
-            <a:off x="16233734" y="-2550509"/>
-            <a:ext cx="914400" cy="914400"/>
-          </a:xfrm>
-          <a:prstGeom prst="ellipse">
-            <a:avLst/>
-          </a:prstGeom>
-          <a:solidFill>
-            <a:schemeClr val="tx1"/>
-          </a:solidFill>
-          <a:ln>
-            <a:solidFill>
-              <a:srgbClr val="FFC000"/>
-            </a:solidFill>
-          </a:ln>
-        </p:spPr>
-        <p:style>
-          <a:lnRef idx="2">
-            <a:schemeClr val="accent1">
-              <a:shade val="15000"/>
-            </a:schemeClr>
-          </a:lnRef>
-          <a:fillRef idx="1">
-            <a:schemeClr val="accent1"/>
-          </a:fillRef>
-          <a:effectRef idx="0">
-            <a:schemeClr val="accent1"/>
-          </a:effectRef>
-          <a:fontRef idx="minor">
-            <a:schemeClr val="lt1"/>
-          </a:fontRef>
-        </p:style>
-        <p:txBody>
-          <a:bodyPr rtlCol="0" anchor="ctr"/>
-          <a:lstStyle/>
-          <a:p>
-            <a:pPr algn="ctr"/>
-            <a:endParaRPr lang="de-DE"/>
-          </a:p>
-        </p:txBody>
-      </p:sp>
-      <p:sp>
-        <p:nvSpPr>
-          <p:cNvPr id="29" name="Rechteck 28">
-            <a:extLst>
-              <a:ext uri="{FF2B5EF4-FFF2-40B4-BE49-F238E27FC236}">
-                <a16:creationId xmlns:a16="http://schemas.microsoft.com/office/drawing/2014/main" id="{761E5583-A80B-CD1D-CDFF-6A9A1B0621A5}"/>
-              </a:ext>
-            </a:extLst>
-          </p:cNvPr>
-          <p:cNvSpPr/>
-          <p:nvPr/>
-        </p:nvSpPr>
-        <p:spPr>
-          <a:xfrm>
-            <a:off x="6981468" y="1959489"/>
-            <a:ext cx="6506062" cy="4005368"/>
-          </a:xfrm>
-          <a:prstGeom prst="rect">
-            <a:avLst/>
-          </a:prstGeom>
-          <a:ln>
-            <a:solidFill>
-              <a:schemeClr val="accent1">
-                <a:shade val="15000"/>
-              </a:schemeClr>
-            </a:solidFill>
-          </a:ln>
-        </p:spPr>
-        <p:style>
-          <a:lnRef idx="2">
-            <a:schemeClr val="accent1">
-              <a:shade val="15000"/>
-            </a:schemeClr>
-          </a:lnRef>
-          <a:fillRef idx="1">
-            <a:schemeClr val="accent1"/>
-          </a:fillRef>
-          <a:effectRef idx="0">
-            <a:schemeClr val="accent1"/>
-          </a:effectRef>
-          <a:fontRef idx="minor">
-            <a:schemeClr val="lt1"/>
-          </a:fontRef>
-        </p:style>
-        <p:txBody>
-          <a:bodyPr rtlCol="0" anchor="ctr"/>
-          <a:lstStyle/>
-          <a:p>
-            <a:pPr algn="ctr"/>
-            <a:endParaRPr lang="de-DE"/>
-          </a:p>
-        </p:txBody>
-      </p:sp>
-      <p:sp>
-        <p:nvSpPr>
-          <p:cNvPr id="34" name="T4T">
-            <a:extLst>
-              <a:ext uri="{FF2B5EF4-FFF2-40B4-BE49-F238E27FC236}">
-                <a16:creationId xmlns:a16="http://schemas.microsoft.com/office/drawing/2014/main" id="{730F0418-CF8A-1084-55F1-5942CB2D71AE}"/>
-              </a:ext>
-            </a:extLst>
-          </p:cNvPr>
-          <p:cNvSpPr txBox="1"/>
-          <p:nvPr/>
-        </p:nvSpPr>
-        <p:spPr>
-          <a:xfrm>
-            <a:off x="507115" y="8399350"/>
-            <a:ext cx="2184206" cy="534313"/>
-          </a:xfrm>
-          <a:prstGeom prst="rect">
-            <a:avLst/>
-          </a:prstGeom>
-          <a:noFill/>
-          <a:ln>
-            <a:noFill/>
-          </a:ln>
-        </p:spPr>
-        <p:txBody>
-          <a:bodyPr spcFirstLastPara="1" wrap="square" lIns="0" tIns="0" rIns="0" bIns="0" anchor="t" anchorCtr="0">
-            <a:spAutoFit/>
-          </a:bodyPr>
-          <a:lstStyle/>
-          <a:p>
-            <a:pPr marL="0" marR="0" lvl="0" indent="0" algn="l" rtl="0">
-              <a:lnSpc>
-                <a:spcPct val="124000"/>
-              </a:lnSpc>
-              <a:spcBef>
-                <a:spcPts val="0"/>
-              </a:spcBef>
-              <a:spcAft>
-                <a:spcPts val="0"/>
-              </a:spcAft>
-              <a:buNone/>
-            </a:pPr>
-            <a:r>
-              <a:rPr lang="en-US" sz="2800" dirty="0">
-                <a:solidFill>
-                  <a:schemeClr val="bg1">
-                    <a:lumMod val="50000"/>
-                  </a:schemeClr>
-                </a:solidFill>
-                <a:latin typeface="Oswald"/>
-                <a:sym typeface="Oswald"/>
-              </a:rPr>
-              <a:t>Future?</a:t>
-            </a:r>
-            <a:endParaRPr sz="2800" dirty="0">
-              <a:solidFill>
-                <a:schemeClr val="bg1">
-                  <a:lumMod val="50000"/>
-                </a:schemeClr>
-              </a:solidFill>
-            </a:endParaRPr>
-          </a:p>
-        </p:txBody>
-      </p:sp>
-    </p:spTree>
-    <p:extLst>
-      <p:ext uri="{BB962C8B-B14F-4D97-AF65-F5344CB8AC3E}">
-        <p14:creationId xmlns:p14="http://schemas.microsoft.com/office/powerpoint/2010/main" val="2940834647"/>
-      </p:ext>
-    </p:extLst>
-  </p:cSld>
-  <p:clrMapOvr>
-    <a:masterClrMapping/>
-  </p:clrMapOvr>
-  <mc:AlternateContent xmlns:mc="http://schemas.openxmlformats.org/markup-compatibility/2006" xmlns:p159="http://schemas.microsoft.com/office/powerpoint/2015/09/main">
-    <mc:Choice Requires="p159">
-      <p:transition xmlns:p14="http://schemas.microsoft.com/office/powerpoint/2010/main" spd="slow" p14:dur="2000">
-        <p159:morph option="byObject"/>
-      </p:transition>
-    </mc:Choice>
-    <mc:Fallback xmlns="">
-      <p:transition spd="slow">
-        <p:fade/>
-      </p:transition>
-    </mc:Fallback>
-  </mc:AlternateContent>
-</p:sld>
-</file>
-
-<file path=ppt/slides/slide4.xml><?xml version="1.0" encoding="utf-8"?>
-<p:sld xmlns:a="http://schemas.openxmlformats.org/drawingml/2006/main" xmlns:r="http://schemas.openxmlformats.org/officeDocument/2006/relationships" xmlns:p="http://schemas.openxmlformats.org/presentationml/2006/main">
-  <p:cSld>
-    <p:spTree>
-      <p:nvGrpSpPr>
-        <p:cNvPr id="1" name="Shape 143">
-          <a:extLst>
-            <a:ext uri="{FF2B5EF4-FFF2-40B4-BE49-F238E27FC236}">
-              <a16:creationId xmlns:a16="http://schemas.microsoft.com/office/drawing/2014/main" id="{DEA0536E-D6E7-A060-AF06-5460D9B9A385}"/>
-            </a:ext>
-          </a:extLst>
-        </p:cNvPr>
-        <p:cNvGrpSpPr/>
-        <p:nvPr/>
-      </p:nvGrpSpPr>
-      <p:grpSpPr>
-        <a:xfrm>
-          <a:off x="0" y="0"/>
-          <a:ext cx="0" cy="0"/>
-          <a:chOff x="0" y="0"/>
-          <a:chExt cx="0" cy="0"/>
-        </a:xfrm>
-      </p:grpSpPr>
-      <p:sp>
-        <p:nvSpPr>
-          <p:cNvPr id="5" name="Rechteck 4">
-            <a:extLst>
-              <a:ext uri="{FF2B5EF4-FFF2-40B4-BE49-F238E27FC236}">
-                <a16:creationId xmlns:a16="http://schemas.microsoft.com/office/drawing/2014/main" id="{BEB25742-43AA-A0ED-E489-2C7388BC5842}"/>
-              </a:ext>
-            </a:extLst>
-          </p:cNvPr>
-          <p:cNvSpPr/>
-          <p:nvPr/>
-        </p:nvSpPr>
-        <p:spPr>
-          <a:xfrm>
-            <a:off x="4878065" y="823020"/>
-            <a:ext cx="12181306" cy="8628488"/>
-          </a:xfrm>
-          <a:prstGeom prst="rect">
-            <a:avLst/>
-          </a:prstGeom>
-          <a:noFill/>
-          <a:ln>
-            <a:solidFill>
-              <a:srgbClr val="FFC000"/>
-            </a:solidFill>
-          </a:ln>
-        </p:spPr>
-        <p:style>
-          <a:lnRef idx="2">
-            <a:schemeClr val="accent1">
-              <a:shade val="15000"/>
-            </a:schemeClr>
-          </a:lnRef>
-          <a:fillRef idx="1">
-            <a:schemeClr val="accent1"/>
-          </a:fillRef>
-          <a:effectRef idx="0">
-            <a:schemeClr val="accent1"/>
-          </a:effectRef>
-          <a:fontRef idx="minor">
-            <a:schemeClr val="lt1"/>
-          </a:fontRef>
-        </p:style>
-        <p:txBody>
-          <a:bodyPr rtlCol="0" anchor="ctr"/>
-          <a:lstStyle/>
-          <a:p>
-            <a:pPr algn="ctr"/>
-            <a:endParaRPr lang="de-DE"/>
-          </a:p>
-        </p:txBody>
-      </p:sp>
-      <p:sp>
-        <p:nvSpPr>
-          <p:cNvPr id="18" name="Oval 17">
-            <a:extLst>
-              <a:ext uri="{FF2B5EF4-FFF2-40B4-BE49-F238E27FC236}">
-                <a16:creationId xmlns:a16="http://schemas.microsoft.com/office/drawing/2014/main" id="{1C34037B-3276-950B-B96C-052CDBFC6D77}"/>
-              </a:ext>
-            </a:extLst>
-          </p:cNvPr>
-          <p:cNvSpPr/>
-          <p:nvPr/>
-        </p:nvSpPr>
-        <p:spPr>
-          <a:xfrm>
-            <a:off x="6455988" y="6147331"/>
-            <a:ext cx="914400" cy="914400"/>
-          </a:xfrm>
-          <a:prstGeom prst="ellipse">
-            <a:avLst/>
-          </a:prstGeom>
-          <a:solidFill>
-            <a:schemeClr val="tx1"/>
-          </a:solidFill>
-          <a:ln>
-            <a:solidFill>
-              <a:srgbClr val="FFC000"/>
-            </a:solidFill>
-          </a:ln>
-        </p:spPr>
-        <p:style>
-          <a:lnRef idx="2">
-            <a:schemeClr val="accent1">
-              <a:shade val="15000"/>
-            </a:schemeClr>
-          </a:lnRef>
-          <a:fillRef idx="1">
-            <a:schemeClr val="accent1"/>
-          </a:fillRef>
-          <a:effectRef idx="0">
-            <a:schemeClr val="accent1"/>
-          </a:effectRef>
-          <a:fontRef idx="minor">
-            <a:schemeClr val="lt1"/>
-          </a:fontRef>
-        </p:style>
-        <p:txBody>
-          <a:bodyPr rtlCol="0" anchor="ctr"/>
-          <a:lstStyle/>
-          <a:p>
-            <a:pPr algn="ctr"/>
-            <a:endParaRPr lang="de-DE"/>
-          </a:p>
-        </p:txBody>
-      </p:sp>
-      <p:sp>
-        <p:nvSpPr>
-          <p:cNvPr id="19" name="Oval 18">
-            <a:extLst>
-              <a:ext uri="{FF2B5EF4-FFF2-40B4-BE49-F238E27FC236}">
-                <a16:creationId xmlns:a16="http://schemas.microsoft.com/office/drawing/2014/main" id="{A0DB6C06-9634-BF1E-7A07-13FD530B23F8}"/>
-              </a:ext>
-            </a:extLst>
-          </p:cNvPr>
-          <p:cNvSpPr/>
-          <p:nvPr/>
-        </p:nvSpPr>
-        <p:spPr>
-          <a:xfrm>
-            <a:off x="8093004" y="6129364"/>
-            <a:ext cx="914400" cy="914400"/>
-          </a:xfrm>
-          <a:prstGeom prst="ellipse">
-            <a:avLst/>
-          </a:prstGeom>
-          <a:solidFill>
-            <a:schemeClr val="tx1"/>
-          </a:solidFill>
-          <a:ln>
-            <a:solidFill>
-              <a:srgbClr val="FFC000"/>
-            </a:solidFill>
-          </a:ln>
-        </p:spPr>
-        <p:style>
-          <a:lnRef idx="2">
-            <a:schemeClr val="accent1">
-              <a:shade val="15000"/>
-            </a:schemeClr>
-          </a:lnRef>
-          <a:fillRef idx="1">
-            <a:schemeClr val="accent1"/>
-          </a:fillRef>
-          <a:effectRef idx="0">
-            <a:schemeClr val="accent1"/>
-          </a:effectRef>
-          <a:fontRef idx="minor">
-            <a:schemeClr val="lt1"/>
-          </a:fontRef>
-        </p:style>
-        <p:txBody>
-          <a:bodyPr rtlCol="0" anchor="ctr"/>
-          <a:lstStyle/>
-          <a:p>
-            <a:pPr algn="ctr"/>
-            <a:endParaRPr lang="de-DE"/>
-          </a:p>
-        </p:txBody>
-      </p:sp>
-      <p:sp>
-        <p:nvSpPr>
-          <p:cNvPr id="20" name="Oval 19">
-            <a:extLst>
-              <a:ext uri="{FF2B5EF4-FFF2-40B4-BE49-F238E27FC236}">
-                <a16:creationId xmlns:a16="http://schemas.microsoft.com/office/drawing/2014/main" id="{2C5796BE-BB03-05A0-D304-1F3A9BCB91F1}"/>
-              </a:ext>
-            </a:extLst>
-          </p:cNvPr>
-          <p:cNvSpPr/>
-          <p:nvPr/>
-        </p:nvSpPr>
-        <p:spPr>
-          <a:xfrm>
-            <a:off x="14643959" y="6161448"/>
-            <a:ext cx="914400" cy="914400"/>
-          </a:xfrm>
-          <a:prstGeom prst="ellipse">
-            <a:avLst/>
-          </a:prstGeom>
-          <a:solidFill>
-            <a:schemeClr val="tx1"/>
-          </a:solidFill>
-          <a:ln>
-            <a:solidFill>
-              <a:srgbClr val="FFC000"/>
-            </a:solidFill>
-          </a:ln>
-        </p:spPr>
-        <p:style>
-          <a:lnRef idx="2">
-            <a:schemeClr val="accent1">
-              <a:shade val="15000"/>
-            </a:schemeClr>
-          </a:lnRef>
-          <a:fillRef idx="1">
-            <a:schemeClr val="accent1"/>
-          </a:fillRef>
-          <a:effectRef idx="0">
-            <a:schemeClr val="accent1"/>
-          </a:effectRef>
-          <a:fontRef idx="minor">
-            <a:schemeClr val="lt1"/>
-          </a:fontRef>
-        </p:style>
-        <p:txBody>
-          <a:bodyPr rtlCol="0" anchor="ctr"/>
-          <a:lstStyle/>
-          <a:p>
-            <a:pPr algn="ctr"/>
-            <a:endParaRPr lang="de-DE"/>
-          </a:p>
-        </p:txBody>
-      </p:sp>
-      <p:sp>
-        <p:nvSpPr>
-          <p:cNvPr id="21" name="Oval 20">
-            <a:extLst>
-              <a:ext uri="{FF2B5EF4-FFF2-40B4-BE49-F238E27FC236}">
-                <a16:creationId xmlns:a16="http://schemas.microsoft.com/office/drawing/2014/main" id="{39119F83-3DB1-3822-16B4-8F09A5270D8E}"/>
-              </a:ext>
-            </a:extLst>
-          </p:cNvPr>
-          <p:cNvSpPr/>
-          <p:nvPr/>
-        </p:nvSpPr>
-        <p:spPr>
-          <a:xfrm>
-            <a:off x="11370623" y="6161448"/>
-            <a:ext cx="914400" cy="914400"/>
-          </a:xfrm>
-          <a:prstGeom prst="ellipse">
-            <a:avLst/>
-          </a:prstGeom>
-          <a:solidFill>
-            <a:schemeClr val="tx1"/>
-          </a:solidFill>
-          <a:ln>
-            <a:solidFill>
-              <a:srgbClr val="FFC000"/>
-            </a:solidFill>
-          </a:ln>
-        </p:spPr>
-        <p:style>
-          <a:lnRef idx="2">
-            <a:schemeClr val="accent1">
-              <a:shade val="15000"/>
-            </a:schemeClr>
-          </a:lnRef>
-          <a:fillRef idx="1">
-            <a:schemeClr val="accent1"/>
-          </a:fillRef>
-          <a:effectRef idx="0">
-            <a:schemeClr val="accent1"/>
-          </a:effectRef>
-          <a:fontRef idx="minor">
-            <a:schemeClr val="lt1"/>
-          </a:fontRef>
-        </p:style>
-        <p:txBody>
-          <a:bodyPr rtlCol="0" anchor="ctr"/>
-          <a:lstStyle/>
-          <a:p>
-            <a:pPr algn="ctr"/>
-            <a:endParaRPr lang="de-DE"/>
-          </a:p>
-        </p:txBody>
-      </p:sp>
-      <p:sp>
-        <p:nvSpPr>
-          <p:cNvPr id="22" name="Oval 21">
-            <a:extLst>
-              <a:ext uri="{FF2B5EF4-FFF2-40B4-BE49-F238E27FC236}">
-                <a16:creationId xmlns:a16="http://schemas.microsoft.com/office/drawing/2014/main" id="{19F3CEA8-AD92-9B14-734F-6B581A175004}"/>
-              </a:ext>
-            </a:extLst>
-          </p:cNvPr>
-          <p:cNvSpPr/>
-          <p:nvPr/>
-        </p:nvSpPr>
-        <p:spPr>
-          <a:xfrm>
-            <a:off x="13007639" y="6184737"/>
-            <a:ext cx="914400" cy="914400"/>
-          </a:xfrm>
-          <a:prstGeom prst="ellipse">
-            <a:avLst/>
-          </a:prstGeom>
-          <a:solidFill>
-            <a:schemeClr val="tx1"/>
-          </a:solidFill>
-          <a:ln>
-            <a:solidFill>
-              <a:srgbClr val="FFC000"/>
-            </a:solidFill>
-          </a:ln>
-        </p:spPr>
-        <p:style>
-          <a:lnRef idx="2">
-            <a:schemeClr val="accent1">
-              <a:shade val="15000"/>
-            </a:schemeClr>
-          </a:lnRef>
-          <a:fillRef idx="1">
-            <a:schemeClr val="accent1"/>
-          </a:fillRef>
-          <a:effectRef idx="0">
-            <a:schemeClr val="accent1"/>
-          </a:effectRef>
-          <a:fontRef idx="minor">
-            <a:schemeClr val="lt1"/>
-          </a:fontRef>
-        </p:style>
-        <p:txBody>
-          <a:bodyPr rtlCol="0" anchor="ctr"/>
-          <a:lstStyle/>
-          <a:p>
-            <a:pPr algn="ctr"/>
-            <a:endParaRPr lang="de-DE"/>
-          </a:p>
-        </p:txBody>
-      </p:sp>
-      <p:sp>
-        <p:nvSpPr>
-          <p:cNvPr id="24" name="Google Shape;147;p16">
-            <a:extLst>
-              <a:ext uri="{FF2B5EF4-FFF2-40B4-BE49-F238E27FC236}">
-                <a16:creationId xmlns:a16="http://schemas.microsoft.com/office/drawing/2014/main" id="{DC050426-CB51-C0FD-9EF2-31FBD2EE0853}"/>
-              </a:ext>
-            </a:extLst>
-          </p:cNvPr>
-          <p:cNvSpPr txBox="1"/>
-          <p:nvPr/>
-        </p:nvSpPr>
-        <p:spPr>
-          <a:xfrm rot="5400000">
-            <a:off x="13542379" y="4575359"/>
-            <a:ext cx="8229600" cy="1259447"/>
-          </a:xfrm>
-          <a:prstGeom prst="rect">
-            <a:avLst/>
-          </a:prstGeom>
-          <a:noFill/>
-          <a:ln>
-            <a:noFill/>
-          </a:ln>
-        </p:spPr>
-        <p:txBody>
-          <a:bodyPr spcFirstLastPara="1" wrap="square" lIns="0" tIns="0" rIns="0" bIns="0" anchor="t" anchorCtr="0">
-            <a:spAutoFit/>
-          </a:bodyPr>
-          <a:lstStyle/>
-          <a:p>
-            <a:pPr marL="0" marR="0" lvl="0" indent="0" algn="ctr" rtl="0">
-              <a:lnSpc>
-                <a:spcPct val="124000"/>
-              </a:lnSpc>
-              <a:spcBef>
-                <a:spcPts val="0"/>
-              </a:spcBef>
-              <a:spcAft>
-                <a:spcPts val="0"/>
-              </a:spcAft>
-              <a:buNone/>
-            </a:pPr>
-            <a:r>
-              <a:rPr lang="en-US" sz="6600" b="1" dirty="0">
-                <a:solidFill>
-                  <a:srgbClr val="D4D4D4"/>
-                </a:solidFill>
-                <a:latin typeface="Oswald"/>
-                <a:sym typeface="Oswald"/>
-              </a:rPr>
-              <a:t>Button Piano Layout</a:t>
-            </a:r>
-            <a:endParaRPr sz="6600" dirty="0"/>
-          </a:p>
-        </p:txBody>
-      </p:sp>
-      <p:sp>
-        <p:nvSpPr>
-          <p:cNvPr id="146" name="!!T2S">
-            <a:extLst>
-              <a:ext uri="{FF2B5EF4-FFF2-40B4-BE49-F238E27FC236}">
-                <a16:creationId xmlns:a16="http://schemas.microsoft.com/office/drawing/2014/main" id="{365503BA-BC59-9136-E2D4-B80CCA9B0962}"/>
-              </a:ext>
-            </a:extLst>
-          </p:cNvPr>
-          <p:cNvSpPr/>
-          <p:nvPr/>
-        </p:nvSpPr>
-        <p:spPr>
-          <a:xfrm>
-            <a:off x="0" y="1142576"/>
-            <a:ext cx="5406190" cy="3606238"/>
+            <a:off x="0" y="7506543"/>
+            <a:ext cx="3609474" cy="2470111"/>
           </a:xfrm>
           <a:custGeom>
             <a:avLst/>
@@ -22159,10 +21183,447 @@
       </p:sp>
       <p:sp>
         <p:nvSpPr>
-          <p:cNvPr id="151" name="T2N">
+          <p:cNvPr id="18" name="Oval 17">
             <a:extLst>
               <a:ext uri="{FF2B5EF4-FFF2-40B4-BE49-F238E27FC236}">
-                <a16:creationId xmlns:a16="http://schemas.microsoft.com/office/drawing/2014/main" id="{6B611A95-1956-13DE-2CC1-1542B059A773}"/>
+                <a16:creationId xmlns:a16="http://schemas.microsoft.com/office/drawing/2014/main" id="{1CAEE35A-498D-94F1-989F-B8F1BC455B08}"/>
+              </a:ext>
+            </a:extLst>
+          </p:cNvPr>
+          <p:cNvSpPr/>
+          <p:nvPr/>
+        </p:nvSpPr>
+        <p:spPr>
+          <a:xfrm>
+            <a:off x="6387488" y="6096774"/>
+            <a:ext cx="914400" cy="914400"/>
+          </a:xfrm>
+          <a:prstGeom prst="ellipse">
+            <a:avLst/>
+          </a:prstGeom>
+          <a:solidFill>
+            <a:schemeClr val="tx1"/>
+          </a:solidFill>
+          <a:ln>
+            <a:solidFill>
+              <a:srgbClr val="FFC000"/>
+            </a:solidFill>
+          </a:ln>
+        </p:spPr>
+        <p:style>
+          <a:lnRef idx="2">
+            <a:schemeClr val="accent1">
+              <a:shade val="15000"/>
+            </a:schemeClr>
+          </a:lnRef>
+          <a:fillRef idx="1">
+            <a:schemeClr val="accent1"/>
+          </a:fillRef>
+          <a:effectRef idx="0">
+            <a:schemeClr val="accent1"/>
+          </a:effectRef>
+          <a:fontRef idx="minor">
+            <a:schemeClr val="lt1"/>
+          </a:fontRef>
+        </p:style>
+        <p:txBody>
+          <a:bodyPr rtlCol="0" anchor="ctr"/>
+          <a:lstStyle/>
+          <a:p>
+            <a:pPr algn="ctr"/>
+            <a:endParaRPr lang="de-DE"/>
+          </a:p>
+        </p:txBody>
+      </p:sp>
+      <p:sp>
+        <p:nvSpPr>
+          <p:cNvPr id="19" name="Oval 18">
+            <a:extLst>
+              <a:ext uri="{FF2B5EF4-FFF2-40B4-BE49-F238E27FC236}">
+                <a16:creationId xmlns:a16="http://schemas.microsoft.com/office/drawing/2014/main" id="{96622910-C495-63BC-FCBB-D5AD47CDAD97}"/>
+              </a:ext>
+            </a:extLst>
+          </p:cNvPr>
+          <p:cNvSpPr/>
+          <p:nvPr/>
+        </p:nvSpPr>
+        <p:spPr>
+          <a:xfrm>
+            <a:off x="8024504" y="6078807"/>
+            <a:ext cx="914400" cy="914400"/>
+          </a:xfrm>
+          <a:prstGeom prst="ellipse">
+            <a:avLst/>
+          </a:prstGeom>
+          <a:solidFill>
+            <a:schemeClr val="tx1"/>
+          </a:solidFill>
+          <a:ln>
+            <a:solidFill>
+              <a:srgbClr val="FFC000"/>
+            </a:solidFill>
+          </a:ln>
+        </p:spPr>
+        <p:style>
+          <a:lnRef idx="2">
+            <a:schemeClr val="accent1">
+              <a:shade val="15000"/>
+            </a:schemeClr>
+          </a:lnRef>
+          <a:fillRef idx="1">
+            <a:schemeClr val="accent1"/>
+          </a:fillRef>
+          <a:effectRef idx="0">
+            <a:schemeClr val="accent1"/>
+          </a:effectRef>
+          <a:fontRef idx="minor">
+            <a:schemeClr val="lt1"/>
+          </a:fontRef>
+        </p:style>
+        <p:txBody>
+          <a:bodyPr rtlCol="0" anchor="ctr"/>
+          <a:lstStyle/>
+          <a:p>
+            <a:pPr algn="ctr"/>
+            <a:endParaRPr lang="de-DE"/>
+          </a:p>
+        </p:txBody>
+      </p:sp>
+      <p:sp>
+        <p:nvSpPr>
+          <p:cNvPr id="20" name="Oval 19">
+            <a:extLst>
+              <a:ext uri="{FF2B5EF4-FFF2-40B4-BE49-F238E27FC236}">
+                <a16:creationId xmlns:a16="http://schemas.microsoft.com/office/drawing/2014/main" id="{02035FFD-E37F-FA21-5FEE-FCDD4129DC36}"/>
+              </a:ext>
+            </a:extLst>
+          </p:cNvPr>
+          <p:cNvSpPr/>
+          <p:nvPr/>
+        </p:nvSpPr>
+        <p:spPr>
+          <a:xfrm>
+            <a:off x="9665107" y="6117177"/>
+            <a:ext cx="914400" cy="914400"/>
+          </a:xfrm>
+          <a:prstGeom prst="ellipse">
+            <a:avLst/>
+          </a:prstGeom>
+          <a:solidFill>
+            <a:schemeClr val="tx1"/>
+          </a:solidFill>
+          <a:ln>
+            <a:solidFill>
+              <a:srgbClr val="FFC000"/>
+            </a:solidFill>
+          </a:ln>
+        </p:spPr>
+        <p:style>
+          <a:lnRef idx="2">
+            <a:schemeClr val="accent1">
+              <a:shade val="15000"/>
+            </a:schemeClr>
+          </a:lnRef>
+          <a:fillRef idx="1">
+            <a:schemeClr val="accent1"/>
+          </a:fillRef>
+          <a:effectRef idx="0">
+            <a:schemeClr val="accent1"/>
+          </a:effectRef>
+          <a:fontRef idx="minor">
+            <a:schemeClr val="lt1"/>
+          </a:fontRef>
+        </p:style>
+        <p:txBody>
+          <a:bodyPr rtlCol="0" anchor="ctr"/>
+          <a:lstStyle/>
+          <a:p>
+            <a:pPr algn="ctr"/>
+            <a:endParaRPr lang="de-DE"/>
+          </a:p>
+        </p:txBody>
+      </p:sp>
+      <p:sp>
+        <p:nvSpPr>
+          <p:cNvPr id="21" name="Oval 20">
+            <a:extLst>
+              <a:ext uri="{FF2B5EF4-FFF2-40B4-BE49-F238E27FC236}">
+                <a16:creationId xmlns:a16="http://schemas.microsoft.com/office/drawing/2014/main" id="{6126E54E-CFFF-0291-0997-4AEFB492772D}"/>
+              </a:ext>
+            </a:extLst>
+          </p:cNvPr>
+          <p:cNvSpPr/>
+          <p:nvPr/>
+        </p:nvSpPr>
+        <p:spPr>
+          <a:xfrm>
+            <a:off x="11302123" y="6110891"/>
+            <a:ext cx="914400" cy="914400"/>
+          </a:xfrm>
+          <a:prstGeom prst="ellipse">
+            <a:avLst/>
+          </a:prstGeom>
+          <a:solidFill>
+            <a:schemeClr val="tx1"/>
+          </a:solidFill>
+          <a:ln>
+            <a:solidFill>
+              <a:srgbClr val="FFC000"/>
+            </a:solidFill>
+          </a:ln>
+        </p:spPr>
+        <p:style>
+          <a:lnRef idx="2">
+            <a:schemeClr val="accent1">
+              <a:shade val="15000"/>
+            </a:schemeClr>
+          </a:lnRef>
+          <a:fillRef idx="1">
+            <a:schemeClr val="accent1"/>
+          </a:fillRef>
+          <a:effectRef idx="0">
+            <a:schemeClr val="accent1"/>
+          </a:effectRef>
+          <a:fontRef idx="minor">
+            <a:schemeClr val="lt1"/>
+          </a:fontRef>
+        </p:style>
+        <p:txBody>
+          <a:bodyPr rtlCol="0" anchor="ctr"/>
+          <a:lstStyle/>
+          <a:p>
+            <a:pPr algn="ctr"/>
+            <a:endParaRPr lang="de-DE"/>
+          </a:p>
+        </p:txBody>
+      </p:sp>
+      <p:sp>
+        <p:nvSpPr>
+          <p:cNvPr id="22" name="Oval 21">
+            <a:extLst>
+              <a:ext uri="{FF2B5EF4-FFF2-40B4-BE49-F238E27FC236}">
+                <a16:creationId xmlns:a16="http://schemas.microsoft.com/office/drawing/2014/main" id="{A188312E-53C9-BA6C-B49A-8F147946B88B}"/>
+              </a:ext>
+            </a:extLst>
+          </p:cNvPr>
+          <p:cNvSpPr/>
+          <p:nvPr/>
+        </p:nvSpPr>
+        <p:spPr>
+          <a:xfrm>
+            <a:off x="12939139" y="6134180"/>
+            <a:ext cx="914400" cy="914400"/>
+          </a:xfrm>
+          <a:prstGeom prst="ellipse">
+            <a:avLst/>
+          </a:prstGeom>
+          <a:solidFill>
+            <a:schemeClr val="tx1"/>
+          </a:solidFill>
+          <a:ln>
+            <a:solidFill>
+              <a:srgbClr val="FFC000"/>
+            </a:solidFill>
+          </a:ln>
+        </p:spPr>
+        <p:style>
+          <a:lnRef idx="2">
+            <a:schemeClr val="accent1">
+              <a:shade val="15000"/>
+            </a:schemeClr>
+          </a:lnRef>
+          <a:fillRef idx="1">
+            <a:schemeClr val="accent1"/>
+          </a:fillRef>
+          <a:effectRef idx="0">
+            <a:schemeClr val="accent1"/>
+          </a:effectRef>
+          <a:fontRef idx="minor">
+            <a:schemeClr val="lt1"/>
+          </a:fontRef>
+        </p:style>
+        <p:txBody>
+          <a:bodyPr rtlCol="0" anchor="ctr"/>
+          <a:lstStyle/>
+          <a:p>
+            <a:pPr algn="ctr"/>
+            <a:endParaRPr lang="de-DE"/>
+          </a:p>
+        </p:txBody>
+      </p:sp>
+      <p:sp>
+        <p:nvSpPr>
+          <p:cNvPr id="23" name="Rechteck 22">
+            <a:extLst>
+              <a:ext uri="{FF2B5EF4-FFF2-40B4-BE49-F238E27FC236}">
+                <a16:creationId xmlns:a16="http://schemas.microsoft.com/office/drawing/2014/main" id="{DDB02673-DCB0-55CE-05E5-C4E10022218F}"/>
+              </a:ext>
+            </a:extLst>
+          </p:cNvPr>
+          <p:cNvSpPr/>
+          <p:nvPr/>
+        </p:nvSpPr>
+        <p:spPr>
+          <a:xfrm>
+            <a:off x="7652825" y="3626357"/>
+            <a:ext cx="5176910" cy="1015981"/>
+          </a:xfrm>
+          <a:prstGeom prst="rect">
+            <a:avLst/>
+          </a:prstGeom>
+          <a:ln>
+            <a:solidFill>
+              <a:schemeClr val="accent1">
+                <a:shade val="15000"/>
+              </a:schemeClr>
+            </a:solidFill>
+          </a:ln>
+        </p:spPr>
+        <p:style>
+          <a:lnRef idx="2">
+            <a:schemeClr val="accent1">
+              <a:shade val="15000"/>
+            </a:schemeClr>
+          </a:lnRef>
+          <a:fillRef idx="1">
+            <a:schemeClr val="accent1"/>
+          </a:fillRef>
+          <a:effectRef idx="0">
+            <a:schemeClr val="accent1"/>
+          </a:effectRef>
+          <a:fontRef idx="minor">
+            <a:schemeClr val="lt1"/>
+          </a:fontRef>
+        </p:style>
+        <p:txBody>
+          <a:bodyPr rtlCol="0" anchor="ctr"/>
+          <a:lstStyle/>
+          <a:p>
+            <a:pPr algn="ctr"/>
+            <a:endParaRPr lang="de-DE"/>
+          </a:p>
+        </p:txBody>
+      </p:sp>
+      <p:sp>
+        <p:nvSpPr>
+          <p:cNvPr id="148" name="T1T"/>
+          <p:cNvSpPr txBox="1"/>
+          <p:nvPr/>
+        </p:nvSpPr>
+        <p:spPr>
+          <a:xfrm>
+            <a:off x="1268591" y="4276936"/>
+            <a:ext cx="4069968" cy="1183081"/>
+          </a:xfrm>
+          <a:prstGeom prst="rect">
+            <a:avLst/>
+          </a:prstGeom>
+          <a:noFill/>
+          <a:ln>
+            <a:noFill/>
+          </a:ln>
+        </p:spPr>
+        <p:txBody>
+          <a:bodyPr spcFirstLastPara="1" wrap="square" lIns="0" tIns="0" rIns="0" bIns="0" anchor="t" anchorCtr="0">
+            <a:spAutoFit/>
+          </a:bodyPr>
+          <a:lstStyle/>
+          <a:p>
+            <a:pPr marL="0" marR="0" lvl="0" indent="0" algn="l" rtl="0">
+              <a:lnSpc>
+                <a:spcPct val="124000"/>
+              </a:lnSpc>
+              <a:spcBef>
+                <a:spcPts val="0"/>
+              </a:spcBef>
+              <a:spcAft>
+                <a:spcPts val="0"/>
+              </a:spcAft>
+              <a:buNone/>
+            </a:pPr>
+            <a:r>
+              <a:rPr lang="en-US" sz="6200" b="0" i="0" u="none" strike="noStrike" cap="none" dirty="0">
+                <a:solidFill>
+                  <a:schemeClr val="bg1"/>
+                </a:solidFill>
+                <a:latin typeface="Oswald"/>
+                <a:ea typeface="Oswald"/>
+                <a:cs typeface="Oswald"/>
+                <a:sym typeface="Oswald"/>
+              </a:rPr>
+              <a:t>Standard</a:t>
+            </a:r>
+            <a:endParaRPr dirty="0">
+              <a:solidFill>
+                <a:schemeClr val="bg1"/>
+              </a:solidFill>
+            </a:endParaRPr>
+          </a:p>
+        </p:txBody>
+      </p:sp>
+      <p:sp>
+        <p:nvSpPr>
+          <p:cNvPr id="152" name="T1N"/>
+          <p:cNvSpPr txBox="1"/>
+          <p:nvPr/>
+        </p:nvSpPr>
+        <p:spPr>
+          <a:xfrm>
+            <a:off x="173733" y="4284085"/>
+            <a:ext cx="949046" cy="1183081"/>
+          </a:xfrm>
+          <a:prstGeom prst="rect">
+            <a:avLst/>
+          </a:prstGeom>
+          <a:noFill/>
+          <a:ln>
+            <a:noFill/>
+          </a:ln>
+        </p:spPr>
+        <p:txBody>
+          <a:bodyPr spcFirstLastPara="1" wrap="square" lIns="0" tIns="0" rIns="0" bIns="0" anchor="t" anchorCtr="0">
+            <a:spAutoFit/>
+          </a:bodyPr>
+          <a:lstStyle/>
+          <a:p>
+            <a:pPr marL="0" marR="0" lvl="0" indent="0" algn="l" rtl="0">
+              <a:lnSpc>
+                <a:spcPct val="124000"/>
+              </a:lnSpc>
+              <a:spcBef>
+                <a:spcPts val="0"/>
+              </a:spcBef>
+              <a:spcAft>
+                <a:spcPts val="0"/>
+              </a:spcAft>
+              <a:buNone/>
+            </a:pPr>
+            <a:r>
+              <a:rPr lang="en-US" sz="6200" b="1" i="0" u="none" strike="noStrike" cap="none" dirty="0">
+                <a:solidFill>
+                  <a:srgbClr val="FFC000"/>
+                </a:solidFill>
+                <a:latin typeface="Oswald"/>
+                <a:ea typeface="Oswald"/>
+                <a:cs typeface="Oswald"/>
+                <a:sym typeface="Oswald"/>
+              </a:rPr>
+              <a:t>01</a:t>
+            </a:r>
+            <a:endParaRPr b="1" dirty="0">
+              <a:solidFill>
+                <a:srgbClr val="FFC000"/>
+              </a:solidFill>
+            </a:endParaRPr>
+          </a:p>
+        </p:txBody>
+      </p:sp>
+      <p:sp>
+        <p:nvSpPr>
+          <p:cNvPr id="8" name="T2N">
+            <a:extLst>
+              <a:ext uri="{FF2B5EF4-FFF2-40B4-BE49-F238E27FC236}">
+                <a16:creationId xmlns:a16="http://schemas.microsoft.com/office/drawing/2014/main" id="{D0A47F5D-27FF-21D3-6B42-F1A2CB523740}"/>
               </a:ext>
             </a:extLst>
           </p:cNvPr>
@@ -22171,8 +21632,8 @@
         </p:nvSpPr>
         <p:spPr>
           <a:xfrm>
-            <a:off x="173733" y="2311292"/>
-            <a:ext cx="788793" cy="839589"/>
+            <a:off x="205649" y="6591380"/>
+            <a:ext cx="917130" cy="839589"/>
           </a:xfrm>
           <a:prstGeom prst="rect">
             <a:avLst/>
@@ -22222,10 +21683,250 @@
       </p:sp>
       <p:sp>
         <p:nvSpPr>
-          <p:cNvPr id="144" name="!!T3S">
+          <p:cNvPr id="9" name="T2T">
             <a:extLst>
               <a:ext uri="{FF2B5EF4-FFF2-40B4-BE49-F238E27FC236}">
-                <a16:creationId xmlns:a16="http://schemas.microsoft.com/office/drawing/2014/main" id="{C2BB5DC2-5EF9-442E-5AB5-F9E0D35BF818}"/>
+                <a16:creationId xmlns:a16="http://schemas.microsoft.com/office/drawing/2014/main" id="{DFA11549-42ED-F77E-4DE2-95D26C05E0E7}"/>
+              </a:ext>
+            </a:extLst>
+          </p:cNvPr>
+          <p:cNvSpPr txBox="1"/>
+          <p:nvPr/>
+        </p:nvSpPr>
+        <p:spPr>
+          <a:xfrm>
+            <a:off x="994442" y="6649934"/>
+            <a:ext cx="3435777" cy="763286"/>
+          </a:xfrm>
+          <a:prstGeom prst="rect">
+            <a:avLst/>
+          </a:prstGeom>
+          <a:noFill/>
+          <a:ln>
+            <a:noFill/>
+          </a:ln>
+        </p:spPr>
+        <p:txBody>
+          <a:bodyPr spcFirstLastPara="1" wrap="square" lIns="0" tIns="0" rIns="0" bIns="0" anchor="t" anchorCtr="0">
+            <a:spAutoFit/>
+          </a:bodyPr>
+          <a:lstStyle/>
+          <a:p>
+            <a:pPr marL="0" marR="0" lvl="0" indent="0" algn="l" rtl="0">
+              <a:lnSpc>
+                <a:spcPct val="124000"/>
+              </a:lnSpc>
+              <a:spcBef>
+                <a:spcPts val="0"/>
+              </a:spcBef>
+              <a:spcAft>
+                <a:spcPts val="0"/>
+              </a:spcAft>
+              <a:buNone/>
+            </a:pPr>
+            <a:r>
+              <a:rPr lang="en-US" sz="4000" b="0" i="0" u="none" strike="noStrike" cap="none" dirty="0">
+                <a:solidFill>
+                  <a:schemeClr val="bg1">
+                    <a:lumMod val="75000"/>
+                  </a:schemeClr>
+                </a:solidFill>
+                <a:latin typeface="Oswald"/>
+                <a:ea typeface="Oswald"/>
+                <a:cs typeface="Oswald"/>
+                <a:sym typeface="Oswald"/>
+              </a:rPr>
+              <a:t>7’’ Display</a:t>
+            </a:r>
+            <a:endParaRPr sz="4000" dirty="0">
+              <a:solidFill>
+                <a:schemeClr val="bg1">
+                  <a:lumMod val="75000"/>
+                </a:schemeClr>
+              </a:solidFill>
+            </a:endParaRPr>
+          </a:p>
+        </p:txBody>
+      </p:sp>
+      <p:sp>
+        <p:nvSpPr>
+          <p:cNvPr id="13" name="T3N">
+            <a:extLst>
+              <a:ext uri="{FF2B5EF4-FFF2-40B4-BE49-F238E27FC236}">
+                <a16:creationId xmlns:a16="http://schemas.microsoft.com/office/drawing/2014/main" id="{0F4C1686-CCE1-C399-8795-3FD9869AEAAE}"/>
+              </a:ext>
+            </a:extLst>
+          </p:cNvPr>
+          <p:cNvSpPr txBox="1"/>
+          <p:nvPr/>
+        </p:nvSpPr>
+        <p:spPr>
+          <a:xfrm>
+            <a:off x="109564" y="8427445"/>
+            <a:ext cx="397551" cy="457946"/>
+          </a:xfrm>
+          <a:prstGeom prst="rect">
+            <a:avLst/>
+          </a:prstGeom>
+          <a:noFill/>
+          <a:ln>
+            <a:noFill/>
+          </a:ln>
+        </p:spPr>
+        <p:txBody>
+          <a:bodyPr spcFirstLastPara="1" wrap="square" lIns="0" tIns="0" rIns="0" bIns="0" anchor="t" anchorCtr="0">
+            <a:spAutoFit/>
+          </a:bodyPr>
+          <a:lstStyle/>
+          <a:p>
+            <a:pPr marL="0" marR="0" lvl="0" indent="0" algn="l" rtl="0">
+              <a:lnSpc>
+                <a:spcPct val="124000"/>
+              </a:lnSpc>
+              <a:spcBef>
+                <a:spcPts val="0"/>
+              </a:spcBef>
+              <a:spcAft>
+                <a:spcPts val="0"/>
+              </a:spcAft>
+              <a:buNone/>
+            </a:pPr>
+            <a:r>
+              <a:rPr lang="en-US" sz="2400" b="0" i="0" u="none" strike="noStrike" cap="none" dirty="0">
+                <a:solidFill>
+                  <a:srgbClr val="FFC000"/>
+                </a:solidFill>
+                <a:latin typeface="Oswald"/>
+                <a:ea typeface="Oswald"/>
+                <a:cs typeface="Oswald"/>
+                <a:sym typeface="Oswald"/>
+              </a:rPr>
+              <a:t>03</a:t>
+            </a:r>
+            <a:endParaRPr sz="2400" dirty="0">
+              <a:solidFill>
+                <a:srgbClr val="FFC000"/>
+              </a:solidFill>
+            </a:endParaRPr>
+          </a:p>
+        </p:txBody>
+      </p:sp>
+      <p:sp>
+        <p:nvSpPr>
+          <p:cNvPr id="14" name="T3T">
+            <a:extLst>
+              <a:ext uri="{FF2B5EF4-FFF2-40B4-BE49-F238E27FC236}">
+                <a16:creationId xmlns:a16="http://schemas.microsoft.com/office/drawing/2014/main" id="{ED1070B8-B117-A747-4374-616DEF6B262D}"/>
+              </a:ext>
+            </a:extLst>
+          </p:cNvPr>
+          <p:cNvSpPr txBox="1"/>
+          <p:nvPr/>
+        </p:nvSpPr>
+        <p:spPr>
+          <a:xfrm>
+            <a:off x="507115" y="8382905"/>
+            <a:ext cx="2740729" cy="534313"/>
+          </a:xfrm>
+          <a:prstGeom prst="rect">
+            <a:avLst/>
+          </a:prstGeom>
+          <a:noFill/>
+          <a:ln>
+            <a:noFill/>
+          </a:ln>
+        </p:spPr>
+        <p:txBody>
+          <a:bodyPr spcFirstLastPara="1" wrap="square" lIns="0" tIns="0" rIns="0" bIns="0" anchor="t" anchorCtr="0">
+            <a:spAutoFit/>
+          </a:bodyPr>
+          <a:lstStyle/>
+          <a:p>
+            <a:pPr marL="0" marR="0" lvl="0" indent="0" algn="l" rtl="0">
+              <a:lnSpc>
+                <a:spcPct val="124000"/>
+              </a:lnSpc>
+              <a:spcBef>
+                <a:spcPts val="0"/>
+              </a:spcBef>
+              <a:spcAft>
+                <a:spcPts val="0"/>
+              </a:spcAft>
+              <a:buNone/>
+            </a:pPr>
+            <a:r>
+              <a:rPr lang="en-US" sz="2800" b="0" i="0" u="none" strike="noStrike" cap="none" dirty="0">
+                <a:solidFill>
+                  <a:schemeClr val="bg1">
+                    <a:lumMod val="50000"/>
+                  </a:schemeClr>
+                </a:solidFill>
+                <a:latin typeface="Oswald"/>
+                <a:ea typeface="Oswald"/>
+                <a:cs typeface="Oswald"/>
+                <a:sym typeface="Oswald"/>
+              </a:rPr>
+              <a:t>Piano Layout</a:t>
+            </a:r>
+            <a:endParaRPr sz="2800" dirty="0">
+              <a:solidFill>
+                <a:schemeClr val="bg1">
+                  <a:lumMod val="50000"/>
+                </a:schemeClr>
+              </a:solidFill>
+            </a:endParaRPr>
+          </a:p>
+        </p:txBody>
+      </p:sp>
+    </p:spTree>
+  </p:cSld>
+  <p:clrMapOvr>
+    <a:masterClrMapping/>
+  </p:clrMapOvr>
+  <mc:AlternateContent xmlns:mc="http://schemas.openxmlformats.org/markup-compatibility/2006">
+    <mc:Choice xmlns:p159="http://schemas.microsoft.com/office/powerpoint/2015/09/main" Requires="p159">
+      <p:transition xmlns:p14="http://schemas.microsoft.com/office/powerpoint/2010/main" spd="slow" p14:dur="2000">
+        <p159:morph option="byObject"/>
+      </p:transition>
+    </mc:Choice>
+    <mc:Fallback>
+      <p:transition spd="slow">
+        <p:fade/>
+      </p:transition>
+    </mc:Fallback>
+  </mc:AlternateContent>
+</p:sld>
+</file>
+
+<file path=ppt/slides/slide3.xml><?xml version="1.0" encoding="utf-8"?>
+<p:sld xmlns:a="http://schemas.openxmlformats.org/drawingml/2006/main" xmlns:r="http://schemas.openxmlformats.org/officeDocument/2006/relationships" xmlns:p="http://schemas.openxmlformats.org/presentationml/2006/main">
+  <p:cSld>
+    <p:spTree>
+      <p:nvGrpSpPr>
+        <p:cNvPr id="1" name="Shape 143">
+          <a:extLst>
+            <a:ext uri="{FF2B5EF4-FFF2-40B4-BE49-F238E27FC236}">
+              <a16:creationId xmlns:a16="http://schemas.microsoft.com/office/drawing/2014/main" id="{F3145DF3-BDDE-0446-F9BF-46DEAA520467}"/>
+            </a:ext>
+          </a:extLst>
+        </p:cNvPr>
+        <p:cNvGrpSpPr/>
+        <p:nvPr/>
+      </p:nvGrpSpPr>
+      <p:grpSpPr>
+        <a:xfrm>
+          <a:off x="0" y="0"/>
+          <a:ext cx="0" cy="0"/>
+          <a:chOff x="0" y="0"/>
+          <a:chExt cx="0" cy="0"/>
+        </a:xfrm>
+      </p:grpSpPr>
+      <p:sp>
+        <p:nvSpPr>
+          <p:cNvPr id="3" name="Rechteck 2">
+            <a:extLst>
+              <a:ext uri="{FF2B5EF4-FFF2-40B4-BE49-F238E27FC236}">
+                <a16:creationId xmlns:a16="http://schemas.microsoft.com/office/drawing/2014/main" id="{409FE901-FE50-DFE7-8145-C729F6679917}"/>
               </a:ext>
             </a:extLst>
           </p:cNvPr>
@@ -22234,8 +21935,330 @@
         </p:nvSpPr>
         <p:spPr>
           <a:xfrm>
-            <a:off x="-1" y="2551212"/>
-            <a:ext cx="6506062" cy="5200492"/>
+            <a:off x="5548006" y="1547445"/>
+            <a:ext cx="9396573" cy="7202659"/>
+          </a:xfrm>
+          <a:prstGeom prst="rect">
+            <a:avLst/>
+          </a:prstGeom>
+          <a:noFill/>
+          <a:ln>
+            <a:solidFill>
+              <a:srgbClr val="FFC000"/>
+            </a:solidFill>
+          </a:ln>
+        </p:spPr>
+        <p:style>
+          <a:lnRef idx="2">
+            <a:schemeClr val="accent1">
+              <a:shade val="15000"/>
+            </a:schemeClr>
+          </a:lnRef>
+          <a:fillRef idx="1">
+            <a:schemeClr val="accent1"/>
+          </a:fillRef>
+          <a:effectRef idx="0">
+            <a:schemeClr val="accent1"/>
+          </a:effectRef>
+          <a:fontRef idx="minor">
+            <a:schemeClr val="lt1"/>
+          </a:fontRef>
+        </p:style>
+        <p:txBody>
+          <a:bodyPr rtlCol="0" anchor="ctr"/>
+          <a:lstStyle/>
+          <a:p>
+            <a:pPr algn="ctr"/>
+            <a:endParaRPr lang="de-DE"/>
+          </a:p>
+        </p:txBody>
+      </p:sp>
+      <p:sp>
+        <p:nvSpPr>
+          <p:cNvPr id="4" name="Oval 3">
+            <a:extLst>
+              <a:ext uri="{FF2B5EF4-FFF2-40B4-BE49-F238E27FC236}">
+                <a16:creationId xmlns:a16="http://schemas.microsoft.com/office/drawing/2014/main" id="{060AE45C-D93C-7182-7CB1-195B975221DA}"/>
+              </a:ext>
+            </a:extLst>
+          </p:cNvPr>
+          <p:cNvSpPr/>
+          <p:nvPr/>
+        </p:nvSpPr>
+        <p:spPr>
+          <a:xfrm>
+            <a:off x="6387488" y="6934974"/>
+            <a:ext cx="914400" cy="914400"/>
+          </a:xfrm>
+          <a:prstGeom prst="ellipse">
+            <a:avLst/>
+          </a:prstGeom>
+          <a:solidFill>
+            <a:schemeClr val="tx1"/>
+          </a:solidFill>
+          <a:ln>
+            <a:solidFill>
+              <a:srgbClr val="FFC000"/>
+            </a:solidFill>
+          </a:ln>
+        </p:spPr>
+        <p:style>
+          <a:lnRef idx="2">
+            <a:schemeClr val="accent1">
+              <a:shade val="15000"/>
+            </a:schemeClr>
+          </a:lnRef>
+          <a:fillRef idx="1">
+            <a:schemeClr val="accent1"/>
+          </a:fillRef>
+          <a:effectRef idx="0">
+            <a:schemeClr val="accent1"/>
+          </a:effectRef>
+          <a:fontRef idx="minor">
+            <a:schemeClr val="lt1"/>
+          </a:fontRef>
+        </p:style>
+        <p:txBody>
+          <a:bodyPr rtlCol="0" anchor="ctr"/>
+          <a:lstStyle/>
+          <a:p>
+            <a:pPr algn="ctr"/>
+            <a:endParaRPr lang="de-DE"/>
+          </a:p>
+        </p:txBody>
+      </p:sp>
+      <p:sp>
+        <p:nvSpPr>
+          <p:cNvPr id="10" name="Oval 9">
+            <a:extLst>
+              <a:ext uri="{FF2B5EF4-FFF2-40B4-BE49-F238E27FC236}">
+                <a16:creationId xmlns:a16="http://schemas.microsoft.com/office/drawing/2014/main" id="{41A9BB17-A0A9-A6A6-B994-32ABF1B13ED2}"/>
+              </a:ext>
+            </a:extLst>
+          </p:cNvPr>
+          <p:cNvSpPr/>
+          <p:nvPr/>
+        </p:nvSpPr>
+        <p:spPr>
+          <a:xfrm>
+            <a:off x="8024504" y="6917007"/>
+            <a:ext cx="914400" cy="914400"/>
+          </a:xfrm>
+          <a:prstGeom prst="ellipse">
+            <a:avLst/>
+          </a:prstGeom>
+          <a:solidFill>
+            <a:schemeClr val="tx1"/>
+          </a:solidFill>
+          <a:ln>
+            <a:solidFill>
+              <a:srgbClr val="FFC000"/>
+            </a:solidFill>
+          </a:ln>
+        </p:spPr>
+        <p:style>
+          <a:lnRef idx="2">
+            <a:schemeClr val="accent1">
+              <a:shade val="15000"/>
+            </a:schemeClr>
+          </a:lnRef>
+          <a:fillRef idx="1">
+            <a:schemeClr val="accent1"/>
+          </a:fillRef>
+          <a:effectRef idx="0">
+            <a:schemeClr val="accent1"/>
+          </a:effectRef>
+          <a:fontRef idx="minor">
+            <a:schemeClr val="lt1"/>
+          </a:fontRef>
+        </p:style>
+        <p:txBody>
+          <a:bodyPr rtlCol="0" anchor="ctr"/>
+          <a:lstStyle/>
+          <a:p>
+            <a:pPr algn="ctr"/>
+            <a:endParaRPr lang="de-DE"/>
+          </a:p>
+        </p:txBody>
+      </p:sp>
+      <p:sp>
+        <p:nvSpPr>
+          <p:cNvPr id="15" name="Oval 14">
+            <a:extLst>
+              <a:ext uri="{FF2B5EF4-FFF2-40B4-BE49-F238E27FC236}">
+                <a16:creationId xmlns:a16="http://schemas.microsoft.com/office/drawing/2014/main" id="{7BCA669E-A77B-849A-A57A-A43A94E62D85}"/>
+              </a:ext>
+            </a:extLst>
+          </p:cNvPr>
+          <p:cNvSpPr/>
+          <p:nvPr/>
+        </p:nvSpPr>
+        <p:spPr>
+          <a:xfrm>
+            <a:off x="9665107" y="6955377"/>
+            <a:ext cx="914400" cy="914400"/>
+          </a:xfrm>
+          <a:prstGeom prst="ellipse">
+            <a:avLst/>
+          </a:prstGeom>
+          <a:solidFill>
+            <a:schemeClr val="tx1"/>
+          </a:solidFill>
+          <a:ln>
+            <a:solidFill>
+              <a:srgbClr val="FFC000"/>
+            </a:solidFill>
+          </a:ln>
+        </p:spPr>
+        <p:style>
+          <a:lnRef idx="2">
+            <a:schemeClr val="accent1">
+              <a:shade val="15000"/>
+            </a:schemeClr>
+          </a:lnRef>
+          <a:fillRef idx="1">
+            <a:schemeClr val="accent1"/>
+          </a:fillRef>
+          <a:effectRef idx="0">
+            <a:schemeClr val="accent1"/>
+          </a:effectRef>
+          <a:fontRef idx="minor">
+            <a:schemeClr val="lt1"/>
+          </a:fontRef>
+        </p:style>
+        <p:txBody>
+          <a:bodyPr rtlCol="0" anchor="ctr"/>
+          <a:lstStyle/>
+          <a:p>
+            <a:pPr algn="ctr"/>
+            <a:endParaRPr lang="de-DE"/>
+          </a:p>
+        </p:txBody>
+      </p:sp>
+      <p:sp>
+        <p:nvSpPr>
+          <p:cNvPr id="17" name="Oval 16">
+            <a:extLst>
+              <a:ext uri="{FF2B5EF4-FFF2-40B4-BE49-F238E27FC236}">
+                <a16:creationId xmlns:a16="http://schemas.microsoft.com/office/drawing/2014/main" id="{FF3A14DD-6BAF-ABC1-C619-18E77FE636AF}"/>
+              </a:ext>
+            </a:extLst>
+          </p:cNvPr>
+          <p:cNvSpPr/>
+          <p:nvPr/>
+        </p:nvSpPr>
+        <p:spPr>
+          <a:xfrm>
+            <a:off x="11302123" y="6949091"/>
+            <a:ext cx="914400" cy="914400"/>
+          </a:xfrm>
+          <a:prstGeom prst="ellipse">
+            <a:avLst/>
+          </a:prstGeom>
+          <a:solidFill>
+            <a:schemeClr val="tx1"/>
+          </a:solidFill>
+          <a:ln>
+            <a:solidFill>
+              <a:srgbClr val="FFC000"/>
+            </a:solidFill>
+          </a:ln>
+        </p:spPr>
+        <p:style>
+          <a:lnRef idx="2">
+            <a:schemeClr val="accent1">
+              <a:shade val="15000"/>
+            </a:schemeClr>
+          </a:lnRef>
+          <a:fillRef idx="1">
+            <a:schemeClr val="accent1"/>
+          </a:fillRef>
+          <a:effectRef idx="0">
+            <a:schemeClr val="accent1"/>
+          </a:effectRef>
+          <a:fontRef idx="minor">
+            <a:schemeClr val="lt1"/>
+          </a:fontRef>
+        </p:style>
+        <p:txBody>
+          <a:bodyPr rtlCol="0" anchor="ctr"/>
+          <a:lstStyle/>
+          <a:p>
+            <a:pPr algn="ctr"/>
+            <a:endParaRPr lang="de-DE"/>
+          </a:p>
+        </p:txBody>
+      </p:sp>
+      <p:sp>
+        <p:nvSpPr>
+          <p:cNvPr id="18" name="Oval 17">
+            <a:extLst>
+              <a:ext uri="{FF2B5EF4-FFF2-40B4-BE49-F238E27FC236}">
+                <a16:creationId xmlns:a16="http://schemas.microsoft.com/office/drawing/2014/main" id="{26CE2A99-B3A2-CFF4-8339-C6EBC0F7837F}"/>
+              </a:ext>
+            </a:extLst>
+          </p:cNvPr>
+          <p:cNvSpPr/>
+          <p:nvPr/>
+        </p:nvSpPr>
+        <p:spPr>
+          <a:xfrm>
+            <a:off x="12939139" y="6972380"/>
+            <a:ext cx="914400" cy="914400"/>
+          </a:xfrm>
+          <a:prstGeom prst="ellipse">
+            <a:avLst/>
+          </a:prstGeom>
+          <a:solidFill>
+            <a:schemeClr val="tx1"/>
+          </a:solidFill>
+          <a:ln>
+            <a:solidFill>
+              <a:srgbClr val="FFC000"/>
+            </a:solidFill>
+          </a:ln>
+        </p:spPr>
+        <p:style>
+          <a:lnRef idx="2">
+            <a:schemeClr val="accent1">
+              <a:shade val="15000"/>
+            </a:schemeClr>
+          </a:lnRef>
+          <a:fillRef idx="1">
+            <a:schemeClr val="accent1"/>
+          </a:fillRef>
+          <a:effectRef idx="0">
+            <a:schemeClr val="accent1"/>
+          </a:effectRef>
+          <a:fontRef idx="minor">
+            <a:schemeClr val="lt1"/>
+          </a:fontRef>
+        </p:style>
+        <p:txBody>
+          <a:bodyPr rtlCol="0" anchor="ctr"/>
+          <a:lstStyle/>
+          <a:p>
+            <a:pPr algn="ctr"/>
+            <a:endParaRPr lang="de-DE"/>
+          </a:p>
+        </p:txBody>
+      </p:sp>
+      <p:sp>
+        <p:nvSpPr>
+          <p:cNvPr id="146" name="!!T1S">
+            <a:extLst>
+              <a:ext uri="{FF2B5EF4-FFF2-40B4-BE49-F238E27FC236}">
+                <a16:creationId xmlns:a16="http://schemas.microsoft.com/office/drawing/2014/main" id="{893B39F6-72FE-A480-2BCE-9AA0927B8799}"/>
+              </a:ext>
+            </a:extLst>
+          </p:cNvPr>
+          <p:cNvSpPr/>
+          <p:nvPr/>
+        </p:nvSpPr>
+        <p:spPr>
+          <a:xfrm>
+            <a:off x="0" y="1142576"/>
+            <a:ext cx="5406190" cy="3606238"/>
           </a:xfrm>
           <a:custGeom>
             <a:avLst/>
@@ -22280,83 +22303,16 @@
           <a:bodyPr/>
           <a:lstStyle/>
           <a:p>
-            <a:endParaRPr lang="de-DE" dirty="0"/>
-          </a:p>
-        </p:txBody>
-      </p:sp>
-      <p:sp>
-        <p:nvSpPr>
-          <p:cNvPr id="150" name="T2T">
+            <a:endParaRPr lang="de-DE"/>
+          </a:p>
+        </p:txBody>
+      </p:sp>
+      <p:sp>
+        <p:nvSpPr>
+          <p:cNvPr id="144" name="!!T2S">
             <a:extLst>
               <a:ext uri="{FF2B5EF4-FFF2-40B4-BE49-F238E27FC236}">
-                <a16:creationId xmlns:a16="http://schemas.microsoft.com/office/drawing/2014/main" id="{4BC24FB0-4354-9583-A327-D52BB21D5904}"/>
-              </a:ext>
-            </a:extLst>
-          </p:cNvPr>
-          <p:cNvSpPr txBox="1"/>
-          <p:nvPr/>
-        </p:nvSpPr>
-        <p:spPr>
-          <a:xfrm>
-            <a:off x="962526" y="2369846"/>
-            <a:ext cx="3435777" cy="763286"/>
-          </a:xfrm>
-          <a:prstGeom prst="rect">
-            <a:avLst/>
-          </a:prstGeom>
-          <a:noFill/>
-          <a:ln>
-            <a:noFill/>
-          </a:ln>
-        </p:spPr>
-        <p:txBody>
-          <a:bodyPr spcFirstLastPara="1" wrap="square" lIns="0" tIns="0" rIns="0" bIns="0" anchor="t" anchorCtr="0">
-            <a:spAutoFit/>
-          </a:bodyPr>
-          <a:lstStyle/>
-          <a:p>
-            <a:pPr marL="0" marR="0" lvl="0" indent="0" algn="l" rtl="0">
-              <a:lnSpc>
-                <a:spcPct val="124000"/>
-              </a:lnSpc>
-              <a:spcBef>
-                <a:spcPts val="0"/>
-              </a:spcBef>
-              <a:spcAft>
-                <a:spcPts val="0"/>
-              </a:spcAft>
-              <a:buNone/>
-            </a:pPr>
-            <a:r>
-              <a:rPr lang="en-US" sz="4000" b="0" i="0" u="none" strike="noStrike" cap="none" dirty="0">
-                <a:solidFill>
-                  <a:schemeClr val="bg1">
-                    <a:lumMod val="75000"/>
-                  </a:schemeClr>
-                </a:solidFill>
-                <a:latin typeface="Oswald"/>
-                <a:ea typeface="Oswald"/>
-                <a:cs typeface="Oswald"/>
-                <a:sym typeface="Oswald"/>
-              </a:rPr>
-              <a:t>7’’ Display</a:t>
-            </a:r>
-            <a:endParaRPr sz="4000" dirty="0">
-              <a:solidFill>
-                <a:schemeClr val="bg1">
-                  <a:lumMod val="75000"/>
-                </a:schemeClr>
-              </a:solidFill>
-            </a:endParaRPr>
-          </a:p>
-        </p:txBody>
-      </p:sp>
-      <p:sp>
-        <p:nvSpPr>
-          <p:cNvPr id="2" name="!!T1S">
-            <a:extLst>
-              <a:ext uri="{FF2B5EF4-FFF2-40B4-BE49-F238E27FC236}">
-                <a16:creationId xmlns:a16="http://schemas.microsoft.com/office/drawing/2014/main" id="{14FCA91D-9F13-FFAA-23C1-DF65CFAC0241}"/>
+                <a16:creationId xmlns:a16="http://schemas.microsoft.com/office/drawing/2014/main" id="{569BA4AE-B2DF-150E-122C-2F78F73F336A}"/>
               </a:ext>
             </a:extLst>
           </p:cNvPr>
@@ -22365,8 +22321,8 @@
         </p:nvSpPr>
         <p:spPr>
           <a:xfrm>
-            <a:off x="0" y="128484"/>
-            <a:ext cx="3609474" cy="2470111"/>
+            <a:off x="7033" y="2543254"/>
+            <a:ext cx="6506062" cy="5200492"/>
           </a:xfrm>
           <a:custGeom>
             <a:avLst/>
@@ -22411,16 +22367,16 @@
           <a:bodyPr/>
           <a:lstStyle/>
           <a:p>
-            <a:endParaRPr lang="de-DE"/>
-          </a:p>
-        </p:txBody>
-      </p:sp>
-      <p:sp>
-        <p:nvSpPr>
-          <p:cNvPr id="7" name="!!T4S">
+            <a:endParaRPr lang="de-DE" dirty="0"/>
+          </a:p>
+        </p:txBody>
+      </p:sp>
+      <p:sp>
+        <p:nvSpPr>
+          <p:cNvPr id="7" name="!!T3S">
             <a:extLst>
               <a:ext uri="{FF2B5EF4-FFF2-40B4-BE49-F238E27FC236}">
-                <a16:creationId xmlns:a16="http://schemas.microsoft.com/office/drawing/2014/main" id="{71423CF6-C9FF-C813-DFE1-1EC021418F7C}"/>
+                <a16:creationId xmlns:a16="http://schemas.microsoft.com/office/drawing/2014/main" id="{056E396B-49D9-DD0C-9E32-76EFCD9DA1C2}"/>
               </a:ext>
             </a:extLst>
           </p:cNvPr>
@@ -22481,6 +22437,1883 @@
       </p:sp>
       <p:sp>
         <p:nvSpPr>
+          <p:cNvPr id="8" name="T3N">
+            <a:extLst>
+              <a:ext uri="{FF2B5EF4-FFF2-40B4-BE49-F238E27FC236}">
+                <a16:creationId xmlns:a16="http://schemas.microsoft.com/office/drawing/2014/main" id="{C6726D15-62B7-5143-7CA0-9335BE8D43E9}"/>
+              </a:ext>
+            </a:extLst>
+          </p:cNvPr>
+          <p:cNvSpPr txBox="1"/>
+          <p:nvPr/>
+        </p:nvSpPr>
+        <p:spPr>
+          <a:xfrm>
+            <a:off x="205649" y="6591380"/>
+            <a:ext cx="756877" cy="839589"/>
+          </a:xfrm>
+          <a:prstGeom prst="rect">
+            <a:avLst/>
+          </a:prstGeom>
+          <a:noFill/>
+          <a:ln>
+            <a:noFill/>
+          </a:ln>
+        </p:spPr>
+        <p:txBody>
+          <a:bodyPr spcFirstLastPara="1" wrap="square" lIns="0" tIns="0" rIns="0" bIns="0" anchor="t" anchorCtr="0">
+            <a:spAutoFit/>
+          </a:bodyPr>
+          <a:lstStyle/>
+          <a:p>
+            <a:pPr marL="0" marR="0" lvl="0" indent="0" algn="l" rtl="0">
+              <a:lnSpc>
+                <a:spcPct val="124000"/>
+              </a:lnSpc>
+              <a:spcBef>
+                <a:spcPts val="0"/>
+              </a:spcBef>
+              <a:spcAft>
+                <a:spcPts val="0"/>
+              </a:spcAft>
+              <a:buNone/>
+            </a:pPr>
+            <a:r>
+              <a:rPr lang="en-US" sz="4400" b="0" i="0" u="none" strike="noStrike" cap="none" dirty="0">
+                <a:solidFill>
+                  <a:srgbClr val="FFC000"/>
+                </a:solidFill>
+                <a:latin typeface="Oswald"/>
+                <a:ea typeface="Oswald"/>
+                <a:cs typeface="Oswald"/>
+                <a:sym typeface="Oswald"/>
+              </a:rPr>
+              <a:t>03</a:t>
+            </a:r>
+            <a:endParaRPr sz="4400" dirty="0">
+              <a:solidFill>
+                <a:srgbClr val="FFC000"/>
+              </a:solidFill>
+            </a:endParaRPr>
+          </a:p>
+        </p:txBody>
+      </p:sp>
+      <p:sp>
+        <p:nvSpPr>
+          <p:cNvPr id="9" name="T3T">
+            <a:extLst>
+              <a:ext uri="{FF2B5EF4-FFF2-40B4-BE49-F238E27FC236}">
+                <a16:creationId xmlns:a16="http://schemas.microsoft.com/office/drawing/2014/main" id="{7376762E-2815-4C25-3B47-A4A98A064947}"/>
+              </a:ext>
+            </a:extLst>
+          </p:cNvPr>
+          <p:cNvSpPr txBox="1"/>
+          <p:nvPr/>
+        </p:nvSpPr>
+        <p:spPr>
+          <a:xfrm>
+            <a:off x="994442" y="6649934"/>
+            <a:ext cx="3435777" cy="763286"/>
+          </a:xfrm>
+          <a:prstGeom prst="rect">
+            <a:avLst/>
+          </a:prstGeom>
+          <a:noFill/>
+          <a:ln>
+            <a:noFill/>
+          </a:ln>
+        </p:spPr>
+        <p:txBody>
+          <a:bodyPr spcFirstLastPara="1" wrap="square" lIns="0" tIns="0" rIns="0" bIns="0" anchor="t" anchorCtr="0">
+            <a:spAutoFit/>
+          </a:bodyPr>
+          <a:lstStyle/>
+          <a:p>
+            <a:pPr marL="0" marR="0" lvl="0" indent="0" algn="l" rtl="0">
+              <a:lnSpc>
+                <a:spcPct val="124000"/>
+              </a:lnSpc>
+              <a:spcBef>
+                <a:spcPts val="0"/>
+              </a:spcBef>
+              <a:spcAft>
+                <a:spcPts val="0"/>
+              </a:spcAft>
+              <a:buNone/>
+            </a:pPr>
+            <a:r>
+              <a:rPr lang="en-US" sz="4000" b="0" i="0" u="none" strike="noStrike" cap="none" dirty="0">
+                <a:solidFill>
+                  <a:schemeClr val="bg1">
+                    <a:lumMod val="75000"/>
+                  </a:schemeClr>
+                </a:solidFill>
+                <a:latin typeface="Oswald"/>
+                <a:ea typeface="Oswald"/>
+                <a:cs typeface="Oswald"/>
+                <a:sym typeface="Oswald"/>
+              </a:rPr>
+              <a:t>Piano Layout</a:t>
+            </a:r>
+            <a:endParaRPr sz="4000" dirty="0">
+              <a:solidFill>
+                <a:schemeClr val="bg1">
+                  <a:lumMod val="75000"/>
+                </a:schemeClr>
+              </a:solidFill>
+            </a:endParaRPr>
+          </a:p>
+        </p:txBody>
+      </p:sp>
+      <p:sp>
+        <p:nvSpPr>
+          <p:cNvPr id="12" name="!!T4S">
+            <a:extLst>
+              <a:ext uri="{FF2B5EF4-FFF2-40B4-BE49-F238E27FC236}">
+                <a16:creationId xmlns:a16="http://schemas.microsoft.com/office/drawing/2014/main" id="{B9451B96-B234-184E-CDAF-A702DAF64F11}"/>
+              </a:ext>
+            </a:extLst>
+          </p:cNvPr>
+          <p:cNvSpPr/>
+          <p:nvPr/>
+        </p:nvSpPr>
+        <p:spPr>
+          <a:xfrm>
+            <a:off x="0" y="7506543"/>
+            <a:ext cx="3609474" cy="2470111"/>
+          </a:xfrm>
+          <a:custGeom>
+            <a:avLst/>
+            <a:gdLst/>
+            <a:ahLst/>
+            <a:cxnLst/>
+            <a:rect l="l" t="t" r="r" b="b"/>
+            <a:pathLst>
+              <a:path w="13810523" h="4792440" extrusionOk="0">
+                <a:moveTo>
+                  <a:pt x="0" y="0"/>
+                </a:moveTo>
+                <a:lnTo>
+                  <a:pt x="13810523" y="0"/>
+                </a:lnTo>
+                <a:lnTo>
+                  <a:pt x="13810523" y="4792440"/>
+                </a:lnTo>
+                <a:lnTo>
+                  <a:pt x="0" y="4792440"/>
+                </a:lnTo>
+                <a:lnTo>
+                  <a:pt x="0" y="0"/>
+                </a:lnTo>
+                <a:close/>
+              </a:path>
+            </a:pathLst>
+          </a:custGeom>
+          <a:blipFill rotWithShape="1">
+            <a:blip r:embed="rId3">
+              <a:alphaModFix/>
+            </a:blip>
+            <a:stretch>
+              <a:fillRect l="-137270"/>
+            </a:stretch>
+          </a:blipFill>
+          <a:ln>
+            <a:noFill/>
+          </a:ln>
+        </p:spPr>
+        <p:txBody>
+          <a:bodyPr/>
+          <a:lstStyle/>
+          <a:p>
+            <a:endParaRPr lang="de-DE"/>
+          </a:p>
+        </p:txBody>
+      </p:sp>
+      <p:sp>
+        <p:nvSpPr>
+          <p:cNvPr id="13" name="T4N">
+            <a:extLst>
+              <a:ext uri="{FF2B5EF4-FFF2-40B4-BE49-F238E27FC236}">
+                <a16:creationId xmlns:a16="http://schemas.microsoft.com/office/drawing/2014/main" id="{F6EED353-B610-14B6-7B64-A367C6357DC4}"/>
+              </a:ext>
+            </a:extLst>
+          </p:cNvPr>
+          <p:cNvSpPr txBox="1"/>
+          <p:nvPr/>
+        </p:nvSpPr>
+        <p:spPr>
+          <a:xfrm>
+            <a:off x="109564" y="8427445"/>
+            <a:ext cx="397551" cy="457946"/>
+          </a:xfrm>
+          <a:prstGeom prst="rect">
+            <a:avLst/>
+          </a:prstGeom>
+          <a:noFill/>
+          <a:ln>
+            <a:noFill/>
+          </a:ln>
+        </p:spPr>
+        <p:txBody>
+          <a:bodyPr spcFirstLastPara="1" wrap="square" lIns="0" tIns="0" rIns="0" bIns="0" anchor="t" anchorCtr="0">
+            <a:spAutoFit/>
+          </a:bodyPr>
+          <a:lstStyle/>
+          <a:p>
+            <a:pPr marL="0" marR="0" lvl="0" indent="0" algn="l" rtl="0">
+              <a:lnSpc>
+                <a:spcPct val="124000"/>
+              </a:lnSpc>
+              <a:spcBef>
+                <a:spcPts val="0"/>
+              </a:spcBef>
+              <a:spcAft>
+                <a:spcPts val="0"/>
+              </a:spcAft>
+              <a:buNone/>
+            </a:pPr>
+            <a:r>
+              <a:rPr lang="en-US" sz="2400" b="0" i="0" u="none" strike="noStrike" cap="none" dirty="0">
+                <a:solidFill>
+                  <a:srgbClr val="FFC000"/>
+                </a:solidFill>
+                <a:latin typeface="Oswald"/>
+                <a:ea typeface="Oswald"/>
+                <a:cs typeface="Oswald"/>
+                <a:sym typeface="Oswald"/>
+              </a:rPr>
+              <a:t>04</a:t>
+            </a:r>
+            <a:endParaRPr sz="2400" dirty="0">
+              <a:solidFill>
+                <a:srgbClr val="FFC000"/>
+              </a:solidFill>
+            </a:endParaRPr>
+          </a:p>
+        </p:txBody>
+      </p:sp>
+      <p:sp>
+        <p:nvSpPr>
+          <p:cNvPr id="20" name="Google Shape;147;p16">
+            <a:extLst>
+              <a:ext uri="{FF2B5EF4-FFF2-40B4-BE49-F238E27FC236}">
+                <a16:creationId xmlns:a16="http://schemas.microsoft.com/office/drawing/2014/main" id="{EE4EA378-2B7C-4859-5E28-57517DA7DACA}"/>
+              </a:ext>
+            </a:extLst>
+          </p:cNvPr>
+          <p:cNvSpPr txBox="1"/>
+          <p:nvPr/>
+        </p:nvSpPr>
+        <p:spPr>
+          <a:xfrm rot="5400000">
+            <a:off x="13542379" y="4575359"/>
+            <a:ext cx="8229600" cy="1259447"/>
+          </a:xfrm>
+          <a:prstGeom prst="rect">
+            <a:avLst/>
+          </a:prstGeom>
+          <a:noFill/>
+          <a:ln>
+            <a:noFill/>
+          </a:ln>
+        </p:spPr>
+        <p:txBody>
+          <a:bodyPr spcFirstLastPara="1" wrap="square" lIns="0" tIns="0" rIns="0" bIns="0" anchor="t" anchorCtr="0">
+            <a:spAutoFit/>
+          </a:bodyPr>
+          <a:lstStyle/>
+          <a:p>
+            <a:pPr marL="0" marR="0" lvl="0" indent="0" algn="ctr" rtl="0">
+              <a:lnSpc>
+                <a:spcPct val="124000"/>
+              </a:lnSpc>
+              <a:spcBef>
+                <a:spcPts val="0"/>
+              </a:spcBef>
+              <a:spcAft>
+                <a:spcPts val="0"/>
+              </a:spcAft>
+              <a:buNone/>
+            </a:pPr>
+            <a:r>
+              <a:rPr lang="en-US" sz="6600" b="1" dirty="0">
+                <a:solidFill>
+                  <a:srgbClr val="D4D4D4"/>
+                </a:solidFill>
+                <a:latin typeface="Oswald"/>
+                <a:sym typeface="Oswald"/>
+              </a:rPr>
+              <a:t>Adding 7’’ Touchscreen</a:t>
+            </a:r>
+            <a:endParaRPr sz="6600" dirty="0"/>
+          </a:p>
+        </p:txBody>
+      </p:sp>
+      <p:sp>
+        <p:nvSpPr>
+          <p:cNvPr id="148" name="T2T">
+            <a:extLst>
+              <a:ext uri="{FF2B5EF4-FFF2-40B4-BE49-F238E27FC236}">
+                <a16:creationId xmlns:a16="http://schemas.microsoft.com/office/drawing/2014/main" id="{6FE9C8CC-C44B-8624-2966-BEF879B09E20}"/>
+              </a:ext>
+            </a:extLst>
+          </p:cNvPr>
+          <p:cNvSpPr txBox="1"/>
+          <p:nvPr/>
+        </p:nvSpPr>
+        <p:spPr>
+          <a:xfrm>
+            <a:off x="1268591" y="4276936"/>
+            <a:ext cx="4069968" cy="1183081"/>
+          </a:xfrm>
+          <a:prstGeom prst="rect">
+            <a:avLst/>
+          </a:prstGeom>
+          <a:noFill/>
+          <a:ln>
+            <a:noFill/>
+          </a:ln>
+        </p:spPr>
+        <p:txBody>
+          <a:bodyPr spcFirstLastPara="1" wrap="square" lIns="0" tIns="0" rIns="0" bIns="0" anchor="t" anchorCtr="0">
+            <a:spAutoFit/>
+          </a:bodyPr>
+          <a:lstStyle/>
+          <a:p>
+            <a:pPr marL="0" marR="0" lvl="0" indent="0" algn="l" rtl="0">
+              <a:lnSpc>
+                <a:spcPct val="124000"/>
+              </a:lnSpc>
+              <a:spcBef>
+                <a:spcPts val="0"/>
+              </a:spcBef>
+              <a:spcAft>
+                <a:spcPts val="0"/>
+              </a:spcAft>
+              <a:buNone/>
+            </a:pPr>
+            <a:r>
+              <a:rPr lang="en-US" sz="6200" dirty="0">
+                <a:solidFill>
+                  <a:schemeClr val="bg1"/>
+                </a:solidFill>
+                <a:latin typeface="Oswald"/>
+                <a:sym typeface="Oswald"/>
+              </a:rPr>
+              <a:t>7’’ Display</a:t>
+            </a:r>
+            <a:endParaRPr dirty="0">
+              <a:solidFill>
+                <a:schemeClr val="bg1"/>
+              </a:solidFill>
+            </a:endParaRPr>
+          </a:p>
+        </p:txBody>
+      </p:sp>
+      <p:sp>
+        <p:nvSpPr>
+          <p:cNvPr id="152" name="T2N">
+            <a:extLst>
+              <a:ext uri="{FF2B5EF4-FFF2-40B4-BE49-F238E27FC236}">
+                <a16:creationId xmlns:a16="http://schemas.microsoft.com/office/drawing/2014/main" id="{3D26F93F-D3B0-A2A1-2CD3-842736CC7C89}"/>
+              </a:ext>
+            </a:extLst>
+          </p:cNvPr>
+          <p:cNvSpPr txBox="1"/>
+          <p:nvPr/>
+        </p:nvSpPr>
+        <p:spPr>
+          <a:xfrm>
+            <a:off x="173733" y="4284085"/>
+            <a:ext cx="949046" cy="1183081"/>
+          </a:xfrm>
+          <a:prstGeom prst="rect">
+            <a:avLst/>
+          </a:prstGeom>
+          <a:noFill/>
+          <a:ln>
+            <a:noFill/>
+          </a:ln>
+        </p:spPr>
+        <p:txBody>
+          <a:bodyPr spcFirstLastPara="1" wrap="square" lIns="0" tIns="0" rIns="0" bIns="0" anchor="t" anchorCtr="0">
+            <a:spAutoFit/>
+          </a:bodyPr>
+          <a:lstStyle/>
+          <a:p>
+            <a:pPr marL="0" marR="0" lvl="0" indent="0" algn="l" rtl="0">
+              <a:lnSpc>
+                <a:spcPct val="124000"/>
+              </a:lnSpc>
+              <a:spcBef>
+                <a:spcPts val="0"/>
+              </a:spcBef>
+              <a:spcAft>
+                <a:spcPts val="0"/>
+              </a:spcAft>
+              <a:buNone/>
+            </a:pPr>
+            <a:r>
+              <a:rPr lang="en-US" sz="6200" b="0" i="0" u="none" strike="noStrike" cap="none" dirty="0">
+                <a:solidFill>
+                  <a:srgbClr val="FFC000"/>
+                </a:solidFill>
+                <a:latin typeface="Oswald"/>
+                <a:ea typeface="Oswald"/>
+                <a:cs typeface="Oswald"/>
+                <a:sym typeface="Oswald"/>
+              </a:rPr>
+              <a:t>02</a:t>
+            </a:r>
+            <a:endParaRPr dirty="0">
+              <a:solidFill>
+                <a:srgbClr val="FFC000"/>
+              </a:solidFill>
+            </a:endParaRPr>
+          </a:p>
+        </p:txBody>
+      </p:sp>
+      <p:sp>
+        <p:nvSpPr>
+          <p:cNvPr id="151" name="T1N">
+            <a:extLst>
+              <a:ext uri="{FF2B5EF4-FFF2-40B4-BE49-F238E27FC236}">
+                <a16:creationId xmlns:a16="http://schemas.microsoft.com/office/drawing/2014/main" id="{CFA75216-627B-2C8C-89E6-53DE4090BAFF}"/>
+              </a:ext>
+            </a:extLst>
+          </p:cNvPr>
+          <p:cNvSpPr txBox="1"/>
+          <p:nvPr/>
+        </p:nvSpPr>
+        <p:spPr>
+          <a:xfrm>
+            <a:off x="173733" y="2311292"/>
+            <a:ext cx="597718" cy="839589"/>
+          </a:xfrm>
+          <a:prstGeom prst="rect">
+            <a:avLst/>
+          </a:prstGeom>
+          <a:noFill/>
+          <a:ln>
+            <a:noFill/>
+          </a:ln>
+        </p:spPr>
+        <p:txBody>
+          <a:bodyPr spcFirstLastPara="1" wrap="square" lIns="0" tIns="0" rIns="0" bIns="0" anchor="t" anchorCtr="0">
+            <a:spAutoFit/>
+          </a:bodyPr>
+          <a:lstStyle/>
+          <a:p>
+            <a:pPr marL="0" marR="0" lvl="0" indent="0" algn="l" rtl="0">
+              <a:lnSpc>
+                <a:spcPct val="124000"/>
+              </a:lnSpc>
+              <a:spcBef>
+                <a:spcPts val="0"/>
+              </a:spcBef>
+              <a:spcAft>
+                <a:spcPts val="0"/>
+              </a:spcAft>
+              <a:buNone/>
+            </a:pPr>
+            <a:r>
+              <a:rPr lang="en-US" sz="4400" b="0" i="0" u="none" strike="noStrike" cap="none" dirty="0">
+                <a:solidFill>
+                  <a:srgbClr val="FFC000"/>
+                </a:solidFill>
+                <a:latin typeface="Oswald"/>
+                <a:ea typeface="Oswald"/>
+                <a:cs typeface="Oswald"/>
+                <a:sym typeface="Oswald"/>
+              </a:rPr>
+              <a:t>01</a:t>
+            </a:r>
+            <a:endParaRPr sz="4400" dirty="0">
+              <a:solidFill>
+                <a:srgbClr val="FFC000"/>
+              </a:solidFill>
+            </a:endParaRPr>
+          </a:p>
+        </p:txBody>
+      </p:sp>
+      <p:sp>
+        <p:nvSpPr>
+          <p:cNvPr id="150" name="T1T">
+            <a:extLst>
+              <a:ext uri="{FF2B5EF4-FFF2-40B4-BE49-F238E27FC236}">
+                <a16:creationId xmlns:a16="http://schemas.microsoft.com/office/drawing/2014/main" id="{13D0D573-8AC9-9486-2597-95E7B5567996}"/>
+              </a:ext>
+            </a:extLst>
+          </p:cNvPr>
+          <p:cNvSpPr txBox="1"/>
+          <p:nvPr/>
+        </p:nvSpPr>
+        <p:spPr>
+          <a:xfrm>
+            <a:off x="962526" y="2369846"/>
+            <a:ext cx="3435777" cy="763286"/>
+          </a:xfrm>
+          <a:prstGeom prst="rect">
+            <a:avLst/>
+          </a:prstGeom>
+          <a:noFill/>
+          <a:ln>
+            <a:noFill/>
+          </a:ln>
+        </p:spPr>
+        <p:txBody>
+          <a:bodyPr spcFirstLastPara="1" wrap="square" lIns="0" tIns="0" rIns="0" bIns="0" anchor="t" anchorCtr="0">
+            <a:spAutoFit/>
+          </a:bodyPr>
+          <a:lstStyle/>
+          <a:p>
+            <a:pPr marL="0" marR="0" lvl="0" indent="0" algn="l" rtl="0">
+              <a:lnSpc>
+                <a:spcPct val="124000"/>
+              </a:lnSpc>
+              <a:spcBef>
+                <a:spcPts val="0"/>
+              </a:spcBef>
+              <a:spcAft>
+                <a:spcPts val="0"/>
+              </a:spcAft>
+              <a:buNone/>
+            </a:pPr>
+            <a:r>
+              <a:rPr lang="en-US" sz="4000" b="0" i="0" u="none" strike="noStrike" cap="none" dirty="0">
+                <a:solidFill>
+                  <a:schemeClr val="bg1">
+                    <a:lumMod val="75000"/>
+                  </a:schemeClr>
+                </a:solidFill>
+                <a:latin typeface="Oswald"/>
+                <a:ea typeface="Oswald"/>
+                <a:cs typeface="Oswald"/>
+                <a:sym typeface="Oswald"/>
+              </a:rPr>
+              <a:t>Standard</a:t>
+            </a:r>
+            <a:endParaRPr sz="4000" dirty="0">
+              <a:solidFill>
+                <a:schemeClr val="bg1">
+                  <a:lumMod val="75000"/>
+                </a:schemeClr>
+              </a:solidFill>
+            </a:endParaRPr>
+          </a:p>
+        </p:txBody>
+      </p:sp>
+      <p:sp>
+        <p:nvSpPr>
+          <p:cNvPr id="21" name="Oval 20">
+            <a:extLst>
+              <a:ext uri="{FF2B5EF4-FFF2-40B4-BE49-F238E27FC236}">
+                <a16:creationId xmlns:a16="http://schemas.microsoft.com/office/drawing/2014/main" id="{4117F9ED-9222-9A59-119D-C06086FCE73B}"/>
+              </a:ext>
+            </a:extLst>
+          </p:cNvPr>
+          <p:cNvSpPr/>
+          <p:nvPr/>
+        </p:nvSpPr>
+        <p:spPr>
+          <a:xfrm>
+            <a:off x="-1349948" y="10975945"/>
+            <a:ext cx="914400" cy="914400"/>
+          </a:xfrm>
+          <a:prstGeom prst="ellipse">
+            <a:avLst/>
+          </a:prstGeom>
+          <a:solidFill>
+            <a:schemeClr val="tx1"/>
+          </a:solidFill>
+          <a:ln>
+            <a:solidFill>
+              <a:srgbClr val="FFC000"/>
+            </a:solidFill>
+          </a:ln>
+        </p:spPr>
+        <p:style>
+          <a:lnRef idx="2">
+            <a:schemeClr val="accent1">
+              <a:shade val="15000"/>
+            </a:schemeClr>
+          </a:lnRef>
+          <a:fillRef idx="1">
+            <a:schemeClr val="accent1"/>
+          </a:fillRef>
+          <a:effectRef idx="0">
+            <a:schemeClr val="accent1"/>
+          </a:effectRef>
+          <a:fontRef idx="minor">
+            <a:schemeClr val="lt1"/>
+          </a:fontRef>
+        </p:style>
+        <p:txBody>
+          <a:bodyPr rtlCol="0" anchor="ctr"/>
+          <a:lstStyle/>
+          <a:p>
+            <a:pPr algn="ctr"/>
+            <a:endParaRPr lang="de-DE"/>
+          </a:p>
+        </p:txBody>
+      </p:sp>
+      <p:sp>
+        <p:nvSpPr>
+          <p:cNvPr id="22" name="Oval 21">
+            <a:extLst>
+              <a:ext uri="{FF2B5EF4-FFF2-40B4-BE49-F238E27FC236}">
+                <a16:creationId xmlns:a16="http://schemas.microsoft.com/office/drawing/2014/main" id="{89ADF915-6DFA-BEE1-1DE8-ADF979D1A4AA}"/>
+              </a:ext>
+            </a:extLst>
+          </p:cNvPr>
+          <p:cNvSpPr/>
+          <p:nvPr/>
+        </p:nvSpPr>
+        <p:spPr>
+          <a:xfrm>
+            <a:off x="2345664" y="10966660"/>
+            <a:ext cx="914400" cy="914400"/>
+          </a:xfrm>
+          <a:prstGeom prst="ellipse">
+            <a:avLst/>
+          </a:prstGeom>
+          <a:solidFill>
+            <a:schemeClr val="tx1"/>
+          </a:solidFill>
+          <a:ln>
+            <a:solidFill>
+              <a:srgbClr val="FFC000"/>
+            </a:solidFill>
+          </a:ln>
+        </p:spPr>
+        <p:style>
+          <a:lnRef idx="2">
+            <a:schemeClr val="accent1">
+              <a:shade val="15000"/>
+            </a:schemeClr>
+          </a:lnRef>
+          <a:fillRef idx="1">
+            <a:schemeClr val="accent1"/>
+          </a:fillRef>
+          <a:effectRef idx="0">
+            <a:schemeClr val="accent1"/>
+          </a:effectRef>
+          <a:fontRef idx="minor">
+            <a:schemeClr val="lt1"/>
+          </a:fontRef>
+        </p:style>
+        <p:txBody>
+          <a:bodyPr rtlCol="0" anchor="ctr"/>
+          <a:lstStyle/>
+          <a:p>
+            <a:pPr algn="ctr"/>
+            <a:endParaRPr lang="de-DE"/>
+          </a:p>
+        </p:txBody>
+      </p:sp>
+      <p:sp>
+        <p:nvSpPr>
+          <p:cNvPr id="23" name="Oval 22">
+            <a:extLst>
+              <a:ext uri="{FF2B5EF4-FFF2-40B4-BE49-F238E27FC236}">
+                <a16:creationId xmlns:a16="http://schemas.microsoft.com/office/drawing/2014/main" id="{D564EE4F-2E67-7C0E-949C-E75AD0AAB143}"/>
+              </a:ext>
+            </a:extLst>
+          </p:cNvPr>
+          <p:cNvSpPr/>
+          <p:nvPr/>
+        </p:nvSpPr>
+        <p:spPr>
+          <a:xfrm>
+            <a:off x="6387487" y="10957375"/>
+            <a:ext cx="914400" cy="914400"/>
+          </a:xfrm>
+          <a:prstGeom prst="ellipse">
+            <a:avLst/>
+          </a:prstGeom>
+          <a:solidFill>
+            <a:schemeClr val="tx1"/>
+          </a:solidFill>
+          <a:ln>
+            <a:solidFill>
+              <a:srgbClr val="FFC000"/>
+            </a:solidFill>
+          </a:ln>
+        </p:spPr>
+        <p:style>
+          <a:lnRef idx="2">
+            <a:schemeClr val="accent1">
+              <a:shade val="15000"/>
+            </a:schemeClr>
+          </a:lnRef>
+          <a:fillRef idx="1">
+            <a:schemeClr val="accent1"/>
+          </a:fillRef>
+          <a:effectRef idx="0">
+            <a:schemeClr val="accent1"/>
+          </a:effectRef>
+          <a:fontRef idx="minor">
+            <a:schemeClr val="lt1"/>
+          </a:fontRef>
+        </p:style>
+        <p:txBody>
+          <a:bodyPr rtlCol="0" anchor="ctr"/>
+          <a:lstStyle/>
+          <a:p>
+            <a:pPr algn="ctr"/>
+            <a:endParaRPr lang="de-DE"/>
+          </a:p>
+        </p:txBody>
+      </p:sp>
+      <p:sp>
+        <p:nvSpPr>
+          <p:cNvPr id="24" name="Oval 23">
+            <a:extLst>
+              <a:ext uri="{FF2B5EF4-FFF2-40B4-BE49-F238E27FC236}">
+                <a16:creationId xmlns:a16="http://schemas.microsoft.com/office/drawing/2014/main" id="{AB298967-8006-1829-5444-207716ED6EF5}"/>
+              </a:ext>
+            </a:extLst>
+          </p:cNvPr>
+          <p:cNvSpPr/>
+          <p:nvPr/>
+        </p:nvSpPr>
+        <p:spPr>
+          <a:xfrm>
+            <a:off x="12538056" y="11038509"/>
+            <a:ext cx="914400" cy="914400"/>
+          </a:xfrm>
+          <a:prstGeom prst="ellipse">
+            <a:avLst/>
+          </a:prstGeom>
+          <a:solidFill>
+            <a:schemeClr val="tx1"/>
+          </a:solidFill>
+          <a:ln>
+            <a:solidFill>
+              <a:srgbClr val="FFC000"/>
+            </a:solidFill>
+          </a:ln>
+        </p:spPr>
+        <p:style>
+          <a:lnRef idx="2">
+            <a:schemeClr val="accent1">
+              <a:shade val="15000"/>
+            </a:schemeClr>
+          </a:lnRef>
+          <a:fillRef idx="1">
+            <a:schemeClr val="accent1"/>
+          </a:fillRef>
+          <a:effectRef idx="0">
+            <a:schemeClr val="accent1"/>
+          </a:effectRef>
+          <a:fontRef idx="minor">
+            <a:schemeClr val="lt1"/>
+          </a:fontRef>
+        </p:style>
+        <p:txBody>
+          <a:bodyPr rtlCol="0" anchor="ctr"/>
+          <a:lstStyle/>
+          <a:p>
+            <a:pPr algn="ctr"/>
+            <a:endParaRPr lang="de-DE"/>
+          </a:p>
+        </p:txBody>
+      </p:sp>
+      <p:sp>
+        <p:nvSpPr>
+          <p:cNvPr id="25" name="Oval 24">
+            <a:extLst>
+              <a:ext uri="{FF2B5EF4-FFF2-40B4-BE49-F238E27FC236}">
+                <a16:creationId xmlns:a16="http://schemas.microsoft.com/office/drawing/2014/main" id="{C62FC932-D66C-17F2-2D60-29B19E9A4F3D}"/>
+              </a:ext>
+            </a:extLst>
+          </p:cNvPr>
+          <p:cNvSpPr/>
+          <p:nvPr/>
+        </p:nvSpPr>
+        <p:spPr>
+          <a:xfrm>
+            <a:off x="16986110" y="11055529"/>
+            <a:ext cx="914400" cy="914400"/>
+          </a:xfrm>
+          <a:prstGeom prst="ellipse">
+            <a:avLst/>
+          </a:prstGeom>
+          <a:solidFill>
+            <a:schemeClr val="tx1"/>
+          </a:solidFill>
+          <a:ln>
+            <a:solidFill>
+              <a:srgbClr val="FFC000"/>
+            </a:solidFill>
+          </a:ln>
+        </p:spPr>
+        <p:style>
+          <a:lnRef idx="2">
+            <a:schemeClr val="accent1">
+              <a:shade val="15000"/>
+            </a:schemeClr>
+          </a:lnRef>
+          <a:fillRef idx="1">
+            <a:schemeClr val="accent1"/>
+          </a:fillRef>
+          <a:effectRef idx="0">
+            <a:schemeClr val="accent1"/>
+          </a:effectRef>
+          <a:fontRef idx="minor">
+            <a:schemeClr val="lt1"/>
+          </a:fontRef>
+        </p:style>
+        <p:txBody>
+          <a:bodyPr rtlCol="0" anchor="ctr"/>
+          <a:lstStyle/>
+          <a:p>
+            <a:pPr algn="ctr"/>
+            <a:endParaRPr lang="de-DE"/>
+          </a:p>
+        </p:txBody>
+      </p:sp>
+      <p:sp>
+        <p:nvSpPr>
+          <p:cNvPr id="26" name="Oval 25">
+            <a:extLst>
+              <a:ext uri="{FF2B5EF4-FFF2-40B4-BE49-F238E27FC236}">
+                <a16:creationId xmlns:a16="http://schemas.microsoft.com/office/drawing/2014/main" id="{AF51BB06-9B23-75CB-BE10-28D167148C49}"/>
+              </a:ext>
+            </a:extLst>
+          </p:cNvPr>
+          <p:cNvSpPr/>
+          <p:nvPr/>
+        </p:nvSpPr>
+        <p:spPr>
+          <a:xfrm>
+            <a:off x="20976964" y="11055529"/>
+            <a:ext cx="914400" cy="914400"/>
+          </a:xfrm>
+          <a:prstGeom prst="ellipse">
+            <a:avLst/>
+          </a:prstGeom>
+          <a:solidFill>
+            <a:schemeClr val="tx1"/>
+          </a:solidFill>
+          <a:ln>
+            <a:solidFill>
+              <a:srgbClr val="FFC000"/>
+            </a:solidFill>
+          </a:ln>
+        </p:spPr>
+        <p:style>
+          <a:lnRef idx="2">
+            <a:schemeClr val="accent1">
+              <a:shade val="15000"/>
+            </a:schemeClr>
+          </a:lnRef>
+          <a:fillRef idx="1">
+            <a:schemeClr val="accent1"/>
+          </a:fillRef>
+          <a:effectRef idx="0">
+            <a:schemeClr val="accent1"/>
+          </a:effectRef>
+          <a:fontRef idx="minor">
+            <a:schemeClr val="lt1"/>
+          </a:fontRef>
+        </p:style>
+        <p:txBody>
+          <a:bodyPr rtlCol="0" anchor="ctr"/>
+          <a:lstStyle/>
+          <a:p>
+            <a:pPr algn="ctr"/>
+            <a:endParaRPr lang="de-DE"/>
+          </a:p>
+        </p:txBody>
+      </p:sp>
+      <p:sp>
+        <p:nvSpPr>
+          <p:cNvPr id="27" name="Oval 26">
+            <a:extLst>
+              <a:ext uri="{FF2B5EF4-FFF2-40B4-BE49-F238E27FC236}">
+                <a16:creationId xmlns:a16="http://schemas.microsoft.com/office/drawing/2014/main" id="{4DF36B63-29F9-96DE-94FB-2B643005C22B}"/>
+              </a:ext>
+            </a:extLst>
+          </p:cNvPr>
+          <p:cNvSpPr/>
+          <p:nvPr/>
+        </p:nvSpPr>
+        <p:spPr>
+          <a:xfrm>
+            <a:off x="16233734" y="-2550509"/>
+            <a:ext cx="914400" cy="914400"/>
+          </a:xfrm>
+          <a:prstGeom prst="ellipse">
+            <a:avLst/>
+          </a:prstGeom>
+          <a:solidFill>
+            <a:schemeClr val="tx1"/>
+          </a:solidFill>
+          <a:ln>
+            <a:solidFill>
+              <a:srgbClr val="FFC000"/>
+            </a:solidFill>
+          </a:ln>
+        </p:spPr>
+        <p:style>
+          <a:lnRef idx="2">
+            <a:schemeClr val="accent1">
+              <a:shade val="15000"/>
+            </a:schemeClr>
+          </a:lnRef>
+          <a:fillRef idx="1">
+            <a:schemeClr val="accent1"/>
+          </a:fillRef>
+          <a:effectRef idx="0">
+            <a:schemeClr val="accent1"/>
+          </a:effectRef>
+          <a:fontRef idx="minor">
+            <a:schemeClr val="lt1"/>
+          </a:fontRef>
+        </p:style>
+        <p:txBody>
+          <a:bodyPr rtlCol="0" anchor="ctr"/>
+          <a:lstStyle/>
+          <a:p>
+            <a:pPr algn="ctr"/>
+            <a:endParaRPr lang="de-DE"/>
+          </a:p>
+        </p:txBody>
+      </p:sp>
+      <p:sp>
+        <p:nvSpPr>
+          <p:cNvPr id="29" name="Rechteck 28">
+            <a:extLst>
+              <a:ext uri="{FF2B5EF4-FFF2-40B4-BE49-F238E27FC236}">
+                <a16:creationId xmlns:a16="http://schemas.microsoft.com/office/drawing/2014/main" id="{761E5583-A80B-CD1D-CDFF-6A9A1B0621A5}"/>
+              </a:ext>
+            </a:extLst>
+          </p:cNvPr>
+          <p:cNvSpPr/>
+          <p:nvPr/>
+        </p:nvSpPr>
+        <p:spPr>
+          <a:xfrm>
+            <a:off x="6981468" y="1959489"/>
+            <a:ext cx="6506062" cy="4005368"/>
+          </a:xfrm>
+          <a:prstGeom prst="rect">
+            <a:avLst/>
+          </a:prstGeom>
+          <a:ln>
+            <a:solidFill>
+              <a:schemeClr val="accent1">
+                <a:shade val="15000"/>
+              </a:schemeClr>
+            </a:solidFill>
+          </a:ln>
+        </p:spPr>
+        <p:style>
+          <a:lnRef idx="2">
+            <a:schemeClr val="accent1">
+              <a:shade val="15000"/>
+            </a:schemeClr>
+          </a:lnRef>
+          <a:fillRef idx="1">
+            <a:schemeClr val="accent1"/>
+          </a:fillRef>
+          <a:effectRef idx="0">
+            <a:schemeClr val="accent1"/>
+          </a:effectRef>
+          <a:fontRef idx="minor">
+            <a:schemeClr val="lt1"/>
+          </a:fontRef>
+        </p:style>
+        <p:txBody>
+          <a:bodyPr rtlCol="0" anchor="ctr"/>
+          <a:lstStyle/>
+          <a:p>
+            <a:pPr algn="ctr"/>
+            <a:endParaRPr lang="de-DE"/>
+          </a:p>
+        </p:txBody>
+      </p:sp>
+      <p:sp>
+        <p:nvSpPr>
+          <p:cNvPr id="34" name="T4T">
+            <a:extLst>
+              <a:ext uri="{FF2B5EF4-FFF2-40B4-BE49-F238E27FC236}">
+                <a16:creationId xmlns:a16="http://schemas.microsoft.com/office/drawing/2014/main" id="{730F0418-CF8A-1084-55F1-5942CB2D71AE}"/>
+              </a:ext>
+            </a:extLst>
+          </p:cNvPr>
+          <p:cNvSpPr txBox="1"/>
+          <p:nvPr/>
+        </p:nvSpPr>
+        <p:spPr>
+          <a:xfrm>
+            <a:off x="507115" y="8399350"/>
+            <a:ext cx="2184206" cy="534313"/>
+          </a:xfrm>
+          <a:prstGeom prst="rect">
+            <a:avLst/>
+          </a:prstGeom>
+          <a:noFill/>
+          <a:ln>
+            <a:noFill/>
+          </a:ln>
+        </p:spPr>
+        <p:txBody>
+          <a:bodyPr spcFirstLastPara="1" wrap="square" lIns="0" tIns="0" rIns="0" bIns="0" anchor="t" anchorCtr="0">
+            <a:spAutoFit/>
+          </a:bodyPr>
+          <a:lstStyle/>
+          <a:p>
+            <a:pPr marL="0" marR="0" lvl="0" indent="0" algn="l" rtl="0">
+              <a:lnSpc>
+                <a:spcPct val="124000"/>
+              </a:lnSpc>
+              <a:spcBef>
+                <a:spcPts val="0"/>
+              </a:spcBef>
+              <a:spcAft>
+                <a:spcPts val="0"/>
+              </a:spcAft>
+              <a:buNone/>
+            </a:pPr>
+            <a:r>
+              <a:rPr lang="en-US" sz="2800" dirty="0">
+                <a:solidFill>
+                  <a:schemeClr val="bg1">
+                    <a:lumMod val="50000"/>
+                  </a:schemeClr>
+                </a:solidFill>
+                <a:latin typeface="Oswald"/>
+                <a:sym typeface="Oswald"/>
+              </a:rPr>
+              <a:t>Future?</a:t>
+            </a:r>
+            <a:endParaRPr sz="2800" dirty="0">
+              <a:solidFill>
+                <a:schemeClr val="bg1">
+                  <a:lumMod val="50000"/>
+                </a:schemeClr>
+              </a:solidFill>
+            </a:endParaRPr>
+          </a:p>
+        </p:txBody>
+      </p:sp>
+    </p:spTree>
+    <p:extLst>
+      <p:ext uri="{BB962C8B-B14F-4D97-AF65-F5344CB8AC3E}">
+        <p14:creationId xmlns:p14="http://schemas.microsoft.com/office/powerpoint/2010/main" val="2940834647"/>
+      </p:ext>
+    </p:extLst>
+  </p:cSld>
+  <p:clrMapOvr>
+    <a:masterClrMapping/>
+  </p:clrMapOvr>
+  <mc:AlternateContent xmlns:mc="http://schemas.openxmlformats.org/markup-compatibility/2006">
+    <mc:Choice xmlns:p159="http://schemas.microsoft.com/office/powerpoint/2015/09/main" Requires="p159">
+      <p:transition xmlns:p14="http://schemas.microsoft.com/office/powerpoint/2010/main" spd="slow" p14:dur="2000">
+        <p159:morph option="byObject"/>
+      </p:transition>
+    </mc:Choice>
+    <mc:Fallback>
+      <p:transition spd="slow">
+        <p:fade/>
+      </p:transition>
+    </mc:Fallback>
+  </mc:AlternateContent>
+</p:sld>
+</file>
+
+<file path=ppt/slides/slide4.xml><?xml version="1.0" encoding="utf-8"?>
+<p:sld xmlns:a="http://schemas.openxmlformats.org/drawingml/2006/main" xmlns:r="http://schemas.openxmlformats.org/officeDocument/2006/relationships" xmlns:p="http://schemas.openxmlformats.org/presentationml/2006/main">
+  <p:cSld>
+    <p:spTree>
+      <p:nvGrpSpPr>
+        <p:cNvPr id="1" name="Shape 143">
+          <a:extLst>
+            <a:ext uri="{FF2B5EF4-FFF2-40B4-BE49-F238E27FC236}">
+              <a16:creationId xmlns:a16="http://schemas.microsoft.com/office/drawing/2014/main" id="{DEA0536E-D6E7-A060-AF06-5460D9B9A385}"/>
+            </a:ext>
+          </a:extLst>
+        </p:cNvPr>
+        <p:cNvGrpSpPr/>
+        <p:nvPr/>
+      </p:nvGrpSpPr>
+      <p:grpSpPr>
+        <a:xfrm>
+          <a:off x="0" y="0"/>
+          <a:ext cx="0" cy="0"/>
+          <a:chOff x="0" y="0"/>
+          <a:chExt cx="0" cy="0"/>
+        </a:xfrm>
+      </p:grpSpPr>
+      <p:sp>
+        <p:nvSpPr>
+          <p:cNvPr id="5" name="Rechteck 4">
+            <a:extLst>
+              <a:ext uri="{FF2B5EF4-FFF2-40B4-BE49-F238E27FC236}">
+                <a16:creationId xmlns:a16="http://schemas.microsoft.com/office/drawing/2014/main" id="{BEB25742-43AA-A0ED-E489-2C7388BC5842}"/>
+              </a:ext>
+            </a:extLst>
+          </p:cNvPr>
+          <p:cNvSpPr/>
+          <p:nvPr/>
+        </p:nvSpPr>
+        <p:spPr>
+          <a:xfrm>
+            <a:off x="4878065" y="823020"/>
+            <a:ext cx="12181306" cy="8628488"/>
+          </a:xfrm>
+          <a:prstGeom prst="rect">
+            <a:avLst/>
+          </a:prstGeom>
+          <a:noFill/>
+          <a:ln>
+            <a:solidFill>
+              <a:srgbClr val="FFC000"/>
+            </a:solidFill>
+          </a:ln>
+        </p:spPr>
+        <p:style>
+          <a:lnRef idx="2">
+            <a:schemeClr val="accent1">
+              <a:shade val="15000"/>
+            </a:schemeClr>
+          </a:lnRef>
+          <a:fillRef idx="1">
+            <a:schemeClr val="accent1"/>
+          </a:fillRef>
+          <a:effectRef idx="0">
+            <a:schemeClr val="accent1"/>
+          </a:effectRef>
+          <a:fontRef idx="minor">
+            <a:schemeClr val="lt1"/>
+          </a:fontRef>
+        </p:style>
+        <p:txBody>
+          <a:bodyPr rtlCol="0" anchor="ctr"/>
+          <a:lstStyle/>
+          <a:p>
+            <a:pPr algn="ctr"/>
+            <a:endParaRPr lang="de-DE"/>
+          </a:p>
+        </p:txBody>
+      </p:sp>
+      <p:sp>
+        <p:nvSpPr>
+          <p:cNvPr id="18" name="Oval 17">
+            <a:extLst>
+              <a:ext uri="{FF2B5EF4-FFF2-40B4-BE49-F238E27FC236}">
+                <a16:creationId xmlns:a16="http://schemas.microsoft.com/office/drawing/2014/main" id="{1C34037B-3276-950B-B96C-052CDBFC6D77}"/>
+              </a:ext>
+            </a:extLst>
+          </p:cNvPr>
+          <p:cNvSpPr/>
+          <p:nvPr/>
+        </p:nvSpPr>
+        <p:spPr>
+          <a:xfrm>
+            <a:off x="6455988" y="6147331"/>
+            <a:ext cx="914400" cy="914400"/>
+          </a:xfrm>
+          <a:prstGeom prst="ellipse">
+            <a:avLst/>
+          </a:prstGeom>
+          <a:solidFill>
+            <a:schemeClr val="tx1"/>
+          </a:solidFill>
+          <a:ln>
+            <a:solidFill>
+              <a:srgbClr val="FFC000"/>
+            </a:solidFill>
+          </a:ln>
+        </p:spPr>
+        <p:style>
+          <a:lnRef idx="2">
+            <a:schemeClr val="accent1">
+              <a:shade val="15000"/>
+            </a:schemeClr>
+          </a:lnRef>
+          <a:fillRef idx="1">
+            <a:schemeClr val="accent1"/>
+          </a:fillRef>
+          <a:effectRef idx="0">
+            <a:schemeClr val="accent1"/>
+          </a:effectRef>
+          <a:fontRef idx="minor">
+            <a:schemeClr val="lt1"/>
+          </a:fontRef>
+        </p:style>
+        <p:txBody>
+          <a:bodyPr rtlCol="0" anchor="ctr"/>
+          <a:lstStyle/>
+          <a:p>
+            <a:pPr algn="ctr"/>
+            <a:endParaRPr lang="de-DE"/>
+          </a:p>
+        </p:txBody>
+      </p:sp>
+      <p:sp>
+        <p:nvSpPr>
+          <p:cNvPr id="19" name="Oval 18">
+            <a:extLst>
+              <a:ext uri="{FF2B5EF4-FFF2-40B4-BE49-F238E27FC236}">
+                <a16:creationId xmlns:a16="http://schemas.microsoft.com/office/drawing/2014/main" id="{A0DB6C06-9634-BF1E-7A07-13FD530B23F8}"/>
+              </a:ext>
+            </a:extLst>
+          </p:cNvPr>
+          <p:cNvSpPr/>
+          <p:nvPr/>
+        </p:nvSpPr>
+        <p:spPr>
+          <a:xfrm>
+            <a:off x="8093004" y="6129364"/>
+            <a:ext cx="914400" cy="914400"/>
+          </a:xfrm>
+          <a:prstGeom prst="ellipse">
+            <a:avLst/>
+          </a:prstGeom>
+          <a:solidFill>
+            <a:schemeClr val="tx1"/>
+          </a:solidFill>
+          <a:ln>
+            <a:solidFill>
+              <a:srgbClr val="FFC000"/>
+            </a:solidFill>
+          </a:ln>
+        </p:spPr>
+        <p:style>
+          <a:lnRef idx="2">
+            <a:schemeClr val="accent1">
+              <a:shade val="15000"/>
+            </a:schemeClr>
+          </a:lnRef>
+          <a:fillRef idx="1">
+            <a:schemeClr val="accent1"/>
+          </a:fillRef>
+          <a:effectRef idx="0">
+            <a:schemeClr val="accent1"/>
+          </a:effectRef>
+          <a:fontRef idx="minor">
+            <a:schemeClr val="lt1"/>
+          </a:fontRef>
+        </p:style>
+        <p:txBody>
+          <a:bodyPr rtlCol="0" anchor="ctr"/>
+          <a:lstStyle/>
+          <a:p>
+            <a:pPr algn="ctr"/>
+            <a:endParaRPr lang="de-DE"/>
+          </a:p>
+        </p:txBody>
+      </p:sp>
+      <p:sp>
+        <p:nvSpPr>
+          <p:cNvPr id="20" name="Oval 19">
+            <a:extLst>
+              <a:ext uri="{FF2B5EF4-FFF2-40B4-BE49-F238E27FC236}">
+                <a16:creationId xmlns:a16="http://schemas.microsoft.com/office/drawing/2014/main" id="{2C5796BE-BB03-05A0-D304-1F3A9BCB91F1}"/>
+              </a:ext>
+            </a:extLst>
+          </p:cNvPr>
+          <p:cNvSpPr/>
+          <p:nvPr/>
+        </p:nvSpPr>
+        <p:spPr>
+          <a:xfrm>
+            <a:off x="14643959" y="6161448"/>
+            <a:ext cx="914400" cy="914400"/>
+          </a:xfrm>
+          <a:prstGeom prst="ellipse">
+            <a:avLst/>
+          </a:prstGeom>
+          <a:solidFill>
+            <a:schemeClr val="tx1"/>
+          </a:solidFill>
+          <a:ln>
+            <a:solidFill>
+              <a:srgbClr val="FFC000"/>
+            </a:solidFill>
+          </a:ln>
+        </p:spPr>
+        <p:style>
+          <a:lnRef idx="2">
+            <a:schemeClr val="accent1">
+              <a:shade val="15000"/>
+            </a:schemeClr>
+          </a:lnRef>
+          <a:fillRef idx="1">
+            <a:schemeClr val="accent1"/>
+          </a:fillRef>
+          <a:effectRef idx="0">
+            <a:schemeClr val="accent1"/>
+          </a:effectRef>
+          <a:fontRef idx="minor">
+            <a:schemeClr val="lt1"/>
+          </a:fontRef>
+        </p:style>
+        <p:txBody>
+          <a:bodyPr rtlCol="0" anchor="ctr"/>
+          <a:lstStyle/>
+          <a:p>
+            <a:pPr algn="ctr"/>
+            <a:endParaRPr lang="de-DE"/>
+          </a:p>
+        </p:txBody>
+      </p:sp>
+      <p:sp>
+        <p:nvSpPr>
+          <p:cNvPr id="21" name="Oval 20">
+            <a:extLst>
+              <a:ext uri="{FF2B5EF4-FFF2-40B4-BE49-F238E27FC236}">
+                <a16:creationId xmlns:a16="http://schemas.microsoft.com/office/drawing/2014/main" id="{39119F83-3DB1-3822-16B4-8F09A5270D8E}"/>
+              </a:ext>
+            </a:extLst>
+          </p:cNvPr>
+          <p:cNvSpPr/>
+          <p:nvPr/>
+        </p:nvSpPr>
+        <p:spPr>
+          <a:xfrm>
+            <a:off x="11370623" y="6161448"/>
+            <a:ext cx="914400" cy="914400"/>
+          </a:xfrm>
+          <a:prstGeom prst="ellipse">
+            <a:avLst/>
+          </a:prstGeom>
+          <a:solidFill>
+            <a:schemeClr val="tx1"/>
+          </a:solidFill>
+          <a:ln>
+            <a:solidFill>
+              <a:srgbClr val="FFC000"/>
+            </a:solidFill>
+          </a:ln>
+        </p:spPr>
+        <p:style>
+          <a:lnRef idx="2">
+            <a:schemeClr val="accent1">
+              <a:shade val="15000"/>
+            </a:schemeClr>
+          </a:lnRef>
+          <a:fillRef idx="1">
+            <a:schemeClr val="accent1"/>
+          </a:fillRef>
+          <a:effectRef idx="0">
+            <a:schemeClr val="accent1"/>
+          </a:effectRef>
+          <a:fontRef idx="minor">
+            <a:schemeClr val="lt1"/>
+          </a:fontRef>
+        </p:style>
+        <p:txBody>
+          <a:bodyPr rtlCol="0" anchor="ctr"/>
+          <a:lstStyle/>
+          <a:p>
+            <a:pPr algn="ctr"/>
+            <a:endParaRPr lang="de-DE"/>
+          </a:p>
+        </p:txBody>
+      </p:sp>
+      <p:sp>
+        <p:nvSpPr>
+          <p:cNvPr id="22" name="Oval 21">
+            <a:extLst>
+              <a:ext uri="{FF2B5EF4-FFF2-40B4-BE49-F238E27FC236}">
+                <a16:creationId xmlns:a16="http://schemas.microsoft.com/office/drawing/2014/main" id="{19F3CEA8-AD92-9B14-734F-6B581A175004}"/>
+              </a:ext>
+            </a:extLst>
+          </p:cNvPr>
+          <p:cNvSpPr/>
+          <p:nvPr/>
+        </p:nvSpPr>
+        <p:spPr>
+          <a:xfrm>
+            <a:off x="13007639" y="6184737"/>
+            <a:ext cx="914400" cy="914400"/>
+          </a:xfrm>
+          <a:prstGeom prst="ellipse">
+            <a:avLst/>
+          </a:prstGeom>
+          <a:solidFill>
+            <a:schemeClr val="tx1"/>
+          </a:solidFill>
+          <a:ln>
+            <a:solidFill>
+              <a:srgbClr val="FFC000"/>
+            </a:solidFill>
+          </a:ln>
+        </p:spPr>
+        <p:style>
+          <a:lnRef idx="2">
+            <a:schemeClr val="accent1">
+              <a:shade val="15000"/>
+            </a:schemeClr>
+          </a:lnRef>
+          <a:fillRef idx="1">
+            <a:schemeClr val="accent1"/>
+          </a:fillRef>
+          <a:effectRef idx="0">
+            <a:schemeClr val="accent1"/>
+          </a:effectRef>
+          <a:fontRef idx="minor">
+            <a:schemeClr val="lt1"/>
+          </a:fontRef>
+        </p:style>
+        <p:txBody>
+          <a:bodyPr rtlCol="0" anchor="ctr"/>
+          <a:lstStyle/>
+          <a:p>
+            <a:pPr algn="ctr"/>
+            <a:endParaRPr lang="de-DE"/>
+          </a:p>
+        </p:txBody>
+      </p:sp>
+      <p:sp>
+        <p:nvSpPr>
+          <p:cNvPr id="24" name="Google Shape;147;p16">
+            <a:extLst>
+              <a:ext uri="{FF2B5EF4-FFF2-40B4-BE49-F238E27FC236}">
+                <a16:creationId xmlns:a16="http://schemas.microsoft.com/office/drawing/2014/main" id="{DC050426-CB51-C0FD-9EF2-31FBD2EE0853}"/>
+              </a:ext>
+            </a:extLst>
+          </p:cNvPr>
+          <p:cNvSpPr txBox="1"/>
+          <p:nvPr/>
+        </p:nvSpPr>
+        <p:spPr>
+          <a:xfrm rot="5400000">
+            <a:off x="13542379" y="4575359"/>
+            <a:ext cx="8229600" cy="1259447"/>
+          </a:xfrm>
+          <a:prstGeom prst="rect">
+            <a:avLst/>
+          </a:prstGeom>
+          <a:noFill/>
+          <a:ln>
+            <a:noFill/>
+          </a:ln>
+        </p:spPr>
+        <p:txBody>
+          <a:bodyPr spcFirstLastPara="1" wrap="square" lIns="0" tIns="0" rIns="0" bIns="0" anchor="t" anchorCtr="0">
+            <a:spAutoFit/>
+          </a:bodyPr>
+          <a:lstStyle/>
+          <a:p>
+            <a:pPr marL="0" marR="0" lvl="0" indent="0" algn="ctr" rtl="0">
+              <a:lnSpc>
+                <a:spcPct val="124000"/>
+              </a:lnSpc>
+              <a:spcBef>
+                <a:spcPts val="0"/>
+              </a:spcBef>
+              <a:spcAft>
+                <a:spcPts val="0"/>
+              </a:spcAft>
+              <a:buNone/>
+            </a:pPr>
+            <a:r>
+              <a:rPr lang="en-US" sz="6600" b="1" dirty="0">
+                <a:solidFill>
+                  <a:srgbClr val="D4D4D4"/>
+                </a:solidFill>
+                <a:latin typeface="Oswald"/>
+                <a:sym typeface="Oswald"/>
+              </a:rPr>
+              <a:t>Button Piano Layout</a:t>
+            </a:r>
+            <a:endParaRPr sz="6600" dirty="0"/>
+          </a:p>
+        </p:txBody>
+      </p:sp>
+      <p:sp>
+        <p:nvSpPr>
+          <p:cNvPr id="146" name="!!T2S">
+            <a:extLst>
+              <a:ext uri="{FF2B5EF4-FFF2-40B4-BE49-F238E27FC236}">
+                <a16:creationId xmlns:a16="http://schemas.microsoft.com/office/drawing/2014/main" id="{365503BA-BC59-9136-E2D4-B80CCA9B0962}"/>
+              </a:ext>
+            </a:extLst>
+          </p:cNvPr>
+          <p:cNvSpPr/>
+          <p:nvPr/>
+        </p:nvSpPr>
+        <p:spPr>
+          <a:xfrm>
+            <a:off x="0" y="1142576"/>
+            <a:ext cx="5406190" cy="3606238"/>
+          </a:xfrm>
+          <a:custGeom>
+            <a:avLst/>
+            <a:gdLst/>
+            <a:ahLst/>
+            <a:cxnLst/>
+            <a:rect l="l" t="t" r="r" b="b"/>
+            <a:pathLst>
+              <a:path w="13810523" h="4792440" extrusionOk="0">
+                <a:moveTo>
+                  <a:pt x="0" y="0"/>
+                </a:moveTo>
+                <a:lnTo>
+                  <a:pt x="13810523" y="0"/>
+                </a:lnTo>
+                <a:lnTo>
+                  <a:pt x="13810523" y="4792440"/>
+                </a:lnTo>
+                <a:lnTo>
+                  <a:pt x="0" y="4792440"/>
+                </a:lnTo>
+                <a:lnTo>
+                  <a:pt x="0" y="0"/>
+                </a:lnTo>
+                <a:close/>
+              </a:path>
+            </a:pathLst>
+          </a:custGeom>
+          <a:blipFill rotWithShape="1">
+            <a:blip r:embed="rId3">
+              <a:alphaModFix/>
+            </a:blip>
+            <a:stretch>
+              <a:fillRect l="-137270"/>
+            </a:stretch>
+          </a:blipFill>
+          <a:ln>
+            <a:noFill/>
+          </a:ln>
+        </p:spPr>
+        <p:txBody>
+          <a:bodyPr/>
+          <a:lstStyle/>
+          <a:p>
+            <a:endParaRPr lang="de-DE"/>
+          </a:p>
+        </p:txBody>
+      </p:sp>
+      <p:sp>
+        <p:nvSpPr>
+          <p:cNvPr id="151" name="T2N">
+            <a:extLst>
+              <a:ext uri="{FF2B5EF4-FFF2-40B4-BE49-F238E27FC236}">
+                <a16:creationId xmlns:a16="http://schemas.microsoft.com/office/drawing/2014/main" id="{6B611A95-1956-13DE-2CC1-1542B059A773}"/>
+              </a:ext>
+            </a:extLst>
+          </p:cNvPr>
+          <p:cNvSpPr txBox="1"/>
+          <p:nvPr/>
+        </p:nvSpPr>
+        <p:spPr>
+          <a:xfrm>
+            <a:off x="173733" y="2311292"/>
+            <a:ext cx="788793" cy="839589"/>
+          </a:xfrm>
+          <a:prstGeom prst="rect">
+            <a:avLst/>
+          </a:prstGeom>
+          <a:noFill/>
+          <a:ln>
+            <a:noFill/>
+          </a:ln>
+        </p:spPr>
+        <p:txBody>
+          <a:bodyPr spcFirstLastPara="1" wrap="square" lIns="0" tIns="0" rIns="0" bIns="0" anchor="t" anchorCtr="0">
+            <a:spAutoFit/>
+          </a:bodyPr>
+          <a:lstStyle/>
+          <a:p>
+            <a:pPr marL="0" marR="0" lvl="0" indent="0" algn="l" rtl="0">
+              <a:lnSpc>
+                <a:spcPct val="124000"/>
+              </a:lnSpc>
+              <a:spcBef>
+                <a:spcPts val="0"/>
+              </a:spcBef>
+              <a:spcAft>
+                <a:spcPts val="0"/>
+              </a:spcAft>
+              <a:buNone/>
+            </a:pPr>
+            <a:r>
+              <a:rPr lang="en-US" sz="4400" b="0" i="0" u="none" strike="noStrike" cap="none" dirty="0">
+                <a:solidFill>
+                  <a:srgbClr val="FFC000"/>
+                </a:solidFill>
+                <a:latin typeface="Oswald"/>
+                <a:ea typeface="Oswald"/>
+                <a:cs typeface="Oswald"/>
+                <a:sym typeface="Oswald"/>
+              </a:rPr>
+              <a:t>02</a:t>
+            </a:r>
+            <a:endParaRPr sz="4400" dirty="0">
+              <a:solidFill>
+                <a:srgbClr val="FFC000"/>
+              </a:solidFill>
+            </a:endParaRPr>
+          </a:p>
+        </p:txBody>
+      </p:sp>
+      <p:sp>
+        <p:nvSpPr>
+          <p:cNvPr id="144" name="!!T3S">
+            <a:extLst>
+              <a:ext uri="{FF2B5EF4-FFF2-40B4-BE49-F238E27FC236}">
+                <a16:creationId xmlns:a16="http://schemas.microsoft.com/office/drawing/2014/main" id="{C2BB5DC2-5EF9-442E-5AB5-F9E0D35BF818}"/>
+              </a:ext>
+            </a:extLst>
+          </p:cNvPr>
+          <p:cNvSpPr/>
+          <p:nvPr/>
+        </p:nvSpPr>
+        <p:spPr>
+          <a:xfrm>
+            <a:off x="-1" y="2551212"/>
+            <a:ext cx="6506062" cy="5200492"/>
+          </a:xfrm>
+          <a:custGeom>
+            <a:avLst/>
+            <a:gdLst/>
+            <a:ahLst/>
+            <a:cxnLst/>
+            <a:rect l="l" t="t" r="r" b="b"/>
+            <a:pathLst>
+              <a:path w="13810523" h="4792440" extrusionOk="0">
+                <a:moveTo>
+                  <a:pt x="0" y="0"/>
+                </a:moveTo>
+                <a:lnTo>
+                  <a:pt x="13810523" y="0"/>
+                </a:lnTo>
+                <a:lnTo>
+                  <a:pt x="13810523" y="4792440"/>
+                </a:lnTo>
+                <a:lnTo>
+                  <a:pt x="0" y="4792440"/>
+                </a:lnTo>
+                <a:lnTo>
+                  <a:pt x="0" y="0"/>
+                </a:lnTo>
+                <a:close/>
+              </a:path>
+            </a:pathLst>
+          </a:custGeom>
+          <a:blipFill rotWithShape="1">
+            <a:blip r:embed="rId3">
+              <a:alphaModFix/>
+            </a:blip>
+            <a:stretch>
+              <a:fillRect l="-137270"/>
+            </a:stretch>
+          </a:blipFill>
+          <a:ln>
+            <a:noFill/>
+          </a:ln>
+        </p:spPr>
+        <p:txBody>
+          <a:bodyPr/>
+          <a:lstStyle/>
+          <a:p>
+            <a:endParaRPr lang="de-DE" dirty="0"/>
+          </a:p>
+        </p:txBody>
+      </p:sp>
+      <p:sp>
+        <p:nvSpPr>
+          <p:cNvPr id="150" name="T2T">
+            <a:extLst>
+              <a:ext uri="{FF2B5EF4-FFF2-40B4-BE49-F238E27FC236}">
+                <a16:creationId xmlns:a16="http://schemas.microsoft.com/office/drawing/2014/main" id="{4BC24FB0-4354-9583-A327-D52BB21D5904}"/>
+              </a:ext>
+            </a:extLst>
+          </p:cNvPr>
+          <p:cNvSpPr txBox="1"/>
+          <p:nvPr/>
+        </p:nvSpPr>
+        <p:spPr>
+          <a:xfrm>
+            <a:off x="962526" y="2369846"/>
+            <a:ext cx="3435777" cy="763286"/>
+          </a:xfrm>
+          <a:prstGeom prst="rect">
+            <a:avLst/>
+          </a:prstGeom>
+          <a:noFill/>
+          <a:ln>
+            <a:noFill/>
+          </a:ln>
+        </p:spPr>
+        <p:txBody>
+          <a:bodyPr spcFirstLastPara="1" wrap="square" lIns="0" tIns="0" rIns="0" bIns="0" anchor="t" anchorCtr="0">
+            <a:spAutoFit/>
+          </a:bodyPr>
+          <a:lstStyle/>
+          <a:p>
+            <a:pPr marL="0" marR="0" lvl="0" indent="0" algn="l" rtl="0">
+              <a:lnSpc>
+                <a:spcPct val="124000"/>
+              </a:lnSpc>
+              <a:spcBef>
+                <a:spcPts val="0"/>
+              </a:spcBef>
+              <a:spcAft>
+                <a:spcPts val="0"/>
+              </a:spcAft>
+              <a:buNone/>
+            </a:pPr>
+            <a:r>
+              <a:rPr lang="en-US" sz="4000" b="0" i="0" u="none" strike="noStrike" cap="none" dirty="0">
+                <a:solidFill>
+                  <a:schemeClr val="bg1">
+                    <a:lumMod val="75000"/>
+                  </a:schemeClr>
+                </a:solidFill>
+                <a:latin typeface="Oswald"/>
+                <a:ea typeface="Oswald"/>
+                <a:cs typeface="Oswald"/>
+                <a:sym typeface="Oswald"/>
+              </a:rPr>
+              <a:t>7’’ Display</a:t>
+            </a:r>
+            <a:endParaRPr sz="4000" dirty="0">
+              <a:solidFill>
+                <a:schemeClr val="bg1">
+                  <a:lumMod val="75000"/>
+                </a:schemeClr>
+              </a:solidFill>
+            </a:endParaRPr>
+          </a:p>
+        </p:txBody>
+      </p:sp>
+      <p:sp>
+        <p:nvSpPr>
+          <p:cNvPr id="2" name="!!T1S">
+            <a:extLst>
+              <a:ext uri="{FF2B5EF4-FFF2-40B4-BE49-F238E27FC236}">
+                <a16:creationId xmlns:a16="http://schemas.microsoft.com/office/drawing/2014/main" id="{14FCA91D-9F13-FFAA-23C1-DF65CFAC0241}"/>
+              </a:ext>
+            </a:extLst>
+          </p:cNvPr>
+          <p:cNvSpPr/>
+          <p:nvPr/>
+        </p:nvSpPr>
+        <p:spPr>
+          <a:xfrm>
+            <a:off x="0" y="128484"/>
+            <a:ext cx="3609474" cy="2470111"/>
+          </a:xfrm>
+          <a:custGeom>
+            <a:avLst/>
+            <a:gdLst/>
+            <a:ahLst/>
+            <a:cxnLst/>
+            <a:rect l="l" t="t" r="r" b="b"/>
+            <a:pathLst>
+              <a:path w="13810523" h="4792440" extrusionOk="0">
+                <a:moveTo>
+                  <a:pt x="0" y="0"/>
+                </a:moveTo>
+                <a:lnTo>
+                  <a:pt x="13810523" y="0"/>
+                </a:lnTo>
+                <a:lnTo>
+                  <a:pt x="13810523" y="4792440"/>
+                </a:lnTo>
+                <a:lnTo>
+                  <a:pt x="0" y="4792440"/>
+                </a:lnTo>
+                <a:lnTo>
+                  <a:pt x="0" y="0"/>
+                </a:lnTo>
+                <a:close/>
+              </a:path>
+            </a:pathLst>
+          </a:custGeom>
+          <a:blipFill rotWithShape="1">
+            <a:blip r:embed="rId3">
+              <a:alphaModFix/>
+            </a:blip>
+            <a:stretch>
+              <a:fillRect l="-137270"/>
+            </a:stretch>
+          </a:blipFill>
+          <a:ln>
+            <a:noFill/>
+          </a:ln>
+        </p:spPr>
+        <p:txBody>
+          <a:bodyPr/>
+          <a:lstStyle/>
+          <a:p>
+            <a:endParaRPr lang="de-DE"/>
+          </a:p>
+        </p:txBody>
+      </p:sp>
+      <p:sp>
+        <p:nvSpPr>
+          <p:cNvPr id="7" name="!!T4S">
+            <a:extLst>
+              <a:ext uri="{FF2B5EF4-FFF2-40B4-BE49-F238E27FC236}">
+                <a16:creationId xmlns:a16="http://schemas.microsoft.com/office/drawing/2014/main" id="{71423CF6-C9FF-C813-DFE1-1EC021418F7C}"/>
+              </a:ext>
+            </a:extLst>
+          </p:cNvPr>
+          <p:cNvSpPr/>
+          <p:nvPr/>
+        </p:nvSpPr>
+        <p:spPr>
+          <a:xfrm>
+            <a:off x="31916" y="5422664"/>
+            <a:ext cx="5406190" cy="3606238"/>
+          </a:xfrm>
+          <a:custGeom>
+            <a:avLst/>
+            <a:gdLst/>
+            <a:ahLst/>
+            <a:cxnLst/>
+            <a:rect l="l" t="t" r="r" b="b"/>
+            <a:pathLst>
+              <a:path w="13810523" h="4792440" extrusionOk="0">
+                <a:moveTo>
+                  <a:pt x="0" y="0"/>
+                </a:moveTo>
+                <a:lnTo>
+                  <a:pt x="13810523" y="0"/>
+                </a:lnTo>
+                <a:lnTo>
+                  <a:pt x="13810523" y="4792440"/>
+                </a:lnTo>
+                <a:lnTo>
+                  <a:pt x="0" y="4792440"/>
+                </a:lnTo>
+                <a:lnTo>
+                  <a:pt x="0" y="0"/>
+                </a:lnTo>
+                <a:close/>
+              </a:path>
+            </a:pathLst>
+          </a:custGeom>
+          <a:blipFill rotWithShape="1">
+            <a:blip r:embed="rId3">
+              <a:alphaModFix/>
+            </a:blip>
+            <a:stretch>
+              <a:fillRect l="-137270"/>
+            </a:stretch>
+          </a:blipFill>
+          <a:ln>
+            <a:noFill/>
+          </a:ln>
+        </p:spPr>
+        <p:txBody>
+          <a:bodyPr/>
+          <a:lstStyle/>
+          <a:p>
+            <a:endParaRPr lang="de-DE"/>
+          </a:p>
+        </p:txBody>
+      </p:sp>
+      <p:sp>
+        <p:nvSpPr>
           <p:cNvPr id="8" name="T4N">
             <a:extLst>
               <a:ext uri="{FF2B5EF4-FFF2-40B4-BE49-F238E27FC236}">
@@ -23473,13 +25306,13 @@
   <p:clrMapOvr>
     <a:masterClrMapping/>
   </p:clrMapOvr>
-  <mc:AlternateContent xmlns:mc="http://schemas.openxmlformats.org/markup-compatibility/2006" xmlns:p159="http://schemas.microsoft.com/office/powerpoint/2015/09/main">
-    <mc:Choice Requires="p159">
+  <mc:AlternateContent xmlns:mc="http://schemas.openxmlformats.org/markup-compatibility/2006">
+    <mc:Choice xmlns:p159="http://schemas.microsoft.com/office/powerpoint/2015/09/main" Requires="p159">
       <p:transition xmlns:p14="http://schemas.microsoft.com/office/powerpoint/2010/main" spd="slow" p14:dur="2000">
         <p159:morph option="byObject"/>
       </p:transition>
     </mc:Choice>
-    <mc:Fallback xmlns="">
+    <mc:Fallback>
       <p:transition spd="slow">
         <p:fade/>
       </p:transition>
@@ -24175,13 +26008,13 @@
   <p:clrMapOvr>
     <a:masterClrMapping/>
   </p:clrMapOvr>
-  <mc:AlternateContent xmlns:mc="http://schemas.openxmlformats.org/markup-compatibility/2006" xmlns:p159="http://schemas.microsoft.com/office/powerpoint/2015/09/main">
-    <mc:Choice Requires="p159">
+  <mc:AlternateContent xmlns:mc="http://schemas.openxmlformats.org/markup-compatibility/2006">
+    <mc:Choice xmlns:p159="http://schemas.microsoft.com/office/powerpoint/2015/09/main" Requires="p159">
       <p:transition xmlns:p14="http://schemas.microsoft.com/office/powerpoint/2010/main" spd="slow" p14:dur="2000">
         <p159:morph option="byObject"/>
       </p:transition>
     </mc:Choice>
-    <mc:Fallback xmlns="">
+    <mc:Fallback>
       <p:transition spd="slow">
         <p:fade/>
       </p:transition>
@@ -26381,13 +28214,13 @@
   <p:clrMapOvr>
     <a:masterClrMapping/>
   </p:clrMapOvr>
-  <mc:AlternateContent xmlns:mc="http://schemas.openxmlformats.org/markup-compatibility/2006" xmlns:p159="http://schemas.microsoft.com/office/powerpoint/2015/09/main">
-    <mc:Choice Requires="p159">
+  <mc:AlternateContent xmlns:mc="http://schemas.openxmlformats.org/markup-compatibility/2006">
+    <mc:Choice xmlns:p159="http://schemas.microsoft.com/office/powerpoint/2015/09/main" Requires="p159">
       <p:transition xmlns:p14="http://schemas.microsoft.com/office/powerpoint/2010/main" spd="slow" p14:dur="2000">
         <p159:morph option="byObject"/>
       </p:transition>
     </mc:Choice>
-    <mc:Fallback xmlns="">
+    <mc:Fallback>
       <p:transition spd="slow">
         <p:fade/>
       </p:transition>
@@ -28600,13 +30433,13 @@
   <p:clrMapOvr>
     <a:masterClrMapping/>
   </p:clrMapOvr>
-  <mc:AlternateContent xmlns:mc="http://schemas.openxmlformats.org/markup-compatibility/2006" xmlns:p159="http://schemas.microsoft.com/office/powerpoint/2015/09/main">
-    <mc:Choice Requires="p159">
+  <mc:AlternateContent xmlns:mc="http://schemas.openxmlformats.org/markup-compatibility/2006">
+    <mc:Choice xmlns:p159="http://schemas.microsoft.com/office/powerpoint/2015/09/main" Requires="p159">
       <p:transition xmlns:p14="http://schemas.microsoft.com/office/powerpoint/2010/main" spd="slow" p14:dur="2000">
         <p159:morph option="byObject"/>
       </p:transition>
     </mc:Choice>
-    <mc:Fallback xmlns="">
+    <mc:Fallback>
       <p:transition spd="slow">
         <p:fade/>
       </p:transition>
@@ -30862,13 +32695,13 @@
   <p:clrMapOvr>
     <a:masterClrMapping/>
   </p:clrMapOvr>
-  <mc:AlternateContent xmlns:mc="http://schemas.openxmlformats.org/markup-compatibility/2006" xmlns:p159="http://schemas.microsoft.com/office/powerpoint/2015/09/main">
-    <mc:Choice Requires="p159">
+  <mc:AlternateContent xmlns:mc="http://schemas.openxmlformats.org/markup-compatibility/2006">
+    <mc:Choice xmlns:p159="http://schemas.microsoft.com/office/powerpoint/2015/09/main" Requires="p159">
       <p:transition xmlns:p14="http://schemas.microsoft.com/office/powerpoint/2010/main" spd="slow" p14:dur="2000">
         <p159:morph option="byObject"/>
       </p:transition>
     </mc:Choice>
-    <mc:Fallback xmlns="">
+    <mc:Fallback>
       <p:transition spd="slow">
         <p:fade/>
       </p:transition>
